--- a/report/webdesign.pptx
+++ b/report/webdesign.pptx
@@ -104,6 +104,11 @@
       </a:defRPr>
     </a:lvl9pPr>
   </p:defaultTextStyle>
+  <p:extLst>
+    <p:ext uri="{EFAFB233-063F-42B5-8137-9DF3F51BA10A}">
+      <p15:sldGuideLst xmlns:p15="http://schemas.microsoft.com/office/powerpoint/2012/main"/>
+    </p:ext>
+  </p:extLst>
 </p:presentation>
 </file>
 
@@ -256,7 +261,7 @@
           <a:p>
             <a:fld id="{A22D3A4D-EE17-4E72-A5DD-88FF401DAAEF}" type="datetimeFigureOut">
               <a:rPr lang="en-GB" smtClean="0"/>
-              <a:t>19/10/2019</a:t>
+              <a:t>20/10/2019</a:t>
             </a:fld>
             <a:endParaRPr lang="en-GB"/>
           </a:p>
@@ -456,7 +461,7 @@
           <a:p>
             <a:fld id="{A22D3A4D-EE17-4E72-A5DD-88FF401DAAEF}" type="datetimeFigureOut">
               <a:rPr lang="en-GB" smtClean="0"/>
-              <a:t>19/10/2019</a:t>
+              <a:t>20/10/2019</a:t>
             </a:fld>
             <a:endParaRPr lang="en-GB"/>
           </a:p>
@@ -666,7 +671,7 @@
           <a:p>
             <a:fld id="{A22D3A4D-EE17-4E72-A5DD-88FF401DAAEF}" type="datetimeFigureOut">
               <a:rPr lang="en-GB" smtClean="0"/>
-              <a:t>19/10/2019</a:t>
+              <a:t>20/10/2019</a:t>
             </a:fld>
             <a:endParaRPr lang="en-GB"/>
           </a:p>
@@ -866,7 +871,7 @@
           <a:p>
             <a:fld id="{A22D3A4D-EE17-4E72-A5DD-88FF401DAAEF}" type="datetimeFigureOut">
               <a:rPr lang="en-GB" smtClean="0"/>
-              <a:t>19/10/2019</a:t>
+              <a:t>20/10/2019</a:t>
             </a:fld>
             <a:endParaRPr lang="en-GB"/>
           </a:p>
@@ -1142,7 +1147,7 @@
           <a:p>
             <a:fld id="{A22D3A4D-EE17-4E72-A5DD-88FF401DAAEF}" type="datetimeFigureOut">
               <a:rPr lang="en-GB" smtClean="0"/>
-              <a:t>19/10/2019</a:t>
+              <a:t>20/10/2019</a:t>
             </a:fld>
             <a:endParaRPr lang="en-GB"/>
           </a:p>
@@ -1410,7 +1415,7 @@
           <a:p>
             <a:fld id="{A22D3A4D-EE17-4E72-A5DD-88FF401DAAEF}" type="datetimeFigureOut">
               <a:rPr lang="en-GB" smtClean="0"/>
-              <a:t>19/10/2019</a:t>
+              <a:t>20/10/2019</a:t>
             </a:fld>
             <a:endParaRPr lang="en-GB"/>
           </a:p>
@@ -1825,7 +1830,7 @@
           <a:p>
             <a:fld id="{A22D3A4D-EE17-4E72-A5DD-88FF401DAAEF}" type="datetimeFigureOut">
               <a:rPr lang="en-GB" smtClean="0"/>
-              <a:t>19/10/2019</a:t>
+              <a:t>20/10/2019</a:t>
             </a:fld>
             <a:endParaRPr lang="en-GB"/>
           </a:p>
@@ -1967,7 +1972,7 @@
           <a:p>
             <a:fld id="{A22D3A4D-EE17-4E72-A5DD-88FF401DAAEF}" type="datetimeFigureOut">
               <a:rPr lang="en-GB" smtClean="0"/>
-              <a:t>19/10/2019</a:t>
+              <a:t>20/10/2019</a:t>
             </a:fld>
             <a:endParaRPr lang="en-GB"/>
           </a:p>
@@ -2080,7 +2085,7 @@
           <a:p>
             <a:fld id="{A22D3A4D-EE17-4E72-A5DD-88FF401DAAEF}" type="datetimeFigureOut">
               <a:rPr lang="en-GB" smtClean="0"/>
-              <a:t>19/10/2019</a:t>
+              <a:t>20/10/2019</a:t>
             </a:fld>
             <a:endParaRPr lang="en-GB"/>
           </a:p>
@@ -2393,7 +2398,7 @@
           <a:p>
             <a:fld id="{A22D3A4D-EE17-4E72-A5DD-88FF401DAAEF}" type="datetimeFigureOut">
               <a:rPr lang="en-GB" smtClean="0"/>
-              <a:t>19/10/2019</a:t>
+              <a:t>20/10/2019</a:t>
             </a:fld>
             <a:endParaRPr lang="en-GB"/>
           </a:p>
@@ -2682,7 +2687,7 @@
           <a:p>
             <a:fld id="{A22D3A4D-EE17-4E72-A5DD-88FF401DAAEF}" type="datetimeFigureOut">
               <a:rPr lang="en-GB" smtClean="0"/>
-              <a:t>19/10/2019</a:t>
+              <a:t>20/10/2019</a:t>
             </a:fld>
             <a:endParaRPr lang="en-GB"/>
           </a:p>
@@ -2925,7 +2930,7 @@
           <a:p>
             <a:fld id="{A22D3A4D-EE17-4E72-A5DD-88FF401DAAEF}" type="datetimeFigureOut">
               <a:rPr lang="en-GB" smtClean="0"/>
-              <a:t>19/10/2019</a:t>
+              <a:t>20/10/2019</a:t>
             </a:fld>
             <a:endParaRPr lang="en-GB"/>
           </a:p>
@@ -3342,12 +3347,2943 @@
           <a:chExt cx="0" cy="0"/>
         </a:xfrm>
       </p:grpSpPr>
+      <p:sp>
+        <p:nvSpPr>
+          <p:cNvPr id="4" name="Rectangle 3">
+            <a:extLst>
+              <a:ext uri="{FF2B5EF4-FFF2-40B4-BE49-F238E27FC236}">
+                <a16:creationId xmlns:a16="http://schemas.microsoft.com/office/drawing/2014/main" id="{5ED3C6F1-D8C1-4E6D-ACDF-AE343A8DF377}"/>
+              </a:ext>
+            </a:extLst>
+          </p:cNvPr>
+          <p:cNvSpPr/>
+          <p:nvPr/>
+        </p:nvSpPr>
+        <p:spPr>
+          <a:xfrm>
+            <a:off x="0" y="0"/>
+            <a:ext cx="5206481" cy="3265714"/>
+          </a:xfrm>
+          <a:prstGeom prst="rect">
+            <a:avLst/>
+          </a:prstGeom>
+          <a:solidFill>
+            <a:schemeClr val="bg1"/>
+          </a:solidFill>
+          <a:ln>
+            <a:solidFill>
+              <a:schemeClr val="accent1">
+                <a:lumMod val="75000"/>
+              </a:schemeClr>
+            </a:solidFill>
+          </a:ln>
+        </p:spPr>
+        <p:style>
+          <a:lnRef idx="2">
+            <a:schemeClr val="accent1">
+              <a:shade val="50000"/>
+            </a:schemeClr>
+          </a:lnRef>
+          <a:fillRef idx="1">
+            <a:schemeClr val="accent1"/>
+          </a:fillRef>
+          <a:effectRef idx="0">
+            <a:schemeClr val="accent1"/>
+          </a:effectRef>
+          <a:fontRef idx="minor">
+            <a:schemeClr val="lt1"/>
+          </a:fontRef>
+        </p:style>
+        <p:txBody>
+          <a:bodyPr rtlCol="0" anchor="ctr"/>
+          <a:lstStyle/>
+          <a:p>
+            <a:pPr algn="ctr"/>
+            <a:endParaRPr lang="en-GB"/>
+          </a:p>
+        </p:txBody>
+      </p:sp>
+      <p:sp>
+        <p:nvSpPr>
+          <p:cNvPr id="5" name="Rectangle 4">
+            <a:extLst>
+              <a:ext uri="{FF2B5EF4-FFF2-40B4-BE49-F238E27FC236}">
+                <a16:creationId xmlns:a16="http://schemas.microsoft.com/office/drawing/2014/main" id="{E3CD87B5-4CC7-4ED2-822C-8919E163787B}"/>
+              </a:ext>
+            </a:extLst>
+          </p:cNvPr>
+          <p:cNvSpPr/>
+          <p:nvPr/>
+        </p:nvSpPr>
+        <p:spPr>
+          <a:xfrm>
+            <a:off x="0" y="0"/>
+            <a:ext cx="5206481" cy="313114"/>
+          </a:xfrm>
+          <a:prstGeom prst="rect">
+            <a:avLst/>
+          </a:prstGeom>
+          <a:solidFill>
+            <a:schemeClr val="accent5">
+              <a:lumMod val="40000"/>
+              <a:lumOff val="60000"/>
+            </a:schemeClr>
+          </a:solidFill>
+        </p:spPr>
+        <p:style>
+          <a:lnRef idx="2">
+            <a:schemeClr val="accent1">
+              <a:shade val="50000"/>
+            </a:schemeClr>
+          </a:lnRef>
+          <a:fillRef idx="1">
+            <a:schemeClr val="accent1"/>
+          </a:fillRef>
+          <a:effectRef idx="0">
+            <a:schemeClr val="accent1"/>
+          </a:effectRef>
+          <a:fontRef idx="minor">
+            <a:schemeClr val="lt1"/>
+          </a:fontRef>
+        </p:style>
+        <p:txBody>
+          <a:bodyPr rtlCol="0" anchor="ctr"/>
+          <a:lstStyle/>
+          <a:p>
+            <a:pPr algn="ctr"/>
+            <a:endParaRPr lang="en-GB" dirty="0"/>
+          </a:p>
+        </p:txBody>
+      </p:sp>
+      <p:sp>
+        <p:nvSpPr>
+          <p:cNvPr id="6" name="Rectangle 5">
+            <a:extLst>
+              <a:ext uri="{FF2B5EF4-FFF2-40B4-BE49-F238E27FC236}">
+                <a16:creationId xmlns:a16="http://schemas.microsoft.com/office/drawing/2014/main" id="{CB9B3D98-C508-4073-AA6C-83E794A0DC20}"/>
+              </a:ext>
+            </a:extLst>
+          </p:cNvPr>
+          <p:cNvSpPr/>
+          <p:nvPr/>
+        </p:nvSpPr>
+        <p:spPr>
+          <a:xfrm>
+            <a:off x="309215" y="802129"/>
+            <a:ext cx="1257300" cy="817685"/>
+          </a:xfrm>
+          <a:prstGeom prst="rect">
+            <a:avLst/>
+          </a:prstGeom>
+          <a:solidFill>
+            <a:schemeClr val="accent5">
+              <a:lumMod val="40000"/>
+              <a:lumOff val="60000"/>
+            </a:schemeClr>
+          </a:solidFill>
+        </p:spPr>
+        <p:style>
+          <a:lnRef idx="2">
+            <a:schemeClr val="accent1">
+              <a:shade val="50000"/>
+            </a:schemeClr>
+          </a:lnRef>
+          <a:fillRef idx="1">
+            <a:schemeClr val="accent1"/>
+          </a:fillRef>
+          <a:effectRef idx="0">
+            <a:schemeClr val="accent1"/>
+          </a:effectRef>
+          <a:fontRef idx="minor">
+            <a:schemeClr val="lt1"/>
+          </a:fontRef>
+        </p:style>
+        <p:txBody>
+          <a:bodyPr rtlCol="0" anchor="ctr"/>
+          <a:lstStyle/>
+          <a:p>
+            <a:r>
+              <a:rPr lang="en-GB" sz="1000" dirty="0">
+                <a:solidFill>
+                  <a:schemeClr val="tx1"/>
+                </a:solidFill>
+              </a:rPr>
+              <a:t>Table name</a:t>
+            </a:r>
+          </a:p>
+          <a:p>
+            <a:r>
+              <a:rPr lang="en-GB" sz="1000" dirty="0">
+                <a:solidFill>
+                  <a:schemeClr val="tx1"/>
+                </a:solidFill>
+              </a:rPr>
+              <a:t>Buy in: (buy in)</a:t>
+            </a:r>
+          </a:p>
+          <a:p>
+            <a:r>
+              <a:rPr lang="en-GB" sz="1000" dirty="0">
+                <a:solidFill>
+                  <a:schemeClr val="tx1"/>
+                </a:solidFill>
+              </a:rPr>
+              <a:t>(players)/(max no)</a:t>
+            </a:r>
+          </a:p>
+          <a:p>
+            <a:endParaRPr lang="en-GB" sz="1000" dirty="0">
+              <a:solidFill>
+                <a:schemeClr val="tx1"/>
+              </a:solidFill>
+            </a:endParaRPr>
+          </a:p>
+          <a:p>
+            <a:endParaRPr lang="en-GB" sz="1100" dirty="0">
+              <a:solidFill>
+                <a:schemeClr val="tx1"/>
+              </a:solidFill>
+            </a:endParaRPr>
+          </a:p>
+        </p:txBody>
+      </p:sp>
+      <p:sp>
+        <p:nvSpPr>
+          <p:cNvPr id="7" name="Rectangle 6">
+            <a:extLst>
+              <a:ext uri="{FF2B5EF4-FFF2-40B4-BE49-F238E27FC236}">
+                <a16:creationId xmlns:a16="http://schemas.microsoft.com/office/drawing/2014/main" id="{25AAAFB6-1956-44E7-8847-134B00B85C04}"/>
+              </a:ext>
+            </a:extLst>
+          </p:cNvPr>
+          <p:cNvSpPr/>
+          <p:nvPr/>
+        </p:nvSpPr>
+        <p:spPr>
+          <a:xfrm>
+            <a:off x="1912346" y="802130"/>
+            <a:ext cx="1257300" cy="817684"/>
+          </a:xfrm>
+          <a:prstGeom prst="rect">
+            <a:avLst/>
+          </a:prstGeom>
+          <a:solidFill>
+            <a:schemeClr val="accent5">
+              <a:lumMod val="40000"/>
+              <a:lumOff val="60000"/>
+            </a:schemeClr>
+          </a:solidFill>
+        </p:spPr>
+        <p:style>
+          <a:lnRef idx="2">
+            <a:schemeClr val="accent1">
+              <a:shade val="50000"/>
+            </a:schemeClr>
+          </a:lnRef>
+          <a:fillRef idx="1">
+            <a:schemeClr val="accent1"/>
+          </a:fillRef>
+          <a:effectRef idx="0">
+            <a:schemeClr val="accent1"/>
+          </a:effectRef>
+          <a:fontRef idx="minor">
+            <a:schemeClr val="lt1"/>
+          </a:fontRef>
+        </p:style>
+        <p:txBody>
+          <a:bodyPr rtlCol="0" anchor="ctr"/>
+          <a:lstStyle/>
+          <a:p>
+            <a:pPr algn="ctr"/>
+            <a:r>
+              <a:rPr lang="en-GB" sz="1200" dirty="0">
+                <a:solidFill>
+                  <a:schemeClr val="tx1"/>
+                </a:solidFill>
+              </a:rPr>
+              <a:t>Table</a:t>
+            </a:r>
+          </a:p>
+        </p:txBody>
+      </p:sp>
+      <p:sp>
+        <p:nvSpPr>
+          <p:cNvPr id="8" name="Rectangle 7">
+            <a:extLst>
+              <a:ext uri="{FF2B5EF4-FFF2-40B4-BE49-F238E27FC236}">
+                <a16:creationId xmlns:a16="http://schemas.microsoft.com/office/drawing/2014/main" id="{5B109C5B-1E70-412E-AFB3-3FBB7D64D01C}"/>
+              </a:ext>
+            </a:extLst>
+          </p:cNvPr>
+          <p:cNvSpPr/>
+          <p:nvPr/>
+        </p:nvSpPr>
+        <p:spPr>
+          <a:xfrm>
+            <a:off x="3515477" y="818100"/>
+            <a:ext cx="1257300" cy="817684"/>
+          </a:xfrm>
+          <a:prstGeom prst="rect">
+            <a:avLst/>
+          </a:prstGeom>
+          <a:solidFill>
+            <a:schemeClr val="accent5">
+              <a:lumMod val="40000"/>
+              <a:lumOff val="60000"/>
+            </a:schemeClr>
+          </a:solidFill>
+          <a:ln>
+            <a:solidFill>
+              <a:schemeClr val="accent1">
+                <a:lumMod val="75000"/>
+              </a:schemeClr>
+            </a:solidFill>
+          </a:ln>
+        </p:spPr>
+        <p:style>
+          <a:lnRef idx="2">
+            <a:schemeClr val="accent1">
+              <a:shade val="50000"/>
+            </a:schemeClr>
+          </a:lnRef>
+          <a:fillRef idx="1">
+            <a:schemeClr val="accent1"/>
+          </a:fillRef>
+          <a:effectRef idx="0">
+            <a:schemeClr val="accent1"/>
+          </a:effectRef>
+          <a:fontRef idx="minor">
+            <a:schemeClr val="lt1"/>
+          </a:fontRef>
+        </p:style>
+        <p:txBody>
+          <a:bodyPr rtlCol="0" anchor="ctr"/>
+          <a:lstStyle/>
+          <a:p>
+            <a:pPr algn="ctr"/>
+            <a:r>
+              <a:rPr lang="en-GB" sz="1200" dirty="0">
+                <a:solidFill>
+                  <a:schemeClr val="tx1"/>
+                </a:solidFill>
+              </a:rPr>
+              <a:t>Table</a:t>
+            </a:r>
+          </a:p>
+        </p:txBody>
+      </p:sp>
+      <p:sp>
+        <p:nvSpPr>
+          <p:cNvPr id="9" name="Rectangle 8">
+            <a:extLst>
+              <a:ext uri="{FF2B5EF4-FFF2-40B4-BE49-F238E27FC236}">
+                <a16:creationId xmlns:a16="http://schemas.microsoft.com/office/drawing/2014/main" id="{F7F9DA69-6E65-42F5-AD22-A34FB0ECDABC}"/>
+              </a:ext>
+            </a:extLst>
+          </p:cNvPr>
+          <p:cNvSpPr/>
+          <p:nvPr/>
+        </p:nvSpPr>
+        <p:spPr>
+          <a:xfrm>
+            <a:off x="309215" y="1942049"/>
+            <a:ext cx="1257300" cy="817684"/>
+          </a:xfrm>
+          <a:prstGeom prst="rect">
+            <a:avLst/>
+          </a:prstGeom>
+          <a:solidFill>
+            <a:schemeClr val="accent5">
+              <a:lumMod val="40000"/>
+              <a:lumOff val="60000"/>
+            </a:schemeClr>
+          </a:solidFill>
+        </p:spPr>
+        <p:style>
+          <a:lnRef idx="2">
+            <a:schemeClr val="accent1">
+              <a:shade val="50000"/>
+            </a:schemeClr>
+          </a:lnRef>
+          <a:fillRef idx="1">
+            <a:schemeClr val="accent1"/>
+          </a:fillRef>
+          <a:effectRef idx="0">
+            <a:schemeClr val="accent1"/>
+          </a:effectRef>
+          <a:fontRef idx="minor">
+            <a:schemeClr val="lt1"/>
+          </a:fontRef>
+        </p:style>
+        <p:txBody>
+          <a:bodyPr rtlCol="0" anchor="ctr"/>
+          <a:lstStyle/>
+          <a:p>
+            <a:pPr algn="ctr"/>
+            <a:r>
+              <a:rPr lang="en-GB" sz="1200" dirty="0">
+                <a:solidFill>
+                  <a:schemeClr val="tx1"/>
+                </a:solidFill>
+              </a:rPr>
+              <a:t>Table</a:t>
+            </a:r>
+          </a:p>
+        </p:txBody>
+      </p:sp>
+      <p:sp>
+        <p:nvSpPr>
+          <p:cNvPr id="10" name="Rectangle 9">
+            <a:extLst>
+              <a:ext uri="{FF2B5EF4-FFF2-40B4-BE49-F238E27FC236}">
+                <a16:creationId xmlns:a16="http://schemas.microsoft.com/office/drawing/2014/main" id="{E677077D-27B4-47EE-8B84-01D0AB750009}"/>
+              </a:ext>
+            </a:extLst>
+          </p:cNvPr>
+          <p:cNvSpPr/>
+          <p:nvPr/>
+        </p:nvSpPr>
+        <p:spPr>
+          <a:xfrm>
+            <a:off x="1912346" y="1942048"/>
+            <a:ext cx="1257300" cy="817683"/>
+          </a:xfrm>
+          <a:prstGeom prst="rect">
+            <a:avLst/>
+          </a:prstGeom>
+          <a:solidFill>
+            <a:schemeClr val="accent5">
+              <a:lumMod val="40000"/>
+              <a:lumOff val="60000"/>
+            </a:schemeClr>
+          </a:solidFill>
+        </p:spPr>
+        <p:style>
+          <a:lnRef idx="2">
+            <a:schemeClr val="accent1">
+              <a:shade val="50000"/>
+            </a:schemeClr>
+          </a:lnRef>
+          <a:fillRef idx="1">
+            <a:schemeClr val="accent1"/>
+          </a:fillRef>
+          <a:effectRef idx="0">
+            <a:schemeClr val="accent1"/>
+          </a:effectRef>
+          <a:fontRef idx="minor">
+            <a:schemeClr val="lt1"/>
+          </a:fontRef>
+        </p:style>
+        <p:txBody>
+          <a:bodyPr rtlCol="0" anchor="ctr"/>
+          <a:lstStyle/>
+          <a:p>
+            <a:pPr algn="ctr"/>
+            <a:r>
+              <a:rPr lang="en-GB" sz="1200" dirty="0">
+                <a:solidFill>
+                  <a:schemeClr val="tx1"/>
+                </a:solidFill>
+              </a:rPr>
+              <a:t>Table</a:t>
+            </a:r>
+          </a:p>
+        </p:txBody>
+      </p:sp>
+      <p:sp>
+        <p:nvSpPr>
+          <p:cNvPr id="11" name="Rectangle 10">
+            <a:extLst>
+              <a:ext uri="{FF2B5EF4-FFF2-40B4-BE49-F238E27FC236}">
+                <a16:creationId xmlns:a16="http://schemas.microsoft.com/office/drawing/2014/main" id="{886E0171-0664-4C5D-BEAF-BE1820284FC0}"/>
+              </a:ext>
+            </a:extLst>
+          </p:cNvPr>
+          <p:cNvSpPr/>
+          <p:nvPr/>
+        </p:nvSpPr>
+        <p:spPr>
+          <a:xfrm>
+            <a:off x="3530998" y="1942048"/>
+            <a:ext cx="1257300" cy="817682"/>
+          </a:xfrm>
+          <a:prstGeom prst="rect">
+            <a:avLst/>
+          </a:prstGeom>
+          <a:solidFill>
+            <a:schemeClr val="accent5">
+              <a:lumMod val="40000"/>
+              <a:lumOff val="60000"/>
+            </a:schemeClr>
+          </a:solidFill>
+        </p:spPr>
+        <p:style>
+          <a:lnRef idx="2">
+            <a:schemeClr val="accent1">
+              <a:shade val="50000"/>
+            </a:schemeClr>
+          </a:lnRef>
+          <a:fillRef idx="1">
+            <a:schemeClr val="accent1"/>
+          </a:fillRef>
+          <a:effectRef idx="0">
+            <a:schemeClr val="accent1"/>
+          </a:effectRef>
+          <a:fontRef idx="minor">
+            <a:schemeClr val="lt1"/>
+          </a:fontRef>
+        </p:style>
+        <p:txBody>
+          <a:bodyPr rtlCol="0" anchor="ctr"/>
+          <a:lstStyle/>
+          <a:p>
+            <a:pPr algn="ctr"/>
+            <a:r>
+              <a:rPr lang="en-GB" sz="1200" dirty="0">
+                <a:solidFill>
+                  <a:schemeClr val="tx1"/>
+                </a:solidFill>
+              </a:rPr>
+              <a:t>Table</a:t>
+            </a:r>
+          </a:p>
+        </p:txBody>
+      </p:sp>
+      <p:sp>
+        <p:nvSpPr>
+          <p:cNvPr id="13" name="TextBox 12">
+            <a:extLst>
+              <a:ext uri="{FF2B5EF4-FFF2-40B4-BE49-F238E27FC236}">
+                <a16:creationId xmlns:a16="http://schemas.microsoft.com/office/drawing/2014/main" id="{E75F789F-E1A4-4AF0-BCA8-1E58A3C932F5}"/>
+              </a:ext>
+            </a:extLst>
+          </p:cNvPr>
+          <p:cNvSpPr txBox="1"/>
+          <p:nvPr/>
+        </p:nvSpPr>
+        <p:spPr>
+          <a:xfrm>
+            <a:off x="0" y="27632"/>
+            <a:ext cx="5421086" cy="276999"/>
+          </a:xfrm>
+          <a:prstGeom prst="rect">
+            <a:avLst/>
+          </a:prstGeom>
+          <a:noFill/>
+        </p:spPr>
+        <p:txBody>
+          <a:bodyPr wrap="square" rtlCol="0">
+            <a:spAutoFit/>
+          </a:bodyPr>
+          <a:lstStyle/>
+          <a:p>
+            <a:r>
+              <a:rPr lang="en-GB" sz="1200" b="1" dirty="0"/>
+              <a:t>Tables</a:t>
+            </a:r>
+            <a:r>
+              <a:rPr lang="en-GB" sz="1200" dirty="0"/>
+              <a:t>    Leaderboard                                                                            (name)  (money)</a:t>
+            </a:r>
+          </a:p>
+        </p:txBody>
+      </p:sp>
+      <p:sp>
+        <p:nvSpPr>
+          <p:cNvPr id="14" name="Rectangle 13">
+            <a:extLst>
+              <a:ext uri="{FF2B5EF4-FFF2-40B4-BE49-F238E27FC236}">
+                <a16:creationId xmlns:a16="http://schemas.microsoft.com/office/drawing/2014/main" id="{2C7051A5-F341-455B-AE3A-C5DEDF92EBC2}"/>
+              </a:ext>
+            </a:extLst>
+          </p:cNvPr>
+          <p:cNvSpPr/>
+          <p:nvPr/>
+        </p:nvSpPr>
+        <p:spPr>
+          <a:xfrm>
+            <a:off x="403729" y="1347253"/>
+            <a:ext cx="749548" cy="202223"/>
+          </a:xfrm>
+          <a:prstGeom prst="rect">
+            <a:avLst/>
+          </a:prstGeom>
+        </p:spPr>
+        <p:style>
+          <a:lnRef idx="2">
+            <a:schemeClr val="accent1">
+              <a:shade val="50000"/>
+            </a:schemeClr>
+          </a:lnRef>
+          <a:fillRef idx="1">
+            <a:schemeClr val="accent1"/>
+          </a:fillRef>
+          <a:effectRef idx="0">
+            <a:schemeClr val="accent1"/>
+          </a:effectRef>
+          <a:fontRef idx="minor">
+            <a:schemeClr val="lt1"/>
+          </a:fontRef>
+        </p:style>
+        <p:txBody>
+          <a:bodyPr rtlCol="0" anchor="ctr"/>
+          <a:lstStyle/>
+          <a:p>
+            <a:pPr algn="ctr"/>
+            <a:r>
+              <a:rPr lang="en-GB" sz="1100" dirty="0">
+                <a:solidFill>
+                  <a:schemeClr val="bg1"/>
+                </a:solidFill>
+              </a:rPr>
+              <a:t>Sit down</a:t>
+            </a:r>
+            <a:endParaRPr lang="en-GB" dirty="0">
+              <a:solidFill>
+                <a:schemeClr val="bg1"/>
+              </a:solidFill>
+            </a:endParaRPr>
+          </a:p>
+        </p:txBody>
+      </p:sp>
+      <p:sp>
+        <p:nvSpPr>
+          <p:cNvPr id="17" name="Rectangle 16">
+            <a:extLst>
+              <a:ext uri="{FF2B5EF4-FFF2-40B4-BE49-F238E27FC236}">
+                <a16:creationId xmlns:a16="http://schemas.microsoft.com/office/drawing/2014/main" id="{86D9C1E0-A979-4D0E-89EE-4EB483CF7C82}"/>
+              </a:ext>
+            </a:extLst>
+          </p:cNvPr>
+          <p:cNvSpPr/>
+          <p:nvPr/>
+        </p:nvSpPr>
+        <p:spPr>
+          <a:xfrm>
+            <a:off x="6038070" y="-333"/>
+            <a:ext cx="5206481" cy="3265714"/>
+          </a:xfrm>
+          <a:prstGeom prst="rect">
+            <a:avLst/>
+          </a:prstGeom>
+          <a:solidFill>
+            <a:schemeClr val="bg1"/>
+          </a:solidFill>
+          <a:ln>
+            <a:solidFill>
+              <a:schemeClr val="accent1">
+                <a:lumMod val="75000"/>
+              </a:schemeClr>
+            </a:solidFill>
+          </a:ln>
+        </p:spPr>
+        <p:style>
+          <a:lnRef idx="2">
+            <a:schemeClr val="accent1">
+              <a:shade val="50000"/>
+            </a:schemeClr>
+          </a:lnRef>
+          <a:fillRef idx="1">
+            <a:schemeClr val="accent1"/>
+          </a:fillRef>
+          <a:effectRef idx="0">
+            <a:schemeClr val="accent1"/>
+          </a:effectRef>
+          <a:fontRef idx="minor">
+            <a:schemeClr val="lt1"/>
+          </a:fontRef>
+        </p:style>
+        <p:txBody>
+          <a:bodyPr rtlCol="0" anchor="ctr"/>
+          <a:lstStyle/>
+          <a:p>
+            <a:pPr algn="ctr"/>
+            <a:endParaRPr lang="en-GB"/>
+          </a:p>
+        </p:txBody>
+      </p:sp>
+      <p:sp>
+        <p:nvSpPr>
+          <p:cNvPr id="18" name="Rectangle 17">
+            <a:extLst>
+              <a:ext uri="{FF2B5EF4-FFF2-40B4-BE49-F238E27FC236}">
+                <a16:creationId xmlns:a16="http://schemas.microsoft.com/office/drawing/2014/main" id="{B9E74DD5-8ED9-4688-900F-7AC955AFE409}"/>
+              </a:ext>
+            </a:extLst>
+          </p:cNvPr>
+          <p:cNvSpPr/>
+          <p:nvPr/>
+        </p:nvSpPr>
+        <p:spPr>
+          <a:xfrm>
+            <a:off x="6038070" y="0"/>
+            <a:ext cx="5206481" cy="313114"/>
+          </a:xfrm>
+          <a:prstGeom prst="rect">
+            <a:avLst/>
+          </a:prstGeom>
+          <a:solidFill>
+            <a:schemeClr val="accent5">
+              <a:lumMod val="40000"/>
+              <a:lumOff val="60000"/>
+            </a:schemeClr>
+          </a:solidFill>
+        </p:spPr>
+        <p:style>
+          <a:lnRef idx="2">
+            <a:schemeClr val="accent1">
+              <a:shade val="50000"/>
+            </a:schemeClr>
+          </a:lnRef>
+          <a:fillRef idx="1">
+            <a:schemeClr val="accent1"/>
+          </a:fillRef>
+          <a:effectRef idx="0">
+            <a:schemeClr val="accent1"/>
+          </a:effectRef>
+          <a:fontRef idx="minor">
+            <a:schemeClr val="lt1"/>
+          </a:fontRef>
+        </p:style>
+        <p:txBody>
+          <a:bodyPr rtlCol="0" anchor="ctr"/>
+          <a:lstStyle/>
+          <a:p>
+            <a:pPr algn="ctr"/>
+            <a:endParaRPr lang="en-GB" dirty="0"/>
+          </a:p>
+        </p:txBody>
+      </p:sp>
+      <p:sp>
+        <p:nvSpPr>
+          <p:cNvPr id="25" name="TextBox 24">
+            <a:extLst>
+              <a:ext uri="{FF2B5EF4-FFF2-40B4-BE49-F238E27FC236}">
+                <a16:creationId xmlns:a16="http://schemas.microsoft.com/office/drawing/2014/main" id="{45E99910-F3B2-47CE-8801-2A745AC290DD}"/>
+              </a:ext>
+            </a:extLst>
+          </p:cNvPr>
+          <p:cNvSpPr txBox="1"/>
+          <p:nvPr/>
+        </p:nvSpPr>
+        <p:spPr>
+          <a:xfrm>
+            <a:off x="6038070" y="27632"/>
+            <a:ext cx="5206481" cy="276999"/>
+          </a:xfrm>
+          <a:prstGeom prst="rect">
+            <a:avLst/>
+          </a:prstGeom>
+          <a:noFill/>
+        </p:spPr>
+        <p:txBody>
+          <a:bodyPr wrap="square" rtlCol="0">
+            <a:spAutoFit/>
+          </a:bodyPr>
+          <a:lstStyle/>
+          <a:p>
+            <a:r>
+              <a:rPr lang="en-GB" sz="1200" dirty="0"/>
+              <a:t>Tables    </a:t>
+            </a:r>
+            <a:r>
+              <a:rPr lang="en-GB" sz="1200" b="1" dirty="0"/>
+              <a:t>Leaderboard</a:t>
+            </a:r>
+            <a:r>
+              <a:rPr lang="en-GB" sz="1200" dirty="0"/>
+              <a:t>                                                                            (name)  (money)</a:t>
+            </a:r>
+          </a:p>
+        </p:txBody>
+      </p:sp>
+      <p:sp>
+        <p:nvSpPr>
+          <p:cNvPr id="33" name="Rectangle 32">
+            <a:extLst>
+              <a:ext uri="{FF2B5EF4-FFF2-40B4-BE49-F238E27FC236}">
+                <a16:creationId xmlns:a16="http://schemas.microsoft.com/office/drawing/2014/main" id="{79D85962-AB9B-44BD-964C-08E0FB1FF4C3}"/>
+              </a:ext>
+            </a:extLst>
+          </p:cNvPr>
+          <p:cNvSpPr/>
+          <p:nvPr/>
+        </p:nvSpPr>
+        <p:spPr>
+          <a:xfrm>
+            <a:off x="6038070" y="3592286"/>
+            <a:ext cx="5206481" cy="3265714"/>
+          </a:xfrm>
+          <a:prstGeom prst="rect">
+            <a:avLst/>
+          </a:prstGeom>
+          <a:solidFill>
+            <a:schemeClr val="bg1"/>
+          </a:solidFill>
+          <a:ln>
+            <a:solidFill>
+              <a:schemeClr val="accent1">
+                <a:lumMod val="75000"/>
+              </a:schemeClr>
+            </a:solidFill>
+          </a:ln>
+        </p:spPr>
+        <p:style>
+          <a:lnRef idx="2">
+            <a:schemeClr val="accent1">
+              <a:shade val="50000"/>
+            </a:schemeClr>
+          </a:lnRef>
+          <a:fillRef idx="1">
+            <a:schemeClr val="accent1"/>
+          </a:fillRef>
+          <a:effectRef idx="0">
+            <a:schemeClr val="accent1"/>
+          </a:effectRef>
+          <a:fontRef idx="minor">
+            <a:schemeClr val="lt1"/>
+          </a:fontRef>
+        </p:style>
+        <p:txBody>
+          <a:bodyPr rtlCol="0" anchor="ctr"/>
+          <a:lstStyle/>
+          <a:p>
+            <a:pPr algn="ctr"/>
+            <a:endParaRPr lang="en-GB"/>
+          </a:p>
+        </p:txBody>
+      </p:sp>
+      <p:sp>
+        <p:nvSpPr>
+          <p:cNvPr id="34" name="Rectangle 33">
+            <a:extLst>
+              <a:ext uri="{FF2B5EF4-FFF2-40B4-BE49-F238E27FC236}">
+                <a16:creationId xmlns:a16="http://schemas.microsoft.com/office/drawing/2014/main" id="{2B94E648-D3EB-4055-AA70-9BCB4EAA6CD0}"/>
+              </a:ext>
+            </a:extLst>
+          </p:cNvPr>
+          <p:cNvSpPr/>
+          <p:nvPr/>
+        </p:nvSpPr>
+        <p:spPr>
+          <a:xfrm>
+            <a:off x="6038070" y="3592286"/>
+            <a:ext cx="5206481" cy="313114"/>
+          </a:xfrm>
+          <a:prstGeom prst="rect">
+            <a:avLst/>
+          </a:prstGeom>
+          <a:solidFill>
+            <a:schemeClr val="accent5">
+              <a:lumMod val="40000"/>
+              <a:lumOff val="60000"/>
+            </a:schemeClr>
+          </a:solidFill>
+        </p:spPr>
+        <p:style>
+          <a:lnRef idx="2">
+            <a:schemeClr val="accent1">
+              <a:shade val="50000"/>
+            </a:schemeClr>
+          </a:lnRef>
+          <a:fillRef idx="1">
+            <a:schemeClr val="accent1"/>
+          </a:fillRef>
+          <a:effectRef idx="0">
+            <a:schemeClr val="accent1"/>
+          </a:effectRef>
+          <a:fontRef idx="minor">
+            <a:schemeClr val="lt1"/>
+          </a:fontRef>
+        </p:style>
+        <p:txBody>
+          <a:bodyPr rtlCol="0" anchor="ctr"/>
+          <a:lstStyle/>
+          <a:p>
+            <a:pPr algn="ctr"/>
+            <a:endParaRPr lang="en-GB" dirty="0"/>
+          </a:p>
+        </p:txBody>
+      </p:sp>
+      <p:sp>
+        <p:nvSpPr>
+          <p:cNvPr id="35" name="TextBox 34">
+            <a:extLst>
+              <a:ext uri="{FF2B5EF4-FFF2-40B4-BE49-F238E27FC236}">
+                <a16:creationId xmlns:a16="http://schemas.microsoft.com/office/drawing/2014/main" id="{6570BF2F-B970-49F3-BE41-801056A4A152}"/>
+              </a:ext>
+            </a:extLst>
+          </p:cNvPr>
+          <p:cNvSpPr txBox="1"/>
+          <p:nvPr/>
+        </p:nvSpPr>
+        <p:spPr>
+          <a:xfrm>
+            <a:off x="6038070" y="3619918"/>
+            <a:ext cx="5206481" cy="276999"/>
+          </a:xfrm>
+          <a:prstGeom prst="rect">
+            <a:avLst/>
+          </a:prstGeom>
+          <a:noFill/>
+        </p:spPr>
+        <p:txBody>
+          <a:bodyPr wrap="square" rtlCol="0">
+            <a:spAutoFit/>
+          </a:bodyPr>
+          <a:lstStyle/>
+          <a:p>
+            <a:r>
+              <a:rPr lang="en-GB" sz="1200" dirty="0"/>
+              <a:t>Tables    Leaderboard                                                                            (name)  (money)</a:t>
+            </a:r>
+          </a:p>
+        </p:txBody>
+      </p:sp>
+      <p:sp>
+        <p:nvSpPr>
+          <p:cNvPr id="37" name="Rectangle 36">
+            <a:extLst>
+              <a:ext uri="{FF2B5EF4-FFF2-40B4-BE49-F238E27FC236}">
+                <a16:creationId xmlns:a16="http://schemas.microsoft.com/office/drawing/2014/main" id="{BB4A2B3E-E4BE-4960-A09D-D5CF03F6E4BB}"/>
+              </a:ext>
+            </a:extLst>
+          </p:cNvPr>
+          <p:cNvSpPr/>
+          <p:nvPr/>
+        </p:nvSpPr>
+        <p:spPr>
+          <a:xfrm>
+            <a:off x="0" y="3592286"/>
+            <a:ext cx="5206481" cy="3265714"/>
+          </a:xfrm>
+          <a:prstGeom prst="rect">
+            <a:avLst/>
+          </a:prstGeom>
+          <a:solidFill>
+            <a:schemeClr val="bg1"/>
+          </a:solidFill>
+          <a:ln>
+            <a:solidFill>
+              <a:schemeClr val="accent1">
+                <a:lumMod val="75000"/>
+              </a:schemeClr>
+            </a:solidFill>
+          </a:ln>
+        </p:spPr>
+        <p:style>
+          <a:lnRef idx="2">
+            <a:schemeClr val="accent1">
+              <a:shade val="50000"/>
+            </a:schemeClr>
+          </a:lnRef>
+          <a:fillRef idx="1">
+            <a:schemeClr val="accent1"/>
+          </a:fillRef>
+          <a:effectRef idx="0">
+            <a:schemeClr val="accent1"/>
+          </a:effectRef>
+          <a:fontRef idx="minor">
+            <a:schemeClr val="lt1"/>
+          </a:fontRef>
+        </p:style>
+        <p:txBody>
+          <a:bodyPr rtlCol="0" anchor="ctr"/>
+          <a:lstStyle/>
+          <a:p>
+            <a:pPr algn="ctr"/>
+            <a:endParaRPr lang="en-GB"/>
+          </a:p>
+        </p:txBody>
+      </p:sp>
+      <p:sp>
+        <p:nvSpPr>
+          <p:cNvPr id="38" name="Rectangle 37">
+            <a:extLst>
+              <a:ext uri="{FF2B5EF4-FFF2-40B4-BE49-F238E27FC236}">
+                <a16:creationId xmlns:a16="http://schemas.microsoft.com/office/drawing/2014/main" id="{640B4FB5-D52D-4CA7-8D1A-16815776D3FD}"/>
+              </a:ext>
+            </a:extLst>
+          </p:cNvPr>
+          <p:cNvSpPr/>
+          <p:nvPr/>
+        </p:nvSpPr>
+        <p:spPr>
+          <a:xfrm>
+            <a:off x="0" y="3592286"/>
+            <a:ext cx="5206481" cy="313114"/>
+          </a:xfrm>
+          <a:prstGeom prst="rect">
+            <a:avLst/>
+          </a:prstGeom>
+          <a:solidFill>
+            <a:schemeClr val="accent5">
+              <a:lumMod val="40000"/>
+              <a:lumOff val="60000"/>
+            </a:schemeClr>
+          </a:solidFill>
+        </p:spPr>
+        <p:style>
+          <a:lnRef idx="2">
+            <a:schemeClr val="accent1">
+              <a:shade val="50000"/>
+            </a:schemeClr>
+          </a:lnRef>
+          <a:fillRef idx="1">
+            <a:schemeClr val="accent1"/>
+          </a:fillRef>
+          <a:effectRef idx="0">
+            <a:schemeClr val="accent1"/>
+          </a:effectRef>
+          <a:fontRef idx="minor">
+            <a:schemeClr val="lt1"/>
+          </a:fontRef>
+        </p:style>
+        <p:txBody>
+          <a:bodyPr rtlCol="0" anchor="ctr"/>
+          <a:lstStyle/>
+          <a:p>
+            <a:pPr algn="ctr"/>
+            <a:endParaRPr lang="en-GB" dirty="0"/>
+          </a:p>
+        </p:txBody>
+      </p:sp>
+      <p:sp>
+        <p:nvSpPr>
+          <p:cNvPr id="39" name="TextBox 38">
+            <a:extLst>
+              <a:ext uri="{FF2B5EF4-FFF2-40B4-BE49-F238E27FC236}">
+                <a16:creationId xmlns:a16="http://schemas.microsoft.com/office/drawing/2014/main" id="{07DE1919-C4B5-425B-9210-02095B09F8B2}"/>
+              </a:ext>
+            </a:extLst>
+          </p:cNvPr>
+          <p:cNvSpPr txBox="1"/>
+          <p:nvPr/>
+        </p:nvSpPr>
+        <p:spPr>
+          <a:xfrm>
+            <a:off x="0" y="3619918"/>
+            <a:ext cx="5206481" cy="276999"/>
+          </a:xfrm>
+          <a:prstGeom prst="rect">
+            <a:avLst/>
+          </a:prstGeom>
+          <a:noFill/>
+        </p:spPr>
+        <p:txBody>
+          <a:bodyPr wrap="square" rtlCol="0">
+            <a:spAutoFit/>
+          </a:bodyPr>
+          <a:lstStyle/>
+          <a:p>
+            <a:r>
+              <a:rPr lang="en-GB" sz="1200" dirty="0"/>
+              <a:t>Tables    Leaderboard                                                                            (name)  (money)</a:t>
+            </a:r>
+          </a:p>
+        </p:txBody>
+      </p:sp>
+      <p:cxnSp>
+        <p:nvCxnSpPr>
+          <p:cNvPr id="3" name="Connector: Elbow 2">
+            <a:extLst>
+              <a:ext uri="{FF2B5EF4-FFF2-40B4-BE49-F238E27FC236}">
+                <a16:creationId xmlns:a16="http://schemas.microsoft.com/office/drawing/2014/main" id="{A2D93DAB-8F98-47A7-9888-D6635F72849B}"/>
+              </a:ext>
+            </a:extLst>
+          </p:cNvPr>
+          <p:cNvCxnSpPr>
+            <a:stCxn id="14" idx="1"/>
+            <a:endCxn id="37" idx="1"/>
+          </p:cNvCxnSpPr>
+          <p:nvPr/>
+        </p:nvCxnSpPr>
+        <p:spPr>
+          <a:xfrm rot="10800000" flipV="1">
+            <a:off x="1" y="1448365"/>
+            <a:ext cx="403729" cy="3776778"/>
+          </a:xfrm>
+          <a:prstGeom prst="bentConnector3">
+            <a:avLst>
+              <a:gd name="adj1" fmla="val 156622"/>
+            </a:avLst>
+          </a:prstGeom>
+          <a:ln>
+            <a:tailEnd type="triangle"/>
+          </a:ln>
+        </p:spPr>
+        <p:style>
+          <a:lnRef idx="1">
+            <a:schemeClr val="accent1"/>
+          </a:lnRef>
+          <a:fillRef idx="0">
+            <a:schemeClr val="accent1"/>
+          </a:fillRef>
+          <a:effectRef idx="0">
+            <a:schemeClr val="accent1"/>
+          </a:effectRef>
+          <a:fontRef idx="minor">
+            <a:schemeClr val="tx1"/>
+          </a:fontRef>
+        </p:style>
+      </p:cxnSp>
+      <p:sp>
+        <p:nvSpPr>
+          <p:cNvPr id="16" name="Rectangle 15">
+            <a:extLst>
+              <a:ext uri="{FF2B5EF4-FFF2-40B4-BE49-F238E27FC236}">
+                <a16:creationId xmlns:a16="http://schemas.microsoft.com/office/drawing/2014/main" id="{C8532DB7-1872-47CE-8529-3FE62B7B271E}"/>
+              </a:ext>
+            </a:extLst>
+          </p:cNvPr>
+          <p:cNvSpPr/>
+          <p:nvPr/>
+        </p:nvSpPr>
+        <p:spPr>
+          <a:xfrm>
+            <a:off x="309215" y="4904219"/>
+            <a:ext cx="2555913" cy="1514819"/>
+          </a:xfrm>
+          <a:prstGeom prst="rect">
+            <a:avLst/>
+          </a:prstGeom>
+          <a:solidFill>
+            <a:schemeClr val="accent1">
+              <a:lumMod val="20000"/>
+              <a:lumOff val="80000"/>
+            </a:schemeClr>
+          </a:solidFill>
+        </p:spPr>
+        <p:style>
+          <a:lnRef idx="2">
+            <a:schemeClr val="accent1">
+              <a:shade val="50000"/>
+            </a:schemeClr>
+          </a:lnRef>
+          <a:fillRef idx="1">
+            <a:schemeClr val="accent1"/>
+          </a:fillRef>
+          <a:effectRef idx="0">
+            <a:schemeClr val="accent1"/>
+          </a:effectRef>
+          <a:fontRef idx="minor">
+            <a:schemeClr val="lt1"/>
+          </a:fontRef>
+        </p:style>
+        <p:txBody>
+          <a:bodyPr rtlCol="0" anchor="ctr"/>
+          <a:lstStyle/>
+          <a:p>
+            <a:pPr algn="ctr"/>
+            <a:r>
+              <a:rPr lang="en-GB" sz="1200" dirty="0">
+                <a:solidFill>
+                  <a:schemeClr val="tx1"/>
+                </a:solidFill>
+              </a:rPr>
+              <a:t>Poker log</a:t>
+            </a:r>
+          </a:p>
+        </p:txBody>
+      </p:sp>
+      <p:sp>
+        <p:nvSpPr>
+          <p:cNvPr id="19" name="Rectangle 18">
+            <a:extLst>
+              <a:ext uri="{FF2B5EF4-FFF2-40B4-BE49-F238E27FC236}">
+                <a16:creationId xmlns:a16="http://schemas.microsoft.com/office/drawing/2014/main" id="{34C9A968-3ED9-42BA-B9A5-6320726D13BE}"/>
+              </a:ext>
+            </a:extLst>
+          </p:cNvPr>
+          <p:cNvSpPr/>
+          <p:nvPr/>
+        </p:nvSpPr>
+        <p:spPr>
+          <a:xfrm>
+            <a:off x="3174343" y="4555475"/>
+            <a:ext cx="1618652" cy="1863563"/>
+          </a:xfrm>
+          <a:prstGeom prst="rect">
+            <a:avLst/>
+          </a:prstGeom>
+          <a:solidFill>
+            <a:schemeClr val="accent1">
+              <a:lumMod val="20000"/>
+              <a:lumOff val="80000"/>
+            </a:schemeClr>
+          </a:solidFill>
+        </p:spPr>
+        <p:style>
+          <a:lnRef idx="2">
+            <a:schemeClr val="accent1">
+              <a:shade val="50000"/>
+            </a:schemeClr>
+          </a:lnRef>
+          <a:fillRef idx="1">
+            <a:schemeClr val="accent1"/>
+          </a:fillRef>
+          <a:effectRef idx="0">
+            <a:schemeClr val="accent1"/>
+          </a:effectRef>
+          <a:fontRef idx="minor">
+            <a:schemeClr val="lt1"/>
+          </a:fontRef>
+        </p:style>
+        <p:txBody>
+          <a:bodyPr rtlCol="0" anchor="ctr"/>
+          <a:lstStyle/>
+          <a:p>
+            <a:pPr algn="ctr"/>
+            <a:r>
+              <a:rPr lang="en-GB" sz="1200" dirty="0">
+                <a:solidFill>
+                  <a:schemeClr val="tx1"/>
+                </a:solidFill>
+              </a:rPr>
+              <a:t>Chat box</a:t>
+            </a:r>
+          </a:p>
+        </p:txBody>
+      </p:sp>
+      <p:sp>
+        <p:nvSpPr>
+          <p:cNvPr id="20" name="Rectangle 19">
+            <a:extLst>
+              <a:ext uri="{FF2B5EF4-FFF2-40B4-BE49-F238E27FC236}">
+                <a16:creationId xmlns:a16="http://schemas.microsoft.com/office/drawing/2014/main" id="{8A44DE9A-1D46-444D-BE87-70D8020B0EC9}"/>
+              </a:ext>
+            </a:extLst>
+          </p:cNvPr>
+          <p:cNvSpPr/>
+          <p:nvPr/>
+        </p:nvSpPr>
+        <p:spPr>
+          <a:xfrm>
+            <a:off x="309215" y="4607943"/>
+            <a:ext cx="420291" cy="202169"/>
+          </a:xfrm>
+          <a:prstGeom prst="rect">
+            <a:avLst/>
+          </a:prstGeom>
+          <a:solidFill>
+            <a:schemeClr val="accent5">
+              <a:lumMod val="75000"/>
+            </a:schemeClr>
+          </a:solidFill>
+        </p:spPr>
+        <p:style>
+          <a:lnRef idx="2">
+            <a:schemeClr val="accent1">
+              <a:shade val="50000"/>
+            </a:schemeClr>
+          </a:lnRef>
+          <a:fillRef idx="1">
+            <a:schemeClr val="accent1"/>
+          </a:fillRef>
+          <a:effectRef idx="0">
+            <a:schemeClr val="accent1"/>
+          </a:effectRef>
+          <a:fontRef idx="minor">
+            <a:schemeClr val="lt1"/>
+          </a:fontRef>
+        </p:style>
+        <p:txBody>
+          <a:bodyPr rtlCol="0" anchor="ctr"/>
+          <a:lstStyle/>
+          <a:p>
+            <a:pPr algn="ctr"/>
+            <a:r>
+              <a:rPr lang="en-GB" sz="1000" dirty="0">
+                <a:solidFill>
+                  <a:schemeClr val="bg1"/>
+                </a:solidFill>
+              </a:rPr>
+              <a:t>Fold</a:t>
+            </a:r>
+          </a:p>
+        </p:txBody>
+      </p:sp>
+      <p:sp>
+        <p:nvSpPr>
+          <p:cNvPr id="41" name="Rectangle 40">
+            <a:extLst>
+              <a:ext uri="{FF2B5EF4-FFF2-40B4-BE49-F238E27FC236}">
+                <a16:creationId xmlns:a16="http://schemas.microsoft.com/office/drawing/2014/main" id="{AB703450-2CB3-4431-AD21-86091AEE5841}"/>
+              </a:ext>
+            </a:extLst>
+          </p:cNvPr>
+          <p:cNvSpPr/>
+          <p:nvPr/>
+        </p:nvSpPr>
+        <p:spPr>
+          <a:xfrm>
+            <a:off x="833581" y="4603118"/>
+            <a:ext cx="400887" cy="202169"/>
+          </a:xfrm>
+          <a:prstGeom prst="rect">
+            <a:avLst/>
+          </a:prstGeom>
+          <a:solidFill>
+            <a:schemeClr val="accent5">
+              <a:lumMod val="75000"/>
+            </a:schemeClr>
+          </a:solidFill>
+        </p:spPr>
+        <p:style>
+          <a:lnRef idx="2">
+            <a:schemeClr val="accent1">
+              <a:shade val="50000"/>
+            </a:schemeClr>
+          </a:lnRef>
+          <a:fillRef idx="1">
+            <a:schemeClr val="accent1"/>
+          </a:fillRef>
+          <a:effectRef idx="0">
+            <a:schemeClr val="accent1"/>
+          </a:effectRef>
+          <a:fontRef idx="minor">
+            <a:schemeClr val="lt1"/>
+          </a:fontRef>
+        </p:style>
+        <p:txBody>
+          <a:bodyPr rtlCol="0" anchor="ctr"/>
+          <a:lstStyle/>
+          <a:p>
+            <a:pPr algn="ctr"/>
+            <a:r>
+              <a:rPr lang="en-GB" sz="1000" dirty="0">
+                <a:solidFill>
+                  <a:schemeClr val="bg1"/>
+                </a:solidFill>
+              </a:rPr>
+              <a:t>Call</a:t>
+            </a:r>
+          </a:p>
+        </p:txBody>
+      </p:sp>
+      <p:sp>
+        <p:nvSpPr>
+          <p:cNvPr id="42" name="Rectangle 41">
+            <a:extLst>
+              <a:ext uri="{FF2B5EF4-FFF2-40B4-BE49-F238E27FC236}">
+                <a16:creationId xmlns:a16="http://schemas.microsoft.com/office/drawing/2014/main" id="{A9164161-DAD8-498A-9173-9C710AE1F684}"/>
+              </a:ext>
+            </a:extLst>
+          </p:cNvPr>
+          <p:cNvSpPr/>
+          <p:nvPr/>
+        </p:nvSpPr>
+        <p:spPr>
+          <a:xfrm>
+            <a:off x="1338543" y="4603118"/>
+            <a:ext cx="453809" cy="202169"/>
+          </a:xfrm>
+          <a:prstGeom prst="rect">
+            <a:avLst/>
+          </a:prstGeom>
+          <a:solidFill>
+            <a:schemeClr val="accent5">
+              <a:lumMod val="75000"/>
+            </a:schemeClr>
+          </a:solidFill>
+        </p:spPr>
+        <p:style>
+          <a:lnRef idx="2">
+            <a:schemeClr val="accent1">
+              <a:shade val="50000"/>
+            </a:schemeClr>
+          </a:lnRef>
+          <a:fillRef idx="1">
+            <a:schemeClr val="accent1"/>
+          </a:fillRef>
+          <a:effectRef idx="0">
+            <a:schemeClr val="accent1"/>
+          </a:effectRef>
+          <a:fontRef idx="minor">
+            <a:schemeClr val="lt1"/>
+          </a:fontRef>
+        </p:style>
+        <p:txBody>
+          <a:bodyPr rtlCol="0" anchor="ctr"/>
+          <a:lstStyle/>
+          <a:p>
+            <a:pPr algn="ctr"/>
+            <a:r>
+              <a:rPr lang="en-GB" sz="1000" dirty="0">
+                <a:solidFill>
+                  <a:schemeClr val="bg1"/>
+                </a:solidFill>
+              </a:rPr>
+              <a:t>Raise</a:t>
+            </a:r>
+          </a:p>
+        </p:txBody>
+      </p:sp>
+      <p:sp>
+        <p:nvSpPr>
+          <p:cNvPr id="43" name="Rectangle 42">
+            <a:extLst>
+              <a:ext uri="{FF2B5EF4-FFF2-40B4-BE49-F238E27FC236}">
+                <a16:creationId xmlns:a16="http://schemas.microsoft.com/office/drawing/2014/main" id="{8D46FA0B-1384-4EEF-BCEE-88E071A7E1B1}"/>
+              </a:ext>
+            </a:extLst>
+          </p:cNvPr>
+          <p:cNvSpPr/>
+          <p:nvPr/>
+        </p:nvSpPr>
+        <p:spPr>
+          <a:xfrm>
+            <a:off x="1896426" y="4603117"/>
+            <a:ext cx="968701" cy="202169"/>
+          </a:xfrm>
+          <a:prstGeom prst="rect">
+            <a:avLst/>
+          </a:prstGeom>
+          <a:solidFill>
+            <a:schemeClr val="bg1"/>
+          </a:solidFill>
+        </p:spPr>
+        <p:style>
+          <a:lnRef idx="2">
+            <a:schemeClr val="accent1">
+              <a:shade val="50000"/>
+            </a:schemeClr>
+          </a:lnRef>
+          <a:fillRef idx="1">
+            <a:schemeClr val="accent1"/>
+          </a:fillRef>
+          <a:effectRef idx="0">
+            <a:schemeClr val="accent1"/>
+          </a:effectRef>
+          <a:fontRef idx="minor">
+            <a:schemeClr val="lt1"/>
+          </a:fontRef>
+        </p:style>
+        <p:txBody>
+          <a:bodyPr rtlCol="0" anchor="ctr"/>
+          <a:lstStyle/>
+          <a:p>
+            <a:pPr algn="ctr"/>
+            <a:r>
+              <a:rPr lang="en-GB" sz="1000" dirty="0">
+                <a:solidFill>
+                  <a:schemeClr val="tx1"/>
+                </a:solidFill>
+              </a:rPr>
+              <a:t>Raise amount</a:t>
+            </a:r>
+          </a:p>
+        </p:txBody>
+      </p:sp>
+      <p:sp>
+        <p:nvSpPr>
+          <p:cNvPr id="21" name="TextBox 20">
+            <a:extLst>
+              <a:ext uri="{FF2B5EF4-FFF2-40B4-BE49-F238E27FC236}">
+                <a16:creationId xmlns:a16="http://schemas.microsoft.com/office/drawing/2014/main" id="{F854FDFF-4392-4834-9247-7421334F74C8}"/>
+              </a:ext>
+            </a:extLst>
+          </p:cNvPr>
+          <p:cNvSpPr txBox="1"/>
+          <p:nvPr/>
+        </p:nvSpPr>
+        <p:spPr>
+          <a:xfrm>
+            <a:off x="3148267" y="3949385"/>
+            <a:ext cx="565861" cy="338554"/>
+          </a:xfrm>
+          <a:prstGeom prst="rect">
+            <a:avLst/>
+          </a:prstGeom>
+          <a:noFill/>
+        </p:spPr>
+        <p:txBody>
+          <a:bodyPr wrap="none" rtlCol="0">
+            <a:spAutoFit/>
+          </a:bodyPr>
+          <a:lstStyle/>
+          <a:p>
+            <a:r>
+              <a:rPr lang="en-GB" sz="1600" dirty="0"/>
+              <a:t>Chat</a:t>
+            </a:r>
+          </a:p>
+        </p:txBody>
+      </p:sp>
+      <p:sp>
+        <p:nvSpPr>
+          <p:cNvPr id="22" name="Rectangle 21">
+            <a:extLst>
+              <a:ext uri="{FF2B5EF4-FFF2-40B4-BE49-F238E27FC236}">
+                <a16:creationId xmlns:a16="http://schemas.microsoft.com/office/drawing/2014/main" id="{67ADDFD0-D24B-42C5-B90A-C19384AA6D48}"/>
+              </a:ext>
+            </a:extLst>
+          </p:cNvPr>
+          <p:cNvSpPr/>
+          <p:nvPr/>
+        </p:nvSpPr>
+        <p:spPr>
+          <a:xfrm>
+            <a:off x="3174343" y="4287939"/>
+            <a:ext cx="1618652" cy="209751"/>
+          </a:xfrm>
+          <a:prstGeom prst="rect">
+            <a:avLst/>
+          </a:prstGeom>
+          <a:solidFill>
+            <a:schemeClr val="bg1"/>
+          </a:solidFill>
+        </p:spPr>
+        <p:style>
+          <a:lnRef idx="2">
+            <a:schemeClr val="accent1">
+              <a:shade val="50000"/>
+            </a:schemeClr>
+          </a:lnRef>
+          <a:fillRef idx="1">
+            <a:schemeClr val="accent1"/>
+          </a:fillRef>
+          <a:effectRef idx="0">
+            <a:schemeClr val="accent1"/>
+          </a:effectRef>
+          <a:fontRef idx="minor">
+            <a:schemeClr val="lt1"/>
+          </a:fontRef>
+        </p:style>
+        <p:txBody>
+          <a:bodyPr rtlCol="0" anchor="ctr"/>
+          <a:lstStyle/>
+          <a:p>
+            <a:pPr algn="ctr"/>
+            <a:r>
+              <a:rPr lang="en-GB" sz="1000" dirty="0">
+                <a:solidFill>
+                  <a:schemeClr val="tx1"/>
+                </a:solidFill>
+              </a:rPr>
+              <a:t>Chat Input</a:t>
+            </a:r>
+          </a:p>
+        </p:txBody>
+      </p:sp>
+      <p:sp>
+        <p:nvSpPr>
+          <p:cNvPr id="23" name="TextBox 22">
+            <a:extLst>
+              <a:ext uri="{FF2B5EF4-FFF2-40B4-BE49-F238E27FC236}">
+                <a16:creationId xmlns:a16="http://schemas.microsoft.com/office/drawing/2014/main" id="{241853CB-3FB6-4319-AB06-A3B221204646}"/>
+              </a:ext>
+            </a:extLst>
+          </p:cNvPr>
+          <p:cNvSpPr txBox="1"/>
+          <p:nvPr/>
+        </p:nvSpPr>
+        <p:spPr>
+          <a:xfrm>
+            <a:off x="230280" y="3954973"/>
+            <a:ext cx="2555912" cy="553998"/>
+          </a:xfrm>
+          <a:prstGeom prst="rect">
+            <a:avLst/>
+          </a:prstGeom>
+          <a:noFill/>
+        </p:spPr>
+        <p:txBody>
+          <a:bodyPr wrap="square" rtlCol="0">
+            <a:spAutoFit/>
+          </a:bodyPr>
+          <a:lstStyle/>
+          <a:p>
+            <a:r>
+              <a:rPr lang="en-GB" sz="1000" dirty="0"/>
+              <a:t>Pot: (pot)</a:t>
+            </a:r>
+          </a:p>
+          <a:p>
+            <a:r>
+              <a:rPr lang="en-GB" sz="1000" dirty="0"/>
+              <a:t>Hand: (hand)</a:t>
+            </a:r>
+          </a:p>
+          <a:p>
+            <a:r>
+              <a:rPr lang="en-GB" sz="1000" dirty="0"/>
+              <a:t>Community cards: (community cards)</a:t>
+            </a:r>
+          </a:p>
+        </p:txBody>
+      </p:sp>
+      <p:cxnSp>
+        <p:nvCxnSpPr>
+          <p:cNvPr id="51" name="Straight Connector 50">
+            <a:extLst>
+              <a:ext uri="{FF2B5EF4-FFF2-40B4-BE49-F238E27FC236}">
+                <a16:creationId xmlns:a16="http://schemas.microsoft.com/office/drawing/2014/main" id="{7DA13E71-9250-49C8-A059-3B4C66A69A99}"/>
+              </a:ext>
+            </a:extLst>
+          </p:cNvPr>
+          <p:cNvCxnSpPr>
+            <a:cxnSpLocks/>
+          </p:cNvCxnSpPr>
+          <p:nvPr/>
+        </p:nvCxnSpPr>
+        <p:spPr>
+          <a:xfrm flipV="1">
+            <a:off x="947449" y="-260472"/>
+            <a:ext cx="0" cy="343101"/>
+          </a:xfrm>
+          <a:prstGeom prst="line">
+            <a:avLst/>
+          </a:prstGeom>
+        </p:spPr>
+        <p:style>
+          <a:lnRef idx="1">
+            <a:schemeClr val="accent1"/>
+          </a:lnRef>
+          <a:fillRef idx="0">
+            <a:schemeClr val="accent1"/>
+          </a:fillRef>
+          <a:effectRef idx="0">
+            <a:schemeClr val="accent1"/>
+          </a:effectRef>
+          <a:fontRef idx="minor">
+            <a:schemeClr val="tx1"/>
+          </a:fontRef>
+        </p:style>
+      </p:cxnSp>
+      <p:sp>
+        <p:nvSpPr>
+          <p:cNvPr id="62" name="Rectangle 61">
+            <a:extLst>
+              <a:ext uri="{FF2B5EF4-FFF2-40B4-BE49-F238E27FC236}">
+                <a16:creationId xmlns:a16="http://schemas.microsoft.com/office/drawing/2014/main" id="{2535B113-5141-4209-936B-1649D6500AF6}"/>
+              </a:ext>
+            </a:extLst>
+          </p:cNvPr>
+          <p:cNvSpPr/>
+          <p:nvPr/>
+        </p:nvSpPr>
+        <p:spPr>
+          <a:xfrm>
+            <a:off x="230280" y="2906593"/>
+            <a:ext cx="581403" cy="241717"/>
+          </a:xfrm>
+          <a:prstGeom prst="rect">
+            <a:avLst/>
+          </a:prstGeom>
+        </p:spPr>
+        <p:style>
+          <a:lnRef idx="2">
+            <a:schemeClr val="accent1">
+              <a:shade val="50000"/>
+            </a:schemeClr>
+          </a:lnRef>
+          <a:fillRef idx="1">
+            <a:schemeClr val="accent1"/>
+          </a:fillRef>
+          <a:effectRef idx="0">
+            <a:schemeClr val="accent1"/>
+          </a:effectRef>
+          <a:fontRef idx="minor">
+            <a:schemeClr val="lt1"/>
+          </a:fontRef>
+        </p:style>
+        <p:txBody>
+          <a:bodyPr rtlCol="0" anchor="ctr"/>
+          <a:lstStyle/>
+          <a:p>
+            <a:pPr algn="ctr"/>
+            <a:r>
+              <a:rPr lang="en-GB" sz="1000" dirty="0"/>
+              <a:t>Log out</a:t>
+            </a:r>
+          </a:p>
+        </p:txBody>
+      </p:sp>
+      <p:sp>
+        <p:nvSpPr>
+          <p:cNvPr id="63" name="Rectangle 62">
+            <a:extLst>
+              <a:ext uri="{FF2B5EF4-FFF2-40B4-BE49-F238E27FC236}">
+                <a16:creationId xmlns:a16="http://schemas.microsoft.com/office/drawing/2014/main" id="{DDDACB93-187F-4371-81D9-BA7A1A0B2749}"/>
+              </a:ext>
+            </a:extLst>
+          </p:cNvPr>
+          <p:cNvSpPr/>
+          <p:nvPr/>
+        </p:nvSpPr>
+        <p:spPr>
+          <a:xfrm>
+            <a:off x="6225184" y="6499666"/>
+            <a:ext cx="581403" cy="241717"/>
+          </a:xfrm>
+          <a:prstGeom prst="rect">
+            <a:avLst/>
+          </a:prstGeom>
+        </p:spPr>
+        <p:style>
+          <a:lnRef idx="2">
+            <a:schemeClr val="accent1">
+              <a:shade val="50000"/>
+            </a:schemeClr>
+          </a:lnRef>
+          <a:fillRef idx="1">
+            <a:schemeClr val="accent1"/>
+          </a:fillRef>
+          <a:effectRef idx="0">
+            <a:schemeClr val="accent1"/>
+          </a:effectRef>
+          <a:fontRef idx="minor">
+            <a:schemeClr val="lt1"/>
+          </a:fontRef>
+        </p:style>
+        <p:txBody>
+          <a:bodyPr rtlCol="0" anchor="ctr"/>
+          <a:lstStyle/>
+          <a:p>
+            <a:pPr algn="ctr"/>
+            <a:r>
+              <a:rPr lang="en-GB" sz="1000" dirty="0"/>
+              <a:t>Log out</a:t>
+            </a:r>
+          </a:p>
+        </p:txBody>
+      </p:sp>
+      <p:sp>
+        <p:nvSpPr>
+          <p:cNvPr id="64" name="Rectangle 63">
+            <a:extLst>
+              <a:ext uri="{FF2B5EF4-FFF2-40B4-BE49-F238E27FC236}">
+                <a16:creationId xmlns:a16="http://schemas.microsoft.com/office/drawing/2014/main" id="{A16672DB-CA14-4F42-8438-E0D735DFF07A}"/>
+              </a:ext>
+            </a:extLst>
+          </p:cNvPr>
+          <p:cNvSpPr/>
+          <p:nvPr/>
+        </p:nvSpPr>
+        <p:spPr>
+          <a:xfrm>
+            <a:off x="228658" y="6513145"/>
+            <a:ext cx="581403" cy="241717"/>
+          </a:xfrm>
+          <a:prstGeom prst="rect">
+            <a:avLst/>
+          </a:prstGeom>
+        </p:spPr>
+        <p:style>
+          <a:lnRef idx="2">
+            <a:schemeClr val="accent1">
+              <a:shade val="50000"/>
+            </a:schemeClr>
+          </a:lnRef>
+          <a:fillRef idx="1">
+            <a:schemeClr val="accent1"/>
+          </a:fillRef>
+          <a:effectRef idx="0">
+            <a:schemeClr val="accent1"/>
+          </a:effectRef>
+          <a:fontRef idx="minor">
+            <a:schemeClr val="lt1"/>
+          </a:fontRef>
+        </p:style>
+        <p:txBody>
+          <a:bodyPr rtlCol="0" anchor="ctr"/>
+          <a:lstStyle/>
+          <a:p>
+            <a:pPr algn="ctr"/>
+            <a:r>
+              <a:rPr lang="en-GB" sz="1000" dirty="0"/>
+              <a:t>Log out</a:t>
+            </a:r>
+          </a:p>
+        </p:txBody>
+      </p:sp>
+      <p:sp>
+        <p:nvSpPr>
+          <p:cNvPr id="65" name="Rectangle 64">
+            <a:extLst>
+              <a:ext uri="{FF2B5EF4-FFF2-40B4-BE49-F238E27FC236}">
+                <a16:creationId xmlns:a16="http://schemas.microsoft.com/office/drawing/2014/main" id="{61ADC1F9-1CCC-4FF0-BA62-D2DCFA9077FA}"/>
+              </a:ext>
+            </a:extLst>
+          </p:cNvPr>
+          <p:cNvSpPr/>
+          <p:nvPr/>
+        </p:nvSpPr>
+        <p:spPr>
+          <a:xfrm>
+            <a:off x="6225183" y="2912626"/>
+            <a:ext cx="581403" cy="241717"/>
+          </a:xfrm>
+          <a:prstGeom prst="rect">
+            <a:avLst/>
+          </a:prstGeom>
+        </p:spPr>
+        <p:style>
+          <a:lnRef idx="2">
+            <a:schemeClr val="accent1">
+              <a:shade val="50000"/>
+            </a:schemeClr>
+          </a:lnRef>
+          <a:fillRef idx="1">
+            <a:schemeClr val="accent1"/>
+          </a:fillRef>
+          <a:effectRef idx="0">
+            <a:schemeClr val="accent1"/>
+          </a:effectRef>
+          <a:fontRef idx="minor">
+            <a:schemeClr val="lt1"/>
+          </a:fontRef>
+        </p:style>
+        <p:txBody>
+          <a:bodyPr rtlCol="0" anchor="ctr"/>
+          <a:lstStyle/>
+          <a:p>
+            <a:pPr algn="ctr"/>
+            <a:r>
+              <a:rPr lang="en-GB" sz="1000" dirty="0"/>
+              <a:t>Log out</a:t>
+            </a:r>
+          </a:p>
+        </p:txBody>
+      </p:sp>
+      <p:sp>
+        <p:nvSpPr>
+          <p:cNvPr id="66" name="Rectangle 65">
+            <a:extLst>
+              <a:ext uri="{FF2B5EF4-FFF2-40B4-BE49-F238E27FC236}">
+                <a16:creationId xmlns:a16="http://schemas.microsoft.com/office/drawing/2014/main" id="{75F5FC92-519A-41FD-8C14-EB7FE9B972DC}"/>
+              </a:ext>
+            </a:extLst>
+          </p:cNvPr>
+          <p:cNvSpPr/>
+          <p:nvPr/>
+        </p:nvSpPr>
+        <p:spPr>
+          <a:xfrm>
+            <a:off x="6399377" y="550505"/>
+            <a:ext cx="4483865" cy="2258796"/>
+          </a:xfrm>
+          <a:prstGeom prst="rect">
+            <a:avLst/>
+          </a:prstGeom>
+          <a:solidFill>
+            <a:schemeClr val="accent1">
+              <a:lumMod val="20000"/>
+              <a:lumOff val="80000"/>
+            </a:schemeClr>
+          </a:solidFill>
+        </p:spPr>
+        <p:style>
+          <a:lnRef idx="2">
+            <a:schemeClr val="accent1">
+              <a:shade val="50000"/>
+            </a:schemeClr>
+          </a:lnRef>
+          <a:fillRef idx="1">
+            <a:schemeClr val="accent1"/>
+          </a:fillRef>
+          <a:effectRef idx="0">
+            <a:schemeClr val="accent1"/>
+          </a:effectRef>
+          <a:fontRef idx="minor">
+            <a:schemeClr val="lt1"/>
+          </a:fontRef>
+        </p:style>
+        <p:txBody>
+          <a:bodyPr rtlCol="0" anchor="ctr"/>
+          <a:lstStyle/>
+          <a:p>
+            <a:pPr algn="ctr"/>
+            <a:endParaRPr lang="en-GB"/>
+          </a:p>
+        </p:txBody>
+      </p:sp>
+      <p:sp>
+        <p:nvSpPr>
+          <p:cNvPr id="67" name="Rectangle 66">
+            <a:extLst>
+              <a:ext uri="{FF2B5EF4-FFF2-40B4-BE49-F238E27FC236}">
+                <a16:creationId xmlns:a16="http://schemas.microsoft.com/office/drawing/2014/main" id="{9E944959-D894-4C5D-BE85-E08A8B0ABED3}"/>
+              </a:ext>
+            </a:extLst>
+          </p:cNvPr>
+          <p:cNvSpPr/>
+          <p:nvPr/>
+        </p:nvSpPr>
+        <p:spPr>
+          <a:xfrm>
+            <a:off x="6399378" y="530359"/>
+            <a:ext cx="4483865" cy="250439"/>
+          </a:xfrm>
+          <a:prstGeom prst="rect">
+            <a:avLst/>
+          </a:prstGeom>
+          <a:solidFill>
+            <a:schemeClr val="accent1">
+              <a:lumMod val="20000"/>
+              <a:lumOff val="80000"/>
+            </a:schemeClr>
+          </a:solidFill>
+        </p:spPr>
+        <p:style>
+          <a:lnRef idx="2">
+            <a:schemeClr val="accent1">
+              <a:shade val="50000"/>
+            </a:schemeClr>
+          </a:lnRef>
+          <a:fillRef idx="1">
+            <a:schemeClr val="accent1"/>
+          </a:fillRef>
+          <a:effectRef idx="0">
+            <a:schemeClr val="accent1"/>
+          </a:effectRef>
+          <a:fontRef idx="minor">
+            <a:schemeClr val="lt1"/>
+          </a:fontRef>
+        </p:style>
+        <p:txBody>
+          <a:bodyPr rtlCol="0" anchor="ctr"/>
+          <a:lstStyle/>
+          <a:p>
+            <a:r>
+              <a:rPr lang="en-GB" sz="1000" dirty="0">
+                <a:solidFill>
+                  <a:schemeClr val="tx1"/>
+                </a:solidFill>
+              </a:rPr>
+              <a:t>#                 Username                                                                                           Money</a:t>
+            </a:r>
+          </a:p>
+        </p:txBody>
+      </p:sp>
+      <p:sp>
+        <p:nvSpPr>
+          <p:cNvPr id="69" name="Rectangle 68">
+            <a:extLst>
+              <a:ext uri="{FF2B5EF4-FFF2-40B4-BE49-F238E27FC236}">
+                <a16:creationId xmlns:a16="http://schemas.microsoft.com/office/drawing/2014/main" id="{664464DC-3F0B-4576-BDE8-68477B0A0806}"/>
+              </a:ext>
+            </a:extLst>
+          </p:cNvPr>
+          <p:cNvSpPr/>
+          <p:nvPr/>
+        </p:nvSpPr>
+        <p:spPr>
+          <a:xfrm>
+            <a:off x="6399364" y="780497"/>
+            <a:ext cx="4483865" cy="250439"/>
+          </a:xfrm>
+          <a:prstGeom prst="rect">
+            <a:avLst/>
+          </a:prstGeom>
+          <a:solidFill>
+            <a:schemeClr val="accent1">
+              <a:lumMod val="20000"/>
+              <a:lumOff val="80000"/>
+            </a:schemeClr>
+          </a:solidFill>
+        </p:spPr>
+        <p:style>
+          <a:lnRef idx="2">
+            <a:schemeClr val="accent1">
+              <a:shade val="50000"/>
+            </a:schemeClr>
+          </a:lnRef>
+          <a:fillRef idx="1">
+            <a:schemeClr val="accent1"/>
+          </a:fillRef>
+          <a:effectRef idx="0">
+            <a:schemeClr val="accent1"/>
+          </a:effectRef>
+          <a:fontRef idx="minor">
+            <a:schemeClr val="lt1"/>
+          </a:fontRef>
+        </p:style>
+        <p:txBody>
+          <a:bodyPr rtlCol="0" anchor="ctr"/>
+          <a:lstStyle/>
+          <a:p>
+            <a:r>
+              <a:rPr lang="en-GB" sz="1000" dirty="0">
+                <a:solidFill>
+                  <a:schemeClr val="tx1"/>
+                </a:solidFill>
+              </a:rPr>
+              <a:t>1                 (username)                                                                                         (money)</a:t>
+            </a:r>
+          </a:p>
+        </p:txBody>
+      </p:sp>
+      <p:sp>
+        <p:nvSpPr>
+          <p:cNvPr id="70" name="Rectangle 69">
+            <a:extLst>
+              <a:ext uri="{FF2B5EF4-FFF2-40B4-BE49-F238E27FC236}">
+                <a16:creationId xmlns:a16="http://schemas.microsoft.com/office/drawing/2014/main" id="{1098DC1F-A368-4985-A295-4B0420C54853}"/>
+              </a:ext>
+            </a:extLst>
+          </p:cNvPr>
+          <p:cNvSpPr/>
+          <p:nvPr/>
+        </p:nvSpPr>
+        <p:spPr>
+          <a:xfrm>
+            <a:off x="6399374" y="1290645"/>
+            <a:ext cx="4483865" cy="250439"/>
+          </a:xfrm>
+          <a:prstGeom prst="rect">
+            <a:avLst/>
+          </a:prstGeom>
+          <a:solidFill>
+            <a:schemeClr val="accent1">
+              <a:lumMod val="20000"/>
+              <a:lumOff val="80000"/>
+            </a:schemeClr>
+          </a:solidFill>
+        </p:spPr>
+        <p:style>
+          <a:lnRef idx="2">
+            <a:schemeClr val="accent1">
+              <a:shade val="50000"/>
+            </a:schemeClr>
+          </a:lnRef>
+          <a:fillRef idx="1">
+            <a:schemeClr val="accent1"/>
+          </a:fillRef>
+          <a:effectRef idx="0">
+            <a:schemeClr val="accent1"/>
+          </a:effectRef>
+          <a:fontRef idx="minor">
+            <a:schemeClr val="lt1"/>
+          </a:fontRef>
+        </p:style>
+        <p:txBody>
+          <a:bodyPr rtlCol="0" anchor="ctr"/>
+          <a:lstStyle/>
+          <a:p>
+            <a:pPr algn="ctr"/>
+            <a:endParaRPr lang="en-GB"/>
+          </a:p>
+        </p:txBody>
+      </p:sp>
+      <p:sp>
+        <p:nvSpPr>
+          <p:cNvPr id="71" name="Rectangle 70">
+            <a:extLst>
+              <a:ext uri="{FF2B5EF4-FFF2-40B4-BE49-F238E27FC236}">
+                <a16:creationId xmlns:a16="http://schemas.microsoft.com/office/drawing/2014/main" id="{2107800C-49F3-44BF-95F7-A26A4334C963}"/>
+              </a:ext>
+            </a:extLst>
+          </p:cNvPr>
+          <p:cNvSpPr/>
+          <p:nvPr/>
+        </p:nvSpPr>
+        <p:spPr>
+          <a:xfrm>
+            <a:off x="6399374" y="1538022"/>
+            <a:ext cx="4483865" cy="250439"/>
+          </a:xfrm>
+          <a:prstGeom prst="rect">
+            <a:avLst/>
+          </a:prstGeom>
+          <a:solidFill>
+            <a:schemeClr val="accent1">
+              <a:lumMod val="20000"/>
+              <a:lumOff val="80000"/>
+            </a:schemeClr>
+          </a:solidFill>
+        </p:spPr>
+        <p:style>
+          <a:lnRef idx="2">
+            <a:schemeClr val="accent1">
+              <a:shade val="50000"/>
+            </a:schemeClr>
+          </a:lnRef>
+          <a:fillRef idx="1">
+            <a:schemeClr val="accent1"/>
+          </a:fillRef>
+          <a:effectRef idx="0">
+            <a:schemeClr val="accent1"/>
+          </a:effectRef>
+          <a:fontRef idx="minor">
+            <a:schemeClr val="lt1"/>
+          </a:fontRef>
+        </p:style>
+        <p:txBody>
+          <a:bodyPr rtlCol="0" anchor="ctr"/>
+          <a:lstStyle/>
+          <a:p>
+            <a:pPr algn="ctr"/>
+            <a:endParaRPr lang="en-GB"/>
+          </a:p>
+        </p:txBody>
+      </p:sp>
+      <p:sp>
+        <p:nvSpPr>
+          <p:cNvPr id="72" name="Rectangle 71">
+            <a:extLst>
+              <a:ext uri="{FF2B5EF4-FFF2-40B4-BE49-F238E27FC236}">
+                <a16:creationId xmlns:a16="http://schemas.microsoft.com/office/drawing/2014/main" id="{DA0C0602-FE51-48AC-9437-FBD69CA8D692}"/>
+              </a:ext>
+            </a:extLst>
+          </p:cNvPr>
+          <p:cNvSpPr/>
+          <p:nvPr/>
+        </p:nvSpPr>
+        <p:spPr>
+          <a:xfrm>
+            <a:off x="6399373" y="2037107"/>
+            <a:ext cx="4483865" cy="250439"/>
+          </a:xfrm>
+          <a:prstGeom prst="rect">
+            <a:avLst/>
+          </a:prstGeom>
+          <a:solidFill>
+            <a:schemeClr val="accent1">
+              <a:lumMod val="20000"/>
+              <a:lumOff val="80000"/>
+            </a:schemeClr>
+          </a:solidFill>
+        </p:spPr>
+        <p:style>
+          <a:lnRef idx="2">
+            <a:schemeClr val="accent1">
+              <a:shade val="50000"/>
+            </a:schemeClr>
+          </a:lnRef>
+          <a:fillRef idx="1">
+            <a:schemeClr val="accent1"/>
+          </a:fillRef>
+          <a:effectRef idx="0">
+            <a:schemeClr val="accent1"/>
+          </a:effectRef>
+          <a:fontRef idx="minor">
+            <a:schemeClr val="lt1"/>
+          </a:fontRef>
+        </p:style>
+        <p:txBody>
+          <a:bodyPr rtlCol="0" anchor="ctr"/>
+          <a:lstStyle/>
+          <a:p>
+            <a:pPr algn="ctr"/>
+            <a:endParaRPr lang="en-GB"/>
+          </a:p>
+        </p:txBody>
+      </p:sp>
+      <p:sp>
+        <p:nvSpPr>
+          <p:cNvPr id="73" name="Rectangle 72">
+            <a:extLst>
+              <a:ext uri="{FF2B5EF4-FFF2-40B4-BE49-F238E27FC236}">
+                <a16:creationId xmlns:a16="http://schemas.microsoft.com/office/drawing/2014/main" id="{F873BA67-2BCF-4C34-B26B-32E07D4EEA88}"/>
+              </a:ext>
+            </a:extLst>
+          </p:cNvPr>
+          <p:cNvSpPr/>
+          <p:nvPr/>
+        </p:nvSpPr>
+        <p:spPr>
+          <a:xfrm>
+            <a:off x="6399373" y="1791406"/>
+            <a:ext cx="4483865" cy="250439"/>
+          </a:xfrm>
+          <a:prstGeom prst="rect">
+            <a:avLst/>
+          </a:prstGeom>
+          <a:solidFill>
+            <a:schemeClr val="accent1">
+              <a:lumMod val="20000"/>
+              <a:lumOff val="80000"/>
+            </a:schemeClr>
+          </a:solidFill>
+        </p:spPr>
+        <p:style>
+          <a:lnRef idx="2">
+            <a:schemeClr val="accent1">
+              <a:shade val="50000"/>
+            </a:schemeClr>
+          </a:lnRef>
+          <a:fillRef idx="1">
+            <a:schemeClr val="accent1"/>
+          </a:fillRef>
+          <a:effectRef idx="0">
+            <a:schemeClr val="accent1"/>
+          </a:effectRef>
+          <a:fontRef idx="minor">
+            <a:schemeClr val="lt1"/>
+          </a:fontRef>
+        </p:style>
+        <p:txBody>
+          <a:bodyPr rtlCol="0" anchor="ctr"/>
+          <a:lstStyle/>
+          <a:p>
+            <a:pPr algn="ctr"/>
+            <a:endParaRPr lang="en-GB"/>
+          </a:p>
+        </p:txBody>
+      </p:sp>
+      <p:sp>
+        <p:nvSpPr>
+          <p:cNvPr id="74" name="Rectangle 73">
+            <a:extLst>
+              <a:ext uri="{FF2B5EF4-FFF2-40B4-BE49-F238E27FC236}">
+                <a16:creationId xmlns:a16="http://schemas.microsoft.com/office/drawing/2014/main" id="{2B11CCD0-9F86-4128-A95E-E1741B6F1B5B}"/>
+              </a:ext>
+            </a:extLst>
+          </p:cNvPr>
+          <p:cNvSpPr/>
+          <p:nvPr/>
+        </p:nvSpPr>
+        <p:spPr>
+          <a:xfrm>
+            <a:off x="6399373" y="2286645"/>
+            <a:ext cx="4483865" cy="250439"/>
+          </a:xfrm>
+          <a:prstGeom prst="rect">
+            <a:avLst/>
+          </a:prstGeom>
+          <a:solidFill>
+            <a:schemeClr val="accent1">
+              <a:lumMod val="20000"/>
+              <a:lumOff val="80000"/>
+            </a:schemeClr>
+          </a:solidFill>
+        </p:spPr>
+        <p:style>
+          <a:lnRef idx="2">
+            <a:schemeClr val="accent1">
+              <a:shade val="50000"/>
+            </a:schemeClr>
+          </a:lnRef>
+          <a:fillRef idx="1">
+            <a:schemeClr val="accent1"/>
+          </a:fillRef>
+          <a:effectRef idx="0">
+            <a:schemeClr val="accent1"/>
+          </a:effectRef>
+          <a:fontRef idx="minor">
+            <a:schemeClr val="lt1"/>
+          </a:fontRef>
+        </p:style>
+        <p:txBody>
+          <a:bodyPr rtlCol="0" anchor="ctr"/>
+          <a:lstStyle/>
+          <a:p>
+            <a:pPr algn="ctr"/>
+            <a:endParaRPr lang="en-GB"/>
+          </a:p>
+        </p:txBody>
+      </p:sp>
+      <p:sp>
+        <p:nvSpPr>
+          <p:cNvPr id="75" name="Rectangle 74">
+            <a:extLst>
+              <a:ext uri="{FF2B5EF4-FFF2-40B4-BE49-F238E27FC236}">
+                <a16:creationId xmlns:a16="http://schemas.microsoft.com/office/drawing/2014/main" id="{D66F364D-E402-42C6-8341-A9CB59BC4789}"/>
+              </a:ext>
+            </a:extLst>
+          </p:cNvPr>
+          <p:cNvSpPr/>
+          <p:nvPr/>
+        </p:nvSpPr>
+        <p:spPr>
+          <a:xfrm>
+            <a:off x="6399372" y="1032373"/>
+            <a:ext cx="4483865" cy="250439"/>
+          </a:xfrm>
+          <a:prstGeom prst="rect">
+            <a:avLst/>
+          </a:prstGeom>
+          <a:solidFill>
+            <a:schemeClr val="accent1">
+              <a:lumMod val="20000"/>
+              <a:lumOff val="80000"/>
+            </a:schemeClr>
+          </a:solidFill>
+        </p:spPr>
+        <p:style>
+          <a:lnRef idx="2">
+            <a:schemeClr val="accent1">
+              <a:shade val="50000"/>
+            </a:schemeClr>
+          </a:lnRef>
+          <a:fillRef idx="1">
+            <a:schemeClr val="accent1"/>
+          </a:fillRef>
+          <a:effectRef idx="0">
+            <a:schemeClr val="accent1"/>
+          </a:effectRef>
+          <a:fontRef idx="minor">
+            <a:schemeClr val="lt1"/>
+          </a:fontRef>
+        </p:style>
+        <p:txBody>
+          <a:bodyPr rtlCol="0" anchor="ctr"/>
+          <a:lstStyle/>
+          <a:p>
+            <a:r>
+              <a:rPr lang="en-GB" sz="1000" dirty="0">
+                <a:solidFill>
+                  <a:schemeClr val="tx1"/>
+                </a:solidFill>
+              </a:rPr>
+              <a:t>2                 (username)                                                                                         (money)</a:t>
+            </a:r>
+          </a:p>
+        </p:txBody>
+      </p:sp>
+      <p:sp>
+        <p:nvSpPr>
+          <p:cNvPr id="76" name="Rectangle 75">
+            <a:extLst>
+              <a:ext uri="{FF2B5EF4-FFF2-40B4-BE49-F238E27FC236}">
+                <a16:creationId xmlns:a16="http://schemas.microsoft.com/office/drawing/2014/main" id="{50AFF4D8-3994-4D61-B1E0-F0E63DBA7045}"/>
+              </a:ext>
+            </a:extLst>
+          </p:cNvPr>
+          <p:cNvSpPr/>
+          <p:nvPr/>
+        </p:nvSpPr>
+        <p:spPr>
+          <a:xfrm>
+            <a:off x="6399372" y="1290587"/>
+            <a:ext cx="4483865" cy="250439"/>
+          </a:xfrm>
+          <a:prstGeom prst="rect">
+            <a:avLst/>
+          </a:prstGeom>
+          <a:solidFill>
+            <a:schemeClr val="accent1">
+              <a:lumMod val="20000"/>
+              <a:lumOff val="80000"/>
+            </a:schemeClr>
+          </a:solidFill>
+        </p:spPr>
+        <p:style>
+          <a:lnRef idx="2">
+            <a:schemeClr val="accent1">
+              <a:shade val="50000"/>
+            </a:schemeClr>
+          </a:lnRef>
+          <a:fillRef idx="1">
+            <a:schemeClr val="accent1"/>
+          </a:fillRef>
+          <a:effectRef idx="0">
+            <a:schemeClr val="accent1"/>
+          </a:effectRef>
+          <a:fontRef idx="minor">
+            <a:schemeClr val="lt1"/>
+          </a:fontRef>
+        </p:style>
+        <p:txBody>
+          <a:bodyPr rtlCol="0" anchor="ctr"/>
+          <a:lstStyle/>
+          <a:p>
+            <a:r>
+              <a:rPr lang="en-GB" sz="1000" dirty="0">
+                <a:solidFill>
+                  <a:schemeClr val="tx1"/>
+                </a:solidFill>
+              </a:rPr>
+              <a:t>3                 (username)                                                                                         (money)</a:t>
+            </a:r>
+          </a:p>
+        </p:txBody>
+      </p:sp>
+      <p:sp>
+        <p:nvSpPr>
+          <p:cNvPr id="77" name="Rectangle 76">
+            <a:extLst>
+              <a:ext uri="{FF2B5EF4-FFF2-40B4-BE49-F238E27FC236}">
+                <a16:creationId xmlns:a16="http://schemas.microsoft.com/office/drawing/2014/main" id="{46D2B29F-0B24-41F9-9F92-0C0F703D64ED}"/>
+              </a:ext>
+            </a:extLst>
+          </p:cNvPr>
+          <p:cNvSpPr/>
+          <p:nvPr/>
+        </p:nvSpPr>
+        <p:spPr>
+          <a:xfrm>
+            <a:off x="6399372" y="1539102"/>
+            <a:ext cx="4483865" cy="250439"/>
+          </a:xfrm>
+          <a:prstGeom prst="rect">
+            <a:avLst/>
+          </a:prstGeom>
+          <a:solidFill>
+            <a:schemeClr val="accent1">
+              <a:lumMod val="20000"/>
+              <a:lumOff val="80000"/>
+            </a:schemeClr>
+          </a:solidFill>
+        </p:spPr>
+        <p:style>
+          <a:lnRef idx="2">
+            <a:schemeClr val="accent1">
+              <a:shade val="50000"/>
+            </a:schemeClr>
+          </a:lnRef>
+          <a:fillRef idx="1">
+            <a:schemeClr val="accent1"/>
+          </a:fillRef>
+          <a:effectRef idx="0">
+            <a:schemeClr val="accent1"/>
+          </a:effectRef>
+          <a:fontRef idx="minor">
+            <a:schemeClr val="lt1"/>
+          </a:fontRef>
+        </p:style>
+        <p:txBody>
+          <a:bodyPr rtlCol="0" anchor="ctr"/>
+          <a:lstStyle/>
+          <a:p>
+            <a:r>
+              <a:rPr lang="en-GB" sz="1000" dirty="0">
+                <a:solidFill>
+                  <a:schemeClr val="tx1"/>
+                </a:solidFill>
+              </a:rPr>
+              <a:t>4                 (username)                                                                                         (money)</a:t>
+            </a:r>
+          </a:p>
+        </p:txBody>
+      </p:sp>
+      <p:sp>
+        <p:nvSpPr>
+          <p:cNvPr id="78" name="Rectangle 77">
+            <a:extLst>
+              <a:ext uri="{FF2B5EF4-FFF2-40B4-BE49-F238E27FC236}">
+                <a16:creationId xmlns:a16="http://schemas.microsoft.com/office/drawing/2014/main" id="{696AE7A7-4415-468F-86DB-FD5082330172}"/>
+              </a:ext>
+            </a:extLst>
+          </p:cNvPr>
+          <p:cNvSpPr/>
+          <p:nvPr/>
+        </p:nvSpPr>
+        <p:spPr>
+          <a:xfrm>
+            <a:off x="6399367" y="1792307"/>
+            <a:ext cx="4483865" cy="250439"/>
+          </a:xfrm>
+          <a:prstGeom prst="rect">
+            <a:avLst/>
+          </a:prstGeom>
+          <a:solidFill>
+            <a:schemeClr val="accent1">
+              <a:lumMod val="20000"/>
+              <a:lumOff val="80000"/>
+            </a:schemeClr>
+          </a:solidFill>
+        </p:spPr>
+        <p:style>
+          <a:lnRef idx="2">
+            <a:schemeClr val="accent1">
+              <a:shade val="50000"/>
+            </a:schemeClr>
+          </a:lnRef>
+          <a:fillRef idx="1">
+            <a:schemeClr val="accent1"/>
+          </a:fillRef>
+          <a:effectRef idx="0">
+            <a:schemeClr val="accent1"/>
+          </a:effectRef>
+          <a:fontRef idx="minor">
+            <a:schemeClr val="lt1"/>
+          </a:fontRef>
+        </p:style>
+        <p:txBody>
+          <a:bodyPr rtlCol="0" anchor="ctr"/>
+          <a:lstStyle/>
+          <a:p>
+            <a:r>
+              <a:rPr lang="en-GB" sz="1000" dirty="0">
+                <a:solidFill>
+                  <a:schemeClr val="tx1"/>
+                </a:solidFill>
+              </a:rPr>
+              <a:t>5                 (username)                                                                                         (money)</a:t>
+            </a:r>
+          </a:p>
+        </p:txBody>
+      </p:sp>
+      <p:sp>
+        <p:nvSpPr>
+          <p:cNvPr id="79" name="Rectangle 78">
+            <a:extLst>
+              <a:ext uri="{FF2B5EF4-FFF2-40B4-BE49-F238E27FC236}">
+                <a16:creationId xmlns:a16="http://schemas.microsoft.com/office/drawing/2014/main" id="{D366BA58-1CB2-4AB4-86DD-B57266AE6ECB}"/>
+              </a:ext>
+            </a:extLst>
+          </p:cNvPr>
+          <p:cNvSpPr/>
+          <p:nvPr/>
+        </p:nvSpPr>
+        <p:spPr>
+          <a:xfrm>
+            <a:off x="6399366" y="2045512"/>
+            <a:ext cx="4483865" cy="250439"/>
+          </a:xfrm>
+          <a:prstGeom prst="rect">
+            <a:avLst/>
+          </a:prstGeom>
+          <a:solidFill>
+            <a:schemeClr val="accent1">
+              <a:lumMod val="20000"/>
+              <a:lumOff val="80000"/>
+            </a:schemeClr>
+          </a:solidFill>
+        </p:spPr>
+        <p:style>
+          <a:lnRef idx="2">
+            <a:schemeClr val="accent1">
+              <a:shade val="50000"/>
+            </a:schemeClr>
+          </a:lnRef>
+          <a:fillRef idx="1">
+            <a:schemeClr val="accent1"/>
+          </a:fillRef>
+          <a:effectRef idx="0">
+            <a:schemeClr val="accent1"/>
+          </a:effectRef>
+          <a:fontRef idx="minor">
+            <a:schemeClr val="lt1"/>
+          </a:fontRef>
+        </p:style>
+        <p:txBody>
+          <a:bodyPr rtlCol="0" anchor="ctr"/>
+          <a:lstStyle/>
+          <a:p>
+            <a:r>
+              <a:rPr lang="en-GB" sz="1000" dirty="0">
+                <a:solidFill>
+                  <a:schemeClr val="tx1"/>
+                </a:solidFill>
+              </a:rPr>
+              <a:t>6                 (username)                                                                                         (money)</a:t>
+            </a:r>
+          </a:p>
+        </p:txBody>
+      </p:sp>
+      <p:sp>
+        <p:nvSpPr>
+          <p:cNvPr id="80" name="Rectangle 79">
+            <a:extLst>
+              <a:ext uri="{FF2B5EF4-FFF2-40B4-BE49-F238E27FC236}">
+                <a16:creationId xmlns:a16="http://schemas.microsoft.com/office/drawing/2014/main" id="{B6E27F38-FF6A-4BFF-A752-94B88E251F72}"/>
+              </a:ext>
+            </a:extLst>
+          </p:cNvPr>
+          <p:cNvSpPr/>
+          <p:nvPr/>
+        </p:nvSpPr>
+        <p:spPr>
+          <a:xfrm>
+            <a:off x="6399366" y="2288082"/>
+            <a:ext cx="4483865" cy="250439"/>
+          </a:xfrm>
+          <a:prstGeom prst="rect">
+            <a:avLst/>
+          </a:prstGeom>
+          <a:solidFill>
+            <a:schemeClr val="accent1">
+              <a:lumMod val="20000"/>
+              <a:lumOff val="80000"/>
+            </a:schemeClr>
+          </a:solidFill>
+        </p:spPr>
+        <p:style>
+          <a:lnRef idx="2">
+            <a:schemeClr val="accent1">
+              <a:shade val="50000"/>
+            </a:schemeClr>
+          </a:lnRef>
+          <a:fillRef idx="1">
+            <a:schemeClr val="accent1"/>
+          </a:fillRef>
+          <a:effectRef idx="0">
+            <a:schemeClr val="accent1"/>
+          </a:effectRef>
+          <a:fontRef idx="minor">
+            <a:schemeClr val="lt1"/>
+          </a:fontRef>
+        </p:style>
+        <p:txBody>
+          <a:bodyPr rtlCol="0" anchor="ctr"/>
+          <a:lstStyle/>
+          <a:p>
+            <a:r>
+              <a:rPr lang="en-GB" sz="1000" dirty="0">
+                <a:solidFill>
+                  <a:schemeClr val="tx1"/>
+                </a:solidFill>
+              </a:rPr>
+              <a:t>7                 (username)                                                                                         (money)</a:t>
+            </a:r>
+          </a:p>
+        </p:txBody>
+      </p:sp>
+      <p:sp>
+        <p:nvSpPr>
+          <p:cNvPr id="81" name="Rectangle 80">
+            <a:extLst>
+              <a:ext uri="{FF2B5EF4-FFF2-40B4-BE49-F238E27FC236}">
+                <a16:creationId xmlns:a16="http://schemas.microsoft.com/office/drawing/2014/main" id="{D580D67F-5CE9-4DFE-851E-3CD7F9DFF43A}"/>
+              </a:ext>
+            </a:extLst>
+          </p:cNvPr>
+          <p:cNvSpPr/>
+          <p:nvPr/>
+        </p:nvSpPr>
+        <p:spPr>
+          <a:xfrm>
+            <a:off x="6399365" y="2546354"/>
+            <a:ext cx="4483865" cy="250439"/>
+          </a:xfrm>
+          <a:prstGeom prst="rect">
+            <a:avLst/>
+          </a:prstGeom>
+          <a:solidFill>
+            <a:schemeClr val="accent1">
+              <a:lumMod val="20000"/>
+              <a:lumOff val="80000"/>
+            </a:schemeClr>
+          </a:solidFill>
+        </p:spPr>
+        <p:style>
+          <a:lnRef idx="2">
+            <a:schemeClr val="accent1">
+              <a:shade val="50000"/>
+            </a:schemeClr>
+          </a:lnRef>
+          <a:fillRef idx="1">
+            <a:schemeClr val="accent1"/>
+          </a:fillRef>
+          <a:effectRef idx="0">
+            <a:schemeClr val="accent1"/>
+          </a:effectRef>
+          <a:fontRef idx="minor">
+            <a:schemeClr val="lt1"/>
+          </a:fontRef>
+        </p:style>
+        <p:txBody>
+          <a:bodyPr rtlCol="0" anchor="ctr"/>
+          <a:lstStyle/>
+          <a:p>
+            <a:r>
+              <a:rPr lang="en-GB" sz="1000" dirty="0">
+                <a:solidFill>
+                  <a:schemeClr val="tx1"/>
+                </a:solidFill>
+              </a:rPr>
+              <a:t>8                 (username)                                                                                         (money)</a:t>
+            </a:r>
+          </a:p>
+        </p:txBody>
+      </p:sp>
+      <p:sp>
+        <p:nvSpPr>
+          <p:cNvPr id="83" name="Rectangle 82">
+            <a:extLst>
+              <a:ext uri="{FF2B5EF4-FFF2-40B4-BE49-F238E27FC236}">
+                <a16:creationId xmlns:a16="http://schemas.microsoft.com/office/drawing/2014/main" id="{9E428E79-0868-4D5A-AAE1-DC4DA3F96703}"/>
+              </a:ext>
+            </a:extLst>
+          </p:cNvPr>
+          <p:cNvSpPr/>
+          <p:nvPr/>
+        </p:nvSpPr>
+        <p:spPr>
+          <a:xfrm>
+            <a:off x="309215" y="449546"/>
+            <a:ext cx="594168" cy="279318"/>
+          </a:xfrm>
+          <a:prstGeom prst="rect">
+            <a:avLst/>
+          </a:prstGeom>
+        </p:spPr>
+        <p:style>
+          <a:lnRef idx="2">
+            <a:schemeClr val="accent1">
+              <a:shade val="50000"/>
+            </a:schemeClr>
+          </a:lnRef>
+          <a:fillRef idx="1">
+            <a:schemeClr val="accent1"/>
+          </a:fillRef>
+          <a:effectRef idx="0">
+            <a:schemeClr val="accent1"/>
+          </a:effectRef>
+          <a:fontRef idx="minor">
+            <a:schemeClr val="lt1"/>
+          </a:fontRef>
+        </p:style>
+        <p:txBody>
+          <a:bodyPr rtlCol="0" anchor="ctr"/>
+          <a:lstStyle/>
+          <a:p>
+            <a:pPr algn="ctr"/>
+            <a:r>
+              <a:rPr lang="en-GB" sz="1000" dirty="0"/>
+              <a:t>Create table</a:t>
+            </a:r>
+          </a:p>
+        </p:txBody>
+      </p:sp>
+      <p:sp>
+        <p:nvSpPr>
+          <p:cNvPr id="84" name="Rectangle 83">
+            <a:extLst>
+              <a:ext uri="{FF2B5EF4-FFF2-40B4-BE49-F238E27FC236}">
+                <a16:creationId xmlns:a16="http://schemas.microsoft.com/office/drawing/2014/main" id="{76509624-4A72-4544-B3CE-0CAA41528488}"/>
+              </a:ext>
+            </a:extLst>
+          </p:cNvPr>
+          <p:cNvSpPr/>
+          <p:nvPr/>
+        </p:nvSpPr>
+        <p:spPr>
+          <a:xfrm>
+            <a:off x="1011302" y="449546"/>
+            <a:ext cx="555214" cy="279318"/>
+          </a:xfrm>
+          <a:prstGeom prst="rect">
+            <a:avLst/>
+          </a:prstGeom>
+        </p:spPr>
+        <p:style>
+          <a:lnRef idx="2">
+            <a:schemeClr val="accent1">
+              <a:shade val="50000"/>
+            </a:schemeClr>
+          </a:lnRef>
+          <a:fillRef idx="1">
+            <a:schemeClr val="accent1"/>
+          </a:fillRef>
+          <a:effectRef idx="0">
+            <a:schemeClr val="accent1"/>
+          </a:effectRef>
+          <a:fontRef idx="minor">
+            <a:schemeClr val="lt1"/>
+          </a:fontRef>
+        </p:style>
+        <p:txBody>
+          <a:bodyPr rtlCol="0" anchor="ctr"/>
+          <a:lstStyle/>
+          <a:p>
+            <a:pPr algn="ctr"/>
+            <a:r>
+              <a:rPr lang="en-GB" sz="1000" dirty="0"/>
+              <a:t>Reset money</a:t>
+            </a:r>
+          </a:p>
+        </p:txBody>
+      </p:sp>
+      <p:sp>
+        <p:nvSpPr>
+          <p:cNvPr id="86" name="TextBox 85">
+            <a:extLst>
+              <a:ext uri="{FF2B5EF4-FFF2-40B4-BE49-F238E27FC236}">
+                <a16:creationId xmlns:a16="http://schemas.microsoft.com/office/drawing/2014/main" id="{BDB7B959-16A3-4E2F-B174-F5471A5FF40E}"/>
+              </a:ext>
+            </a:extLst>
+          </p:cNvPr>
+          <p:cNvSpPr txBox="1"/>
+          <p:nvPr/>
+        </p:nvSpPr>
+        <p:spPr>
+          <a:xfrm>
+            <a:off x="6150162" y="4064893"/>
+            <a:ext cx="857927" cy="369332"/>
+          </a:xfrm>
+          <a:prstGeom prst="rect">
+            <a:avLst/>
+          </a:prstGeom>
+          <a:noFill/>
+        </p:spPr>
+        <p:txBody>
+          <a:bodyPr wrap="none" rtlCol="0">
+            <a:spAutoFit/>
+          </a:bodyPr>
+          <a:lstStyle/>
+          <a:p>
+            <a:r>
+              <a:rPr lang="en-GB" dirty="0"/>
+              <a:t>(name)</a:t>
+            </a:r>
+          </a:p>
+        </p:txBody>
+      </p:sp>
+      <p:sp>
+        <p:nvSpPr>
+          <p:cNvPr id="87" name="TextBox 86">
+            <a:extLst>
+              <a:ext uri="{FF2B5EF4-FFF2-40B4-BE49-F238E27FC236}">
+                <a16:creationId xmlns:a16="http://schemas.microsoft.com/office/drawing/2014/main" id="{3331507A-3479-4E19-89E4-FADFE2A4245C}"/>
+              </a:ext>
+            </a:extLst>
+          </p:cNvPr>
+          <p:cNvSpPr txBox="1"/>
+          <p:nvPr/>
+        </p:nvSpPr>
+        <p:spPr>
+          <a:xfrm>
+            <a:off x="6225183" y="4539983"/>
+            <a:ext cx="707886" cy="276999"/>
+          </a:xfrm>
+          <a:prstGeom prst="rect">
+            <a:avLst/>
+          </a:prstGeom>
+          <a:noFill/>
+        </p:spPr>
+        <p:txBody>
+          <a:bodyPr wrap="none" rtlCol="0">
+            <a:spAutoFit/>
+          </a:bodyPr>
+          <a:lstStyle/>
+          <a:p>
+            <a:r>
+              <a:rPr lang="en-GB" sz="1200" dirty="0"/>
+              <a:t>(money)</a:t>
+            </a:r>
+          </a:p>
+        </p:txBody>
+      </p:sp>
+      <p:cxnSp>
+        <p:nvCxnSpPr>
+          <p:cNvPr id="89" name="Connector: Elbow 88">
+            <a:extLst>
+              <a:ext uri="{FF2B5EF4-FFF2-40B4-BE49-F238E27FC236}">
+                <a16:creationId xmlns:a16="http://schemas.microsoft.com/office/drawing/2014/main" id="{7BD7B441-1282-42D0-8D0A-ADDC0FB420DF}"/>
+              </a:ext>
+            </a:extLst>
+          </p:cNvPr>
+          <p:cNvCxnSpPr>
+            <a:cxnSpLocks/>
+            <a:stCxn id="69" idx="3"/>
+            <a:endCxn id="33" idx="3"/>
+          </p:cNvCxnSpPr>
+          <p:nvPr/>
+        </p:nvCxnSpPr>
+        <p:spPr>
+          <a:xfrm>
+            <a:off x="10883229" y="905717"/>
+            <a:ext cx="361322" cy="4319426"/>
+          </a:xfrm>
+          <a:prstGeom prst="bentConnector3">
+            <a:avLst>
+              <a:gd name="adj1" fmla="val 193758"/>
+            </a:avLst>
+          </a:prstGeom>
+          <a:ln>
+            <a:tailEnd type="triangle"/>
+          </a:ln>
+        </p:spPr>
+        <p:style>
+          <a:lnRef idx="1">
+            <a:schemeClr val="accent1"/>
+          </a:lnRef>
+          <a:fillRef idx="0">
+            <a:schemeClr val="accent1"/>
+          </a:fillRef>
+          <a:effectRef idx="0">
+            <a:schemeClr val="accent1"/>
+          </a:effectRef>
+          <a:fontRef idx="minor">
+            <a:schemeClr val="tx1"/>
+          </a:fontRef>
+        </p:style>
+      </p:cxnSp>
+      <p:cxnSp>
+        <p:nvCxnSpPr>
+          <p:cNvPr id="93" name="Connector: Elbow 92">
+            <a:extLst>
+              <a:ext uri="{FF2B5EF4-FFF2-40B4-BE49-F238E27FC236}">
+                <a16:creationId xmlns:a16="http://schemas.microsoft.com/office/drawing/2014/main" id="{F04072B4-B7E2-46BA-B34A-969B423C4D8E}"/>
+              </a:ext>
+            </a:extLst>
+          </p:cNvPr>
+          <p:cNvCxnSpPr>
+            <a:cxnSpLocks/>
+            <a:endCxn id="33" idx="3"/>
+          </p:cNvCxnSpPr>
+          <p:nvPr/>
+        </p:nvCxnSpPr>
+        <p:spPr>
+          <a:xfrm rot="16200000" flipH="1">
+            <a:off x="8198806" y="2179398"/>
+            <a:ext cx="5142514" cy="948975"/>
+          </a:xfrm>
+          <a:prstGeom prst="bentConnector4">
+            <a:avLst>
+              <a:gd name="adj1" fmla="val -6152"/>
+              <a:gd name="adj2" fmla="val 159497"/>
+            </a:avLst>
+          </a:prstGeom>
+          <a:ln>
+            <a:tailEnd type="triangle"/>
+          </a:ln>
+        </p:spPr>
+        <p:style>
+          <a:lnRef idx="1">
+            <a:schemeClr val="accent1"/>
+          </a:lnRef>
+          <a:fillRef idx="0">
+            <a:schemeClr val="accent1"/>
+          </a:fillRef>
+          <a:effectRef idx="0">
+            <a:schemeClr val="accent1"/>
+          </a:effectRef>
+          <a:fontRef idx="minor">
+            <a:schemeClr val="tx1"/>
+          </a:fontRef>
+        </p:style>
+      </p:cxnSp>
+      <p:sp>
+        <p:nvSpPr>
+          <p:cNvPr id="117" name="TextBox 116">
+            <a:extLst>
+              <a:ext uri="{FF2B5EF4-FFF2-40B4-BE49-F238E27FC236}">
+                <a16:creationId xmlns:a16="http://schemas.microsoft.com/office/drawing/2014/main" id="{4D7E23FB-3ADD-4CC1-9402-B7ED9777F48A}"/>
+              </a:ext>
+            </a:extLst>
+          </p:cNvPr>
+          <p:cNvSpPr txBox="1"/>
+          <p:nvPr/>
+        </p:nvSpPr>
+        <p:spPr>
+          <a:xfrm>
+            <a:off x="0" y="27632"/>
+            <a:ext cx="5206481" cy="276999"/>
+          </a:xfrm>
+          <a:prstGeom prst="rect">
+            <a:avLst/>
+          </a:prstGeom>
+          <a:noFill/>
+        </p:spPr>
+        <p:txBody>
+          <a:bodyPr wrap="square" rtlCol="0">
+            <a:spAutoFit/>
+          </a:bodyPr>
+          <a:lstStyle/>
+          <a:p>
+            <a:r>
+              <a:rPr lang="en-GB" sz="1200" b="1" dirty="0"/>
+              <a:t>Tables</a:t>
+            </a:r>
+            <a:r>
+              <a:rPr lang="en-GB" sz="1200" dirty="0"/>
+              <a:t>    Leaderboard                                                                            (name)  (money)</a:t>
+            </a:r>
+          </a:p>
+        </p:txBody>
+      </p:sp>
       <p:grpSp>
         <p:nvGrpSpPr>
-          <p:cNvPr id="15" name="Group 14">
-            <a:extLst>
-              <a:ext uri="{FF2B5EF4-FFF2-40B4-BE49-F238E27FC236}">
-                <a16:creationId xmlns:a16="http://schemas.microsoft.com/office/drawing/2014/main" id="{F0DEB887-ED74-4344-A7D4-F86AEBC28C07}"/>
+          <p:cNvPr id="140" name="Group 139">
+            <a:extLst>
+              <a:ext uri="{FF2B5EF4-FFF2-40B4-BE49-F238E27FC236}">
+                <a16:creationId xmlns:a16="http://schemas.microsoft.com/office/drawing/2014/main" id="{1FEF80E1-BD76-4F0E-B07A-106E98483D6F}"/>
               </a:ext>
             </a:extLst>
           </p:cNvPr>
@@ -3356,18 +6292,18 @@
         </p:nvGrpSpPr>
         <p:grpSpPr>
           <a:xfrm>
-            <a:off x="565938" y="486986"/>
-            <a:ext cx="5206481" cy="3265714"/>
-            <a:chOff x="970384" y="821094"/>
-            <a:chExt cx="5206481" cy="3265714"/>
+            <a:off x="6038054" y="-3616001"/>
+            <a:ext cx="5206481" cy="3277647"/>
+            <a:chOff x="-5959978" y="3607985"/>
+            <a:chExt cx="5206481" cy="3277647"/>
           </a:xfrm>
         </p:grpSpPr>
         <p:sp>
           <p:nvSpPr>
-            <p:cNvPr id="4" name="Rectangle 3">
+            <p:cNvPr id="107" name="Rectangle 106">
               <a:extLst>
                 <a:ext uri="{FF2B5EF4-FFF2-40B4-BE49-F238E27FC236}">
-                  <a16:creationId xmlns:a16="http://schemas.microsoft.com/office/drawing/2014/main" id="{5ED3C6F1-D8C1-4E6D-ACDF-AE343A8DF377}"/>
+                  <a16:creationId xmlns:a16="http://schemas.microsoft.com/office/drawing/2014/main" id="{89D90690-5FF5-48B6-B6BB-BD517D229115}"/>
                 </a:ext>
               </a:extLst>
             </p:cNvPr>
@@ -3376,13 +6312,15 @@
           </p:nvSpPr>
           <p:spPr>
             <a:xfrm>
-              <a:off x="970384" y="821094"/>
+              <a:off x="-5959978" y="3619918"/>
               <a:ext cx="5206481" cy="3265714"/>
             </a:xfrm>
             <a:prstGeom prst="rect">
               <a:avLst/>
             </a:prstGeom>
-            <a:noFill/>
+            <a:solidFill>
+              <a:schemeClr val="bg1"/>
+            </a:solidFill>
             <a:ln>
               <a:solidFill>
                 <a:schemeClr val="accent1">
@@ -3416,12 +6354,197 @@
             </a:p>
           </p:txBody>
         </p:sp>
+        <p:grpSp>
+          <p:nvGrpSpPr>
+            <p:cNvPr id="126" name="Group 125">
+              <a:extLst>
+                <a:ext uri="{FF2B5EF4-FFF2-40B4-BE49-F238E27FC236}">
+                  <a16:creationId xmlns:a16="http://schemas.microsoft.com/office/drawing/2014/main" id="{891DB4A4-A287-484E-8D1D-778386EED2F5}"/>
+                </a:ext>
+              </a:extLst>
+            </p:cNvPr>
+            <p:cNvGrpSpPr/>
+            <p:nvPr/>
+          </p:nvGrpSpPr>
+          <p:grpSpPr>
+            <a:xfrm>
+              <a:off x="-5959978" y="3607985"/>
+              <a:ext cx="5206481" cy="304964"/>
+              <a:chOff x="-5959978" y="-333"/>
+              <a:chExt cx="5206481" cy="304964"/>
+            </a:xfrm>
+          </p:grpSpPr>
+          <p:sp>
+            <p:nvSpPr>
+              <p:cNvPr id="127" name="Rectangle 126">
+                <a:extLst>
+                  <a:ext uri="{FF2B5EF4-FFF2-40B4-BE49-F238E27FC236}">
+                    <a16:creationId xmlns:a16="http://schemas.microsoft.com/office/drawing/2014/main" id="{1D2E9D62-6D37-4523-8F54-68476F323168}"/>
+                  </a:ext>
+                </a:extLst>
+              </p:cNvPr>
+              <p:cNvSpPr/>
+              <p:nvPr/>
+            </p:nvSpPr>
+            <p:spPr>
+              <a:xfrm>
+                <a:off x="-5959977" y="-333"/>
+                <a:ext cx="5206480" cy="304964"/>
+              </a:xfrm>
+              <a:prstGeom prst="rect">
+                <a:avLst/>
+              </a:prstGeom>
+              <a:solidFill>
+                <a:schemeClr val="accent5">
+                  <a:lumMod val="40000"/>
+                  <a:lumOff val="60000"/>
+                </a:schemeClr>
+              </a:solidFill>
+            </p:spPr>
+            <p:style>
+              <a:lnRef idx="2">
+                <a:schemeClr val="accent1">
+                  <a:shade val="50000"/>
+                </a:schemeClr>
+              </a:lnRef>
+              <a:fillRef idx="1">
+                <a:schemeClr val="accent1"/>
+              </a:fillRef>
+              <a:effectRef idx="0">
+                <a:schemeClr val="accent1"/>
+              </a:effectRef>
+              <a:fontRef idx="minor">
+                <a:schemeClr val="lt1"/>
+              </a:fontRef>
+            </p:style>
+            <p:txBody>
+              <a:bodyPr rtlCol="0" anchor="ctr"/>
+              <a:lstStyle/>
+              <a:p>
+                <a:pPr algn="ctr"/>
+                <a:endParaRPr lang="en-GB"/>
+              </a:p>
+            </p:txBody>
+          </p:sp>
+          <p:sp>
+            <p:nvSpPr>
+              <p:cNvPr id="128" name="TextBox 127">
+                <a:extLst>
+                  <a:ext uri="{FF2B5EF4-FFF2-40B4-BE49-F238E27FC236}">
+                    <a16:creationId xmlns:a16="http://schemas.microsoft.com/office/drawing/2014/main" id="{6B46BF35-1394-4B1F-AC97-CE975C43427F}"/>
+                  </a:ext>
+                </a:extLst>
+              </p:cNvPr>
+              <p:cNvSpPr txBox="1"/>
+              <p:nvPr/>
+            </p:nvSpPr>
+            <p:spPr>
+              <a:xfrm>
+                <a:off x="-5959978" y="12947"/>
+                <a:ext cx="5206481" cy="276999"/>
+              </a:xfrm>
+              <a:prstGeom prst="rect">
+                <a:avLst/>
+              </a:prstGeom>
+              <a:noFill/>
+            </p:spPr>
+            <p:txBody>
+              <a:bodyPr wrap="square" rtlCol="0">
+                <a:spAutoFit/>
+              </a:bodyPr>
+              <a:lstStyle/>
+              <a:p>
+                <a:r>
+                  <a:rPr lang="en-GB" sz="1200" dirty="0"/>
+                  <a:t>Tables    Leaderboard</a:t>
+                </a:r>
+              </a:p>
+            </p:txBody>
+          </p:sp>
+        </p:grpSp>
+      </p:grpSp>
+      <p:sp>
+        <p:nvSpPr>
+          <p:cNvPr id="108" name="Rectangle 107">
+            <a:extLst>
+              <a:ext uri="{FF2B5EF4-FFF2-40B4-BE49-F238E27FC236}">
+                <a16:creationId xmlns:a16="http://schemas.microsoft.com/office/drawing/2014/main" id="{CCC80914-CD94-472A-BEED-B5D5712CAC16}"/>
+              </a:ext>
+            </a:extLst>
+          </p:cNvPr>
+          <p:cNvSpPr/>
+          <p:nvPr/>
+        </p:nvSpPr>
+        <p:spPr>
+          <a:xfrm>
+            <a:off x="6545" y="-7297946"/>
+            <a:ext cx="5206481" cy="3265714"/>
+          </a:xfrm>
+          <a:prstGeom prst="rect">
+            <a:avLst/>
+          </a:prstGeom>
+          <a:solidFill>
+            <a:schemeClr val="bg1"/>
+          </a:solidFill>
+          <a:ln>
+            <a:solidFill>
+              <a:schemeClr val="accent1">
+                <a:lumMod val="75000"/>
+              </a:schemeClr>
+            </a:solidFill>
+          </a:ln>
+        </p:spPr>
+        <p:style>
+          <a:lnRef idx="2">
+            <a:schemeClr val="accent1">
+              <a:shade val="50000"/>
+            </a:schemeClr>
+          </a:lnRef>
+          <a:fillRef idx="1">
+            <a:schemeClr val="accent1"/>
+          </a:fillRef>
+          <a:effectRef idx="0">
+            <a:schemeClr val="accent1"/>
+          </a:effectRef>
+          <a:fontRef idx="minor">
+            <a:schemeClr val="lt1"/>
+          </a:fontRef>
+        </p:style>
+        <p:txBody>
+          <a:bodyPr rtlCol="0" anchor="ctr"/>
+          <a:lstStyle/>
+          <a:p>
+            <a:pPr algn="ctr"/>
+            <a:endParaRPr lang="en-GB" dirty="0"/>
+          </a:p>
+        </p:txBody>
+      </p:sp>
+      <p:grpSp>
+        <p:nvGrpSpPr>
+          <p:cNvPr id="119" name="Group 118">
+            <a:extLst>
+              <a:ext uri="{FF2B5EF4-FFF2-40B4-BE49-F238E27FC236}">
+                <a16:creationId xmlns:a16="http://schemas.microsoft.com/office/drawing/2014/main" id="{53CB6A1F-3B27-445A-990E-8DEE98AA43E4}"/>
+              </a:ext>
+            </a:extLst>
+          </p:cNvPr>
+          <p:cNvGrpSpPr/>
+          <p:nvPr/>
+        </p:nvGrpSpPr>
+        <p:grpSpPr>
+          <a:xfrm>
+            <a:off x="6545" y="-7298733"/>
+            <a:ext cx="5206481" cy="304964"/>
+            <a:chOff x="-5959978" y="-333"/>
+            <a:chExt cx="5206481" cy="304964"/>
+          </a:xfrm>
+        </p:grpSpPr>
         <p:sp>
           <p:nvSpPr>
-            <p:cNvPr id="5" name="Rectangle 4">
+            <p:cNvPr id="118" name="Rectangle 117">
               <a:extLst>
                 <a:ext uri="{FF2B5EF4-FFF2-40B4-BE49-F238E27FC236}">
-                  <a16:creationId xmlns:a16="http://schemas.microsoft.com/office/drawing/2014/main" id="{E3CD87B5-4CC7-4ED2-822C-8919E163787B}"/>
+                  <a16:creationId xmlns:a16="http://schemas.microsoft.com/office/drawing/2014/main" id="{D5F08653-EDA1-485C-82C7-5C300CE097A9}"/>
                 </a:ext>
               </a:extLst>
             </p:cNvPr>
@@ -3430,152 +6553,8 @@
           </p:nvSpPr>
           <p:spPr>
             <a:xfrm>
-              <a:off x="970384" y="821094"/>
-              <a:ext cx="5206481" cy="313114"/>
-            </a:xfrm>
-            <a:prstGeom prst="rect">
-              <a:avLst/>
-            </a:prstGeom>
-            <a:solidFill>
-              <a:schemeClr val="accent5">
-                <a:lumMod val="40000"/>
-                <a:lumOff val="60000"/>
-              </a:schemeClr>
-            </a:solidFill>
-          </p:spPr>
-          <p:style>
-            <a:lnRef idx="2">
-              <a:schemeClr val="accent1">
-                <a:shade val="50000"/>
-              </a:schemeClr>
-            </a:lnRef>
-            <a:fillRef idx="1">
-              <a:schemeClr val="accent1"/>
-            </a:fillRef>
-            <a:effectRef idx="0">
-              <a:schemeClr val="accent1"/>
-            </a:effectRef>
-            <a:fontRef idx="minor">
-              <a:schemeClr val="lt1"/>
-            </a:fontRef>
-          </p:style>
-          <p:txBody>
-            <a:bodyPr rtlCol="0" anchor="ctr"/>
-            <a:lstStyle/>
-            <a:p>
-              <a:pPr algn="ctr"/>
-              <a:endParaRPr lang="en-GB" dirty="0"/>
-            </a:p>
-          </p:txBody>
-        </p:sp>
-        <p:sp>
-          <p:nvSpPr>
-            <p:cNvPr id="6" name="Rectangle 5">
-              <a:extLst>
-                <a:ext uri="{FF2B5EF4-FFF2-40B4-BE49-F238E27FC236}">
-                  <a16:creationId xmlns:a16="http://schemas.microsoft.com/office/drawing/2014/main" id="{CB9B3D98-C508-4073-AA6C-83E794A0DC20}"/>
-                </a:ext>
-              </a:extLst>
-            </p:cNvPr>
-            <p:cNvSpPr/>
-            <p:nvPr/>
-          </p:nvSpPr>
-          <p:spPr>
-            <a:xfrm>
-              <a:off x="1336430" y="1371599"/>
-              <a:ext cx="1257300" cy="817685"/>
-            </a:xfrm>
-            <a:prstGeom prst="rect">
-              <a:avLst/>
-            </a:prstGeom>
-            <a:solidFill>
-              <a:schemeClr val="accent5">
-                <a:lumMod val="40000"/>
-                <a:lumOff val="60000"/>
-              </a:schemeClr>
-            </a:solidFill>
-          </p:spPr>
-          <p:style>
-            <a:lnRef idx="2">
-              <a:schemeClr val="accent1">
-                <a:shade val="50000"/>
-              </a:schemeClr>
-            </a:lnRef>
-            <a:fillRef idx="1">
-              <a:schemeClr val="accent1"/>
-            </a:fillRef>
-            <a:effectRef idx="0">
-              <a:schemeClr val="accent1"/>
-            </a:effectRef>
-            <a:fontRef idx="minor">
-              <a:schemeClr val="lt1"/>
-            </a:fontRef>
-          </p:style>
-          <p:txBody>
-            <a:bodyPr rtlCol="0" anchor="ctr"/>
-            <a:lstStyle/>
-            <a:p>
-              <a:r>
-                <a:rPr lang="en-GB" sz="1000" dirty="0">
-                  <a:solidFill>
-                    <a:schemeClr val="tx1"/>
-                  </a:solidFill>
-                </a:rPr>
-                <a:t>Table name</a:t>
-              </a:r>
-            </a:p>
-            <a:p>
-              <a:r>
-                <a:rPr lang="en-GB" sz="1000" dirty="0">
-                  <a:solidFill>
-                    <a:schemeClr val="tx1"/>
-                  </a:solidFill>
-                </a:rPr>
-                <a:t>Buy in: (buy in)</a:t>
-              </a:r>
-            </a:p>
-            <a:p>
-              <a:r>
-                <a:rPr lang="en-GB" sz="1000" dirty="0">
-                  <a:solidFill>
-                    <a:schemeClr val="tx1"/>
-                  </a:solidFill>
-                </a:rPr>
-                <a:t>(players)/(max no)</a:t>
-              </a:r>
-            </a:p>
-            <a:p>
-              <a:endParaRPr lang="en-GB" sz="1000" dirty="0">
-                <a:solidFill>
-                  <a:schemeClr val="tx1"/>
-                </a:solidFill>
-              </a:endParaRPr>
-            </a:p>
-            <a:p>
-              <a:endParaRPr lang="en-GB" sz="1100" dirty="0">
-                <a:solidFill>
-                  <a:schemeClr val="tx1"/>
-                </a:solidFill>
-              </a:endParaRPr>
-            </a:p>
-          </p:txBody>
-        </p:sp>
-        <p:sp>
-          <p:nvSpPr>
-            <p:cNvPr id="7" name="Rectangle 6">
-              <a:extLst>
-                <a:ext uri="{FF2B5EF4-FFF2-40B4-BE49-F238E27FC236}">
-                  <a16:creationId xmlns:a16="http://schemas.microsoft.com/office/drawing/2014/main" id="{25AAAFB6-1956-44E7-8847-134B00B85C04}"/>
-                </a:ext>
-              </a:extLst>
-            </p:cNvPr>
-            <p:cNvSpPr/>
-            <p:nvPr/>
-          </p:nvSpPr>
-          <p:spPr>
-            <a:xfrm>
-              <a:off x="2939561" y="1371600"/>
-              <a:ext cx="1257300" cy="817684"/>
+              <a:off x="-5959977" y="-333"/>
+              <a:ext cx="5206480" cy="304964"/>
             </a:xfrm>
             <a:prstGeom prst="rect">
               <a:avLst/>
@@ -3614,10 +6593,203 @@
         </p:sp>
         <p:sp>
           <p:nvSpPr>
-            <p:cNvPr id="8" name="Rectangle 7">
+            <p:cNvPr id="115" name="TextBox 114">
               <a:extLst>
                 <a:ext uri="{FF2B5EF4-FFF2-40B4-BE49-F238E27FC236}">
-                  <a16:creationId xmlns:a16="http://schemas.microsoft.com/office/drawing/2014/main" id="{5B109C5B-1E70-412E-AFB3-3FBB7D64D01C}"/>
+                  <a16:creationId xmlns:a16="http://schemas.microsoft.com/office/drawing/2014/main" id="{218B229A-3D05-4C40-8F4B-17DF93BF3831}"/>
+                </a:ext>
+              </a:extLst>
+            </p:cNvPr>
+            <p:cNvSpPr txBox="1"/>
+            <p:nvPr/>
+          </p:nvSpPr>
+          <p:spPr>
+            <a:xfrm>
+              <a:off x="-5959978" y="12947"/>
+              <a:ext cx="5206481" cy="276999"/>
+            </a:xfrm>
+            <a:prstGeom prst="rect">
+              <a:avLst/>
+            </a:prstGeom>
+            <a:noFill/>
+          </p:spPr>
+          <p:txBody>
+            <a:bodyPr wrap="square" rtlCol="0">
+              <a:spAutoFit/>
+            </a:bodyPr>
+            <a:lstStyle/>
+            <a:p>
+              <a:r>
+                <a:rPr lang="en-GB" sz="1200" b="1" dirty="0"/>
+                <a:t>Tables</a:t>
+              </a:r>
+              <a:r>
+                <a:rPr lang="en-GB" sz="1200" dirty="0"/>
+                <a:t>    Leaderboard</a:t>
+              </a:r>
+            </a:p>
+          </p:txBody>
+        </p:sp>
+      </p:grpSp>
+      <p:sp>
+        <p:nvSpPr>
+          <p:cNvPr id="132" name="TextBox 131">
+            <a:extLst>
+              <a:ext uri="{FF2B5EF4-FFF2-40B4-BE49-F238E27FC236}">
+                <a16:creationId xmlns:a16="http://schemas.microsoft.com/office/drawing/2014/main" id="{019C8526-A344-4D06-A3A5-3C379C62BE4B}"/>
+              </a:ext>
+            </a:extLst>
+          </p:cNvPr>
+          <p:cNvSpPr txBox="1"/>
+          <p:nvPr/>
+        </p:nvSpPr>
+        <p:spPr>
+          <a:xfrm>
+            <a:off x="258453" y="-5780231"/>
+            <a:ext cx="1551141" cy="276999"/>
+          </a:xfrm>
+          <a:prstGeom prst="rect">
+            <a:avLst/>
+          </a:prstGeom>
+          <a:noFill/>
+        </p:spPr>
+        <p:txBody>
+          <a:bodyPr wrap="square" rtlCol="0">
+            <a:spAutoFit/>
+          </a:bodyPr>
+          <a:lstStyle/>
+          <a:p>
+            <a:r>
+              <a:rPr lang="en-GB" sz="1200" dirty="0"/>
+              <a:t>You are not logged in</a:t>
+            </a:r>
+          </a:p>
+        </p:txBody>
+      </p:sp>
+      <p:sp>
+        <p:nvSpPr>
+          <p:cNvPr id="135" name="Rectangle 134">
+            <a:extLst>
+              <a:ext uri="{FF2B5EF4-FFF2-40B4-BE49-F238E27FC236}">
+                <a16:creationId xmlns:a16="http://schemas.microsoft.com/office/drawing/2014/main" id="{E979E99F-D86C-4861-8B19-BE6564E0D53D}"/>
+              </a:ext>
+            </a:extLst>
+          </p:cNvPr>
+          <p:cNvSpPr/>
+          <p:nvPr/>
+        </p:nvSpPr>
+        <p:spPr>
+          <a:xfrm>
+            <a:off x="1069657" y="-5386448"/>
+            <a:ext cx="602039" cy="271418"/>
+          </a:xfrm>
+          <a:prstGeom prst="rect">
+            <a:avLst/>
+          </a:prstGeom>
+        </p:spPr>
+        <p:style>
+          <a:lnRef idx="2">
+            <a:schemeClr val="accent1">
+              <a:shade val="50000"/>
+            </a:schemeClr>
+          </a:lnRef>
+          <a:fillRef idx="1">
+            <a:schemeClr val="accent1"/>
+          </a:fillRef>
+          <a:effectRef idx="0">
+            <a:schemeClr val="accent1"/>
+          </a:effectRef>
+          <a:fontRef idx="minor">
+            <a:schemeClr val="lt1"/>
+          </a:fontRef>
+        </p:style>
+        <p:txBody>
+          <a:bodyPr rtlCol="0" anchor="ctr"/>
+          <a:lstStyle/>
+          <a:p>
+            <a:pPr algn="ctr"/>
+            <a:r>
+              <a:rPr lang="en-GB" sz="1000" dirty="0"/>
+              <a:t>Sign up</a:t>
+            </a:r>
+          </a:p>
+        </p:txBody>
+      </p:sp>
+      <p:sp>
+        <p:nvSpPr>
+          <p:cNvPr id="136" name="Rectangle 135">
+            <a:extLst>
+              <a:ext uri="{FF2B5EF4-FFF2-40B4-BE49-F238E27FC236}">
+                <a16:creationId xmlns:a16="http://schemas.microsoft.com/office/drawing/2014/main" id="{86FAAC27-8B4F-4C6C-8DB1-62056AD47256}"/>
+              </a:ext>
+            </a:extLst>
+          </p:cNvPr>
+          <p:cNvSpPr/>
+          <p:nvPr/>
+        </p:nvSpPr>
+        <p:spPr>
+          <a:xfrm>
+            <a:off x="314375" y="-5381479"/>
+            <a:ext cx="602039" cy="271418"/>
+          </a:xfrm>
+          <a:prstGeom prst="rect">
+            <a:avLst/>
+          </a:prstGeom>
+        </p:spPr>
+        <p:style>
+          <a:lnRef idx="2">
+            <a:schemeClr val="accent1">
+              <a:shade val="50000"/>
+            </a:schemeClr>
+          </a:lnRef>
+          <a:fillRef idx="1">
+            <a:schemeClr val="accent1"/>
+          </a:fillRef>
+          <a:effectRef idx="0">
+            <a:schemeClr val="accent1"/>
+          </a:effectRef>
+          <a:fontRef idx="minor">
+            <a:schemeClr val="lt1"/>
+          </a:fontRef>
+        </p:style>
+        <p:txBody>
+          <a:bodyPr rtlCol="0" anchor="ctr"/>
+          <a:lstStyle/>
+          <a:p>
+            <a:pPr algn="ctr"/>
+            <a:r>
+              <a:rPr lang="en-GB" sz="1000" dirty="0"/>
+              <a:t>Login</a:t>
+            </a:r>
+          </a:p>
+        </p:txBody>
+      </p:sp>
+      <p:grpSp>
+        <p:nvGrpSpPr>
+          <p:cNvPr id="141" name="Group 140">
+            <a:extLst>
+              <a:ext uri="{FF2B5EF4-FFF2-40B4-BE49-F238E27FC236}">
+                <a16:creationId xmlns:a16="http://schemas.microsoft.com/office/drawing/2014/main" id="{D3EDF69F-2609-482F-A356-D7680C15B69C}"/>
+              </a:ext>
+            </a:extLst>
+          </p:cNvPr>
+          <p:cNvGrpSpPr/>
+          <p:nvPr/>
+        </p:nvGrpSpPr>
+        <p:grpSpPr>
+          <a:xfrm>
+            <a:off x="-1" y="-3699237"/>
+            <a:ext cx="5206481" cy="3277647"/>
+            <a:chOff x="-5959978" y="3607985"/>
+            <a:chExt cx="5206481" cy="3277647"/>
+          </a:xfrm>
+        </p:grpSpPr>
+        <p:sp>
+          <p:nvSpPr>
+            <p:cNvPr id="142" name="Rectangle 141">
+              <a:extLst>
+                <a:ext uri="{FF2B5EF4-FFF2-40B4-BE49-F238E27FC236}">
+                  <a16:creationId xmlns:a16="http://schemas.microsoft.com/office/drawing/2014/main" id="{8B21EA21-D862-4D81-962C-06129C66776F}"/>
                 </a:ext>
               </a:extLst>
             </p:cNvPr>
@@ -3626,17 +6798,240 @@
           </p:nvSpPr>
           <p:spPr>
             <a:xfrm>
-              <a:off x="4542692" y="1387570"/>
-              <a:ext cx="1257300" cy="817684"/>
+              <a:off x="-5959978" y="3619918"/>
+              <a:ext cx="5206481" cy="3265714"/>
             </a:xfrm>
             <a:prstGeom prst="rect">
               <a:avLst/>
             </a:prstGeom>
             <a:solidFill>
-              <a:schemeClr val="accent5">
-                <a:lumMod val="40000"/>
-                <a:lumOff val="60000"/>
+              <a:schemeClr val="bg1"/>
+            </a:solidFill>
+            <a:ln>
+              <a:solidFill>
+                <a:schemeClr val="accent1">
+                  <a:lumMod val="75000"/>
+                </a:schemeClr>
+              </a:solidFill>
+            </a:ln>
+          </p:spPr>
+          <p:style>
+            <a:lnRef idx="2">
+              <a:schemeClr val="accent1">
+                <a:shade val="50000"/>
               </a:schemeClr>
+            </a:lnRef>
+            <a:fillRef idx="1">
+              <a:schemeClr val="accent1"/>
+            </a:fillRef>
+            <a:effectRef idx="0">
+              <a:schemeClr val="accent1"/>
+            </a:effectRef>
+            <a:fontRef idx="minor">
+              <a:schemeClr val="lt1"/>
+            </a:fontRef>
+          </p:style>
+          <p:txBody>
+            <a:bodyPr rtlCol="0" anchor="ctr"/>
+            <a:lstStyle/>
+            <a:p>
+              <a:pPr algn="ctr"/>
+              <a:endParaRPr lang="en-GB" sz="1000" dirty="0"/>
+            </a:p>
+          </p:txBody>
+        </p:sp>
+        <p:grpSp>
+          <p:nvGrpSpPr>
+            <p:cNvPr id="143" name="Group 142">
+              <a:extLst>
+                <a:ext uri="{FF2B5EF4-FFF2-40B4-BE49-F238E27FC236}">
+                  <a16:creationId xmlns:a16="http://schemas.microsoft.com/office/drawing/2014/main" id="{C60584C1-B856-479E-8026-702053E9C0A2}"/>
+                </a:ext>
+              </a:extLst>
+            </p:cNvPr>
+            <p:cNvGrpSpPr/>
+            <p:nvPr/>
+          </p:nvGrpSpPr>
+          <p:grpSpPr>
+            <a:xfrm>
+              <a:off x="-5959978" y="3607985"/>
+              <a:ext cx="5206481" cy="304964"/>
+              <a:chOff x="-5959978" y="-333"/>
+              <a:chExt cx="5206481" cy="304964"/>
+            </a:xfrm>
+          </p:grpSpPr>
+          <p:sp>
+            <p:nvSpPr>
+              <p:cNvPr id="144" name="Rectangle 143">
+                <a:extLst>
+                  <a:ext uri="{FF2B5EF4-FFF2-40B4-BE49-F238E27FC236}">
+                    <a16:creationId xmlns:a16="http://schemas.microsoft.com/office/drawing/2014/main" id="{240212BF-2740-4CB5-A0C7-AF24A5224DC7}"/>
+                  </a:ext>
+                </a:extLst>
+              </p:cNvPr>
+              <p:cNvSpPr/>
+              <p:nvPr/>
+            </p:nvSpPr>
+            <p:spPr>
+              <a:xfrm>
+                <a:off x="-5959977" y="-333"/>
+                <a:ext cx="5206480" cy="304964"/>
+              </a:xfrm>
+              <a:prstGeom prst="rect">
+                <a:avLst/>
+              </a:prstGeom>
+              <a:solidFill>
+                <a:schemeClr val="accent5">
+                  <a:lumMod val="40000"/>
+                  <a:lumOff val="60000"/>
+                </a:schemeClr>
+              </a:solidFill>
+            </p:spPr>
+            <p:style>
+              <a:lnRef idx="2">
+                <a:schemeClr val="accent1">
+                  <a:shade val="50000"/>
+                </a:schemeClr>
+              </a:lnRef>
+              <a:fillRef idx="1">
+                <a:schemeClr val="accent1"/>
+              </a:fillRef>
+              <a:effectRef idx="0">
+                <a:schemeClr val="accent1"/>
+              </a:effectRef>
+              <a:fontRef idx="minor">
+                <a:schemeClr val="lt1"/>
+              </a:fontRef>
+            </p:style>
+            <p:txBody>
+              <a:bodyPr rtlCol="0" anchor="ctr"/>
+              <a:lstStyle/>
+              <a:p>
+                <a:pPr algn="ctr"/>
+                <a:endParaRPr lang="en-GB" sz="1000"/>
+              </a:p>
+            </p:txBody>
+          </p:sp>
+          <p:sp>
+            <p:nvSpPr>
+              <p:cNvPr id="145" name="TextBox 144">
+                <a:extLst>
+                  <a:ext uri="{FF2B5EF4-FFF2-40B4-BE49-F238E27FC236}">
+                    <a16:creationId xmlns:a16="http://schemas.microsoft.com/office/drawing/2014/main" id="{AA66BDD2-EAE5-4C2A-A682-B033B16F0DA4}"/>
+                  </a:ext>
+                </a:extLst>
+              </p:cNvPr>
+              <p:cNvSpPr txBox="1"/>
+              <p:nvPr/>
+            </p:nvSpPr>
+            <p:spPr>
+              <a:xfrm>
+                <a:off x="-5959978" y="12947"/>
+                <a:ext cx="5206481" cy="276999"/>
+              </a:xfrm>
+              <a:prstGeom prst="rect">
+                <a:avLst/>
+              </a:prstGeom>
+              <a:noFill/>
+            </p:spPr>
+            <p:txBody>
+              <a:bodyPr wrap="square" rtlCol="0">
+                <a:spAutoFit/>
+              </a:bodyPr>
+              <a:lstStyle/>
+              <a:p>
+                <a:r>
+                  <a:rPr lang="en-GB" sz="1200" dirty="0"/>
+                  <a:t>Tables    Leaderboard</a:t>
+                </a:r>
+              </a:p>
+            </p:txBody>
+          </p:sp>
+        </p:grpSp>
+      </p:grpSp>
+      <p:cxnSp>
+        <p:nvCxnSpPr>
+          <p:cNvPr id="159" name="Connector: Elbow 158">
+            <a:extLst>
+              <a:ext uri="{FF2B5EF4-FFF2-40B4-BE49-F238E27FC236}">
+                <a16:creationId xmlns:a16="http://schemas.microsoft.com/office/drawing/2014/main" id="{56587C69-1248-4560-9837-E805E60408D7}"/>
+              </a:ext>
+            </a:extLst>
+          </p:cNvPr>
+          <p:cNvCxnSpPr>
+            <a:endCxn id="25" idx="0"/>
+          </p:cNvCxnSpPr>
+          <p:nvPr/>
+        </p:nvCxnSpPr>
+        <p:spPr>
+          <a:xfrm>
+            <a:off x="937865" y="-260472"/>
+            <a:ext cx="7703446" cy="288104"/>
+          </a:xfrm>
+          <a:prstGeom prst="bentConnector2">
+            <a:avLst/>
+          </a:prstGeom>
+          <a:ln>
+            <a:tailEnd type="triangle"/>
+          </a:ln>
+        </p:spPr>
+        <p:style>
+          <a:lnRef idx="1">
+            <a:schemeClr val="accent1"/>
+          </a:lnRef>
+          <a:fillRef idx="0">
+            <a:schemeClr val="accent1"/>
+          </a:fillRef>
+          <a:effectRef idx="0">
+            <a:schemeClr val="accent1"/>
+          </a:effectRef>
+          <a:fontRef idx="minor">
+            <a:schemeClr val="tx1"/>
+          </a:fontRef>
+        </p:style>
+      </p:cxnSp>
+      <p:grpSp>
+        <p:nvGrpSpPr>
+          <p:cNvPr id="160" name="Group 159">
+            <a:extLst>
+              <a:ext uri="{FF2B5EF4-FFF2-40B4-BE49-F238E27FC236}">
+                <a16:creationId xmlns:a16="http://schemas.microsoft.com/office/drawing/2014/main" id="{558242DA-6179-459B-88B1-2CFD50624780}"/>
+              </a:ext>
+            </a:extLst>
+          </p:cNvPr>
+          <p:cNvGrpSpPr/>
+          <p:nvPr/>
+        </p:nvGrpSpPr>
+        <p:grpSpPr>
+          <a:xfrm>
+            <a:off x="6038054" y="-7294861"/>
+            <a:ext cx="5206481" cy="3277647"/>
+            <a:chOff x="-5959978" y="3607985"/>
+            <a:chExt cx="5206481" cy="3277647"/>
+          </a:xfrm>
+        </p:grpSpPr>
+        <p:sp>
+          <p:nvSpPr>
+            <p:cNvPr id="161" name="Rectangle 160">
+              <a:extLst>
+                <a:ext uri="{FF2B5EF4-FFF2-40B4-BE49-F238E27FC236}">
+                  <a16:creationId xmlns:a16="http://schemas.microsoft.com/office/drawing/2014/main" id="{301D90B9-EC09-4657-A3BF-F6ECFAAC4652}"/>
+                </a:ext>
+              </a:extLst>
+            </p:cNvPr>
+            <p:cNvSpPr/>
+            <p:nvPr/>
+          </p:nvSpPr>
+          <p:spPr>
+            <a:xfrm>
+              <a:off x="-5959978" y="3619918"/>
+              <a:ext cx="5206481" cy="3265714"/>
+            </a:xfrm>
+            <a:prstGeom prst="rect">
+              <a:avLst/>
+            </a:prstGeom>
+            <a:solidFill>
+              <a:schemeClr val="bg1"/>
             </a:solidFill>
             <a:ln>
               <a:solidFill>
@@ -3671,742 +7066,1631 @@
             </a:p>
           </p:txBody>
         </p:sp>
-        <p:sp>
-          <p:nvSpPr>
-            <p:cNvPr id="9" name="Rectangle 8">
+        <p:grpSp>
+          <p:nvGrpSpPr>
+            <p:cNvPr id="162" name="Group 161">
               <a:extLst>
                 <a:ext uri="{FF2B5EF4-FFF2-40B4-BE49-F238E27FC236}">
-                  <a16:creationId xmlns:a16="http://schemas.microsoft.com/office/drawing/2014/main" id="{F7F9DA69-6E65-42F5-AD22-A34FB0ECDABC}"/>
+                  <a16:creationId xmlns:a16="http://schemas.microsoft.com/office/drawing/2014/main" id="{0B48E40C-77A8-45E3-94FF-7536FB580D8F}"/>
                 </a:ext>
               </a:extLst>
             </p:cNvPr>
-            <p:cNvSpPr/>
+            <p:cNvGrpSpPr/>
             <p:nvPr/>
-          </p:nvSpPr>
-          <p:spPr>
+          </p:nvGrpSpPr>
+          <p:grpSpPr>
             <a:xfrm>
-              <a:off x="1336430" y="2511519"/>
-              <a:ext cx="1257300" cy="817684"/>
+              <a:off x="-5959978" y="3607985"/>
+              <a:ext cx="5206481" cy="304964"/>
+              <a:chOff x="-5959978" y="-333"/>
+              <a:chExt cx="5206481" cy="304964"/>
             </a:xfrm>
-            <a:prstGeom prst="rect">
-              <a:avLst/>
-            </a:prstGeom>
-            <a:solidFill>
-              <a:schemeClr val="accent5">
-                <a:lumMod val="40000"/>
-                <a:lumOff val="60000"/>
-              </a:schemeClr>
-            </a:solidFill>
-          </p:spPr>
-          <p:style>
-            <a:lnRef idx="2">
-              <a:schemeClr val="accent1">
-                <a:shade val="50000"/>
-              </a:schemeClr>
-            </a:lnRef>
-            <a:fillRef idx="1">
-              <a:schemeClr val="accent1"/>
-            </a:fillRef>
-            <a:effectRef idx="0">
-              <a:schemeClr val="accent1"/>
-            </a:effectRef>
-            <a:fontRef idx="minor">
-              <a:schemeClr val="lt1"/>
-            </a:fontRef>
-          </p:style>
-          <p:txBody>
-            <a:bodyPr rtlCol="0" anchor="ctr"/>
-            <a:lstStyle/>
-            <a:p>
-              <a:pPr algn="ctr"/>
-              <a:endParaRPr lang="en-GB"/>
-            </a:p>
-          </p:txBody>
-        </p:sp>
-        <p:sp>
-          <p:nvSpPr>
-            <p:cNvPr id="10" name="Rectangle 9">
-              <a:extLst>
-                <a:ext uri="{FF2B5EF4-FFF2-40B4-BE49-F238E27FC236}">
-                  <a16:creationId xmlns:a16="http://schemas.microsoft.com/office/drawing/2014/main" id="{E677077D-27B4-47EE-8B84-01D0AB750009}"/>
-                </a:ext>
-              </a:extLst>
-            </p:cNvPr>
-            <p:cNvSpPr/>
-            <p:nvPr/>
-          </p:nvSpPr>
-          <p:spPr>
-            <a:xfrm>
-              <a:off x="2939561" y="2511518"/>
-              <a:ext cx="1257300" cy="817683"/>
-            </a:xfrm>
-            <a:prstGeom prst="rect">
-              <a:avLst/>
-            </a:prstGeom>
-            <a:solidFill>
-              <a:schemeClr val="accent5">
-                <a:lumMod val="40000"/>
-                <a:lumOff val="60000"/>
-              </a:schemeClr>
-            </a:solidFill>
-          </p:spPr>
-          <p:style>
-            <a:lnRef idx="2">
-              <a:schemeClr val="accent1">
-                <a:shade val="50000"/>
-              </a:schemeClr>
-            </a:lnRef>
-            <a:fillRef idx="1">
-              <a:schemeClr val="accent1"/>
-            </a:fillRef>
-            <a:effectRef idx="0">
-              <a:schemeClr val="accent1"/>
-            </a:effectRef>
-            <a:fontRef idx="minor">
-              <a:schemeClr val="lt1"/>
-            </a:fontRef>
-          </p:style>
-          <p:txBody>
-            <a:bodyPr rtlCol="0" anchor="ctr"/>
-            <a:lstStyle/>
-            <a:p>
-              <a:pPr algn="ctr"/>
-              <a:endParaRPr lang="en-GB"/>
-            </a:p>
-          </p:txBody>
-        </p:sp>
-        <p:sp>
-          <p:nvSpPr>
-            <p:cNvPr id="11" name="Rectangle 10">
-              <a:extLst>
-                <a:ext uri="{FF2B5EF4-FFF2-40B4-BE49-F238E27FC236}">
-                  <a16:creationId xmlns:a16="http://schemas.microsoft.com/office/drawing/2014/main" id="{886E0171-0664-4C5D-BEAF-BE1820284FC0}"/>
-                </a:ext>
-              </a:extLst>
-            </p:cNvPr>
-            <p:cNvSpPr/>
-            <p:nvPr/>
-          </p:nvSpPr>
-          <p:spPr>
-            <a:xfrm>
-              <a:off x="4558213" y="2511518"/>
-              <a:ext cx="1257300" cy="817682"/>
-            </a:xfrm>
-            <a:prstGeom prst="rect">
-              <a:avLst/>
-            </a:prstGeom>
-            <a:solidFill>
-              <a:schemeClr val="accent5">
-                <a:lumMod val="40000"/>
-                <a:lumOff val="60000"/>
-              </a:schemeClr>
-            </a:solidFill>
-          </p:spPr>
-          <p:style>
-            <a:lnRef idx="2">
-              <a:schemeClr val="accent1">
-                <a:shade val="50000"/>
-              </a:schemeClr>
-            </a:lnRef>
-            <a:fillRef idx="1">
-              <a:schemeClr val="accent1"/>
-            </a:fillRef>
-            <a:effectRef idx="0">
-              <a:schemeClr val="accent1"/>
-            </a:effectRef>
-            <a:fontRef idx="minor">
-              <a:schemeClr val="lt1"/>
-            </a:fontRef>
-          </p:style>
-          <p:txBody>
-            <a:bodyPr rtlCol="0" anchor="ctr"/>
-            <a:lstStyle/>
-            <a:p>
-              <a:pPr algn="ctr"/>
-              <a:endParaRPr lang="en-GB"/>
-            </a:p>
-          </p:txBody>
-        </p:sp>
-        <p:sp>
-          <p:nvSpPr>
-            <p:cNvPr id="13" name="TextBox 12">
-              <a:extLst>
-                <a:ext uri="{FF2B5EF4-FFF2-40B4-BE49-F238E27FC236}">
-                  <a16:creationId xmlns:a16="http://schemas.microsoft.com/office/drawing/2014/main" id="{E75F789F-E1A4-4AF0-BCA8-1E58A3C932F5}"/>
-                </a:ext>
-              </a:extLst>
-            </p:cNvPr>
-            <p:cNvSpPr txBox="1"/>
-            <p:nvPr/>
-          </p:nvSpPr>
-          <p:spPr>
-            <a:xfrm>
-              <a:off x="970384" y="848726"/>
-              <a:ext cx="5206481" cy="276999"/>
-            </a:xfrm>
-            <a:prstGeom prst="rect">
-              <a:avLst/>
-            </a:prstGeom>
-            <a:noFill/>
-          </p:spPr>
-          <p:txBody>
-            <a:bodyPr wrap="square" rtlCol="0">
-              <a:spAutoFit/>
-            </a:bodyPr>
-            <a:lstStyle/>
-            <a:p>
-              <a:r>
-                <a:rPr lang="en-GB" sz="1200" dirty="0"/>
-                <a:t>Tables    Leaderboard                                                                            (name)  (money)</a:t>
-              </a:r>
-            </a:p>
-          </p:txBody>
-        </p:sp>
-        <p:sp>
-          <p:nvSpPr>
-            <p:cNvPr id="14" name="Rectangle 13">
-              <a:extLst>
-                <a:ext uri="{FF2B5EF4-FFF2-40B4-BE49-F238E27FC236}">
-                  <a16:creationId xmlns:a16="http://schemas.microsoft.com/office/drawing/2014/main" id="{2C7051A5-F341-455B-AE3A-C5DEDF92EBC2}"/>
-                </a:ext>
-              </a:extLst>
-            </p:cNvPr>
-            <p:cNvSpPr/>
-            <p:nvPr/>
-          </p:nvSpPr>
-          <p:spPr>
-            <a:xfrm>
-              <a:off x="1430944" y="1916723"/>
-              <a:ext cx="749548" cy="202223"/>
-            </a:xfrm>
-            <a:prstGeom prst="rect">
-              <a:avLst/>
-            </a:prstGeom>
-          </p:spPr>
-          <p:style>
-            <a:lnRef idx="2">
-              <a:schemeClr val="accent1">
-                <a:shade val="50000"/>
-              </a:schemeClr>
-            </a:lnRef>
-            <a:fillRef idx="1">
-              <a:schemeClr val="accent1"/>
-            </a:fillRef>
-            <a:effectRef idx="0">
-              <a:schemeClr val="accent1"/>
-            </a:effectRef>
-            <a:fontRef idx="minor">
-              <a:schemeClr val="lt1"/>
-            </a:fontRef>
-          </p:style>
-          <p:txBody>
-            <a:bodyPr rtlCol="0" anchor="ctr"/>
-            <a:lstStyle/>
-            <a:p>
-              <a:pPr algn="ctr"/>
-              <a:r>
-                <a:rPr lang="en-GB" sz="1100" dirty="0">
-                  <a:solidFill>
-                    <a:schemeClr val="bg1"/>
-                  </a:solidFill>
-                </a:rPr>
-                <a:t>Sit down</a:t>
-              </a:r>
-              <a:endParaRPr lang="en-GB" dirty="0">
-                <a:solidFill>
-                  <a:schemeClr val="bg1"/>
-                </a:solidFill>
-              </a:endParaRPr>
-            </a:p>
-          </p:txBody>
-        </p:sp>
-      </p:grpSp>
-      <p:grpSp>
-        <p:nvGrpSpPr>
-          <p:cNvPr id="27" name="Group 26">
-            <a:extLst>
-              <a:ext uri="{FF2B5EF4-FFF2-40B4-BE49-F238E27FC236}">
-                <a16:creationId xmlns:a16="http://schemas.microsoft.com/office/drawing/2014/main" id="{857A3F7F-2677-4F2B-A309-A3F3EEB2EFEE}"/>
-              </a:ext>
-            </a:extLst>
-          </p:cNvPr>
-          <p:cNvGrpSpPr/>
-          <p:nvPr/>
-        </p:nvGrpSpPr>
-        <p:grpSpPr>
-          <a:xfrm>
-            <a:off x="6497516" y="486985"/>
-            <a:ext cx="5206481" cy="3265714"/>
-            <a:chOff x="6497516" y="486985"/>
-            <a:chExt cx="5206481" cy="3265714"/>
-          </a:xfrm>
-        </p:grpSpPr>
-        <p:sp>
-          <p:nvSpPr>
-            <p:cNvPr id="17" name="Rectangle 16">
-              <a:extLst>
-                <a:ext uri="{FF2B5EF4-FFF2-40B4-BE49-F238E27FC236}">
-                  <a16:creationId xmlns:a16="http://schemas.microsoft.com/office/drawing/2014/main" id="{86D9C1E0-A979-4D0E-89EE-4EB483CF7C82}"/>
-                </a:ext>
-              </a:extLst>
-            </p:cNvPr>
-            <p:cNvSpPr/>
-            <p:nvPr/>
-          </p:nvSpPr>
-          <p:spPr>
-            <a:xfrm>
-              <a:off x="6497516" y="486985"/>
-              <a:ext cx="5206481" cy="3265714"/>
-            </a:xfrm>
-            <a:prstGeom prst="rect">
-              <a:avLst/>
-            </a:prstGeom>
-            <a:noFill/>
-            <a:ln>
+          </p:grpSpPr>
+          <p:sp>
+            <p:nvSpPr>
+              <p:cNvPr id="163" name="Rectangle 162">
+                <a:extLst>
+                  <a:ext uri="{FF2B5EF4-FFF2-40B4-BE49-F238E27FC236}">
+                    <a16:creationId xmlns:a16="http://schemas.microsoft.com/office/drawing/2014/main" id="{404EA326-81ED-4E8B-B4EB-EE91E1D35BDB}"/>
+                  </a:ext>
+                </a:extLst>
+              </p:cNvPr>
+              <p:cNvSpPr/>
+              <p:nvPr/>
+            </p:nvSpPr>
+            <p:spPr>
+              <a:xfrm>
+                <a:off x="-5959977" y="-333"/>
+                <a:ext cx="5206480" cy="304964"/>
+              </a:xfrm>
+              <a:prstGeom prst="rect">
+                <a:avLst/>
+              </a:prstGeom>
               <a:solidFill>
-                <a:schemeClr val="accent1">
-                  <a:lumMod val="75000"/>
+                <a:schemeClr val="accent5">
+                  <a:lumMod val="40000"/>
+                  <a:lumOff val="60000"/>
                 </a:schemeClr>
               </a:solidFill>
-            </a:ln>
-          </p:spPr>
-          <p:style>
-            <a:lnRef idx="2">
-              <a:schemeClr val="accent1">
-                <a:shade val="50000"/>
-              </a:schemeClr>
-            </a:lnRef>
-            <a:fillRef idx="1">
-              <a:schemeClr val="accent1"/>
-            </a:fillRef>
-            <a:effectRef idx="0">
-              <a:schemeClr val="accent1"/>
-            </a:effectRef>
-            <a:fontRef idx="minor">
-              <a:schemeClr val="lt1"/>
-            </a:fontRef>
-          </p:style>
-          <p:txBody>
-            <a:bodyPr rtlCol="0" anchor="ctr"/>
-            <a:lstStyle/>
-            <a:p>
-              <a:pPr algn="ctr"/>
-              <a:endParaRPr lang="en-GB"/>
-            </a:p>
-          </p:txBody>
-        </p:sp>
-        <p:sp>
-          <p:nvSpPr>
-            <p:cNvPr id="18" name="Rectangle 17">
-              <a:extLst>
-                <a:ext uri="{FF2B5EF4-FFF2-40B4-BE49-F238E27FC236}">
-                  <a16:creationId xmlns:a16="http://schemas.microsoft.com/office/drawing/2014/main" id="{B9E74DD5-8ED9-4688-900F-7AC955AFE409}"/>
-                </a:ext>
-              </a:extLst>
-            </p:cNvPr>
-            <p:cNvSpPr/>
-            <p:nvPr/>
-          </p:nvSpPr>
-          <p:spPr>
-            <a:xfrm>
-              <a:off x="6497516" y="486985"/>
-              <a:ext cx="5206481" cy="313114"/>
-            </a:xfrm>
-            <a:prstGeom prst="rect">
-              <a:avLst/>
-            </a:prstGeom>
-            <a:solidFill>
-              <a:schemeClr val="accent5">
-                <a:lumMod val="40000"/>
-                <a:lumOff val="60000"/>
-              </a:schemeClr>
-            </a:solidFill>
-          </p:spPr>
-          <p:style>
-            <a:lnRef idx="2">
-              <a:schemeClr val="accent1">
-                <a:shade val="50000"/>
-              </a:schemeClr>
-            </a:lnRef>
-            <a:fillRef idx="1">
-              <a:schemeClr val="accent1"/>
-            </a:fillRef>
-            <a:effectRef idx="0">
-              <a:schemeClr val="accent1"/>
-            </a:effectRef>
-            <a:fontRef idx="minor">
-              <a:schemeClr val="lt1"/>
-            </a:fontRef>
-          </p:style>
-          <p:txBody>
-            <a:bodyPr rtlCol="0" anchor="ctr"/>
-            <a:lstStyle/>
-            <a:p>
-              <a:pPr algn="ctr"/>
-              <a:endParaRPr lang="en-GB" dirty="0"/>
-            </a:p>
-          </p:txBody>
-        </p:sp>
-        <p:sp>
-          <p:nvSpPr>
-            <p:cNvPr id="25" name="TextBox 24">
-              <a:extLst>
-                <a:ext uri="{FF2B5EF4-FFF2-40B4-BE49-F238E27FC236}">
-                  <a16:creationId xmlns:a16="http://schemas.microsoft.com/office/drawing/2014/main" id="{45E99910-F3B2-47CE-8801-2A745AC290DD}"/>
-                </a:ext>
-              </a:extLst>
-            </p:cNvPr>
-            <p:cNvSpPr txBox="1"/>
-            <p:nvPr/>
-          </p:nvSpPr>
-          <p:spPr>
-            <a:xfrm>
-              <a:off x="6497516" y="514617"/>
-              <a:ext cx="5206481" cy="276999"/>
-            </a:xfrm>
-            <a:prstGeom prst="rect">
-              <a:avLst/>
-            </a:prstGeom>
-            <a:noFill/>
-          </p:spPr>
-          <p:txBody>
-            <a:bodyPr wrap="square" rtlCol="0">
-              <a:spAutoFit/>
-            </a:bodyPr>
-            <a:lstStyle/>
-            <a:p>
-              <a:r>
-                <a:rPr lang="en-GB" sz="1200" dirty="0"/>
-                <a:t>Tables    Leaderboard                                                                            (name)  (money)</a:t>
-              </a:r>
-            </a:p>
-          </p:txBody>
-        </p:sp>
+            </p:spPr>
+            <p:style>
+              <a:lnRef idx="2">
+                <a:schemeClr val="accent1">
+                  <a:shade val="50000"/>
+                </a:schemeClr>
+              </a:lnRef>
+              <a:fillRef idx="1">
+                <a:schemeClr val="accent1"/>
+              </a:fillRef>
+              <a:effectRef idx="0">
+                <a:schemeClr val="accent1"/>
+              </a:effectRef>
+              <a:fontRef idx="minor">
+                <a:schemeClr val="lt1"/>
+              </a:fontRef>
+            </p:style>
+            <p:txBody>
+              <a:bodyPr rtlCol="0" anchor="ctr"/>
+              <a:lstStyle/>
+              <a:p>
+                <a:pPr algn="ctr"/>
+                <a:endParaRPr lang="en-GB"/>
+              </a:p>
+            </p:txBody>
+          </p:sp>
+          <p:sp>
+            <p:nvSpPr>
+              <p:cNvPr id="164" name="TextBox 163">
+                <a:extLst>
+                  <a:ext uri="{FF2B5EF4-FFF2-40B4-BE49-F238E27FC236}">
+                    <a16:creationId xmlns:a16="http://schemas.microsoft.com/office/drawing/2014/main" id="{E0DB83A5-2137-4D73-A25D-92369093A5C8}"/>
+                  </a:ext>
+                </a:extLst>
+              </p:cNvPr>
+              <p:cNvSpPr txBox="1"/>
+              <p:nvPr/>
+            </p:nvSpPr>
+            <p:spPr>
+              <a:xfrm>
+                <a:off x="-5959978" y="12947"/>
+                <a:ext cx="5206481" cy="276999"/>
+              </a:xfrm>
+              <a:prstGeom prst="rect">
+                <a:avLst/>
+              </a:prstGeom>
+              <a:noFill/>
+            </p:spPr>
+            <p:txBody>
+              <a:bodyPr wrap="square" rtlCol="0">
+                <a:spAutoFit/>
+              </a:bodyPr>
+              <a:lstStyle/>
+              <a:p>
+                <a:r>
+                  <a:rPr lang="en-GB" sz="1200" dirty="0"/>
+                  <a:t>Tables    Leaderboard</a:t>
+                </a:r>
+              </a:p>
+            </p:txBody>
+          </p:sp>
+        </p:grpSp>
       </p:grpSp>
-      <p:grpSp>
-        <p:nvGrpSpPr>
-          <p:cNvPr id="32" name="Group 31">
-            <a:extLst>
-              <a:ext uri="{FF2B5EF4-FFF2-40B4-BE49-F238E27FC236}">
-                <a16:creationId xmlns:a16="http://schemas.microsoft.com/office/drawing/2014/main" id="{69B6C041-9A26-410C-8DC0-D730B0B01FE5}"/>
-              </a:ext>
-            </a:extLst>
-          </p:cNvPr>
-          <p:cNvGrpSpPr/>
-          <p:nvPr/>
-        </p:nvGrpSpPr>
-        <p:grpSpPr>
-          <a:xfrm>
-            <a:off x="6096000" y="4029867"/>
-            <a:ext cx="5206481" cy="3265714"/>
-            <a:chOff x="6497516" y="486985"/>
-            <a:chExt cx="5206481" cy="3265714"/>
-          </a:xfrm>
-        </p:grpSpPr>
-        <p:sp>
-          <p:nvSpPr>
-            <p:cNvPr id="33" name="Rectangle 32">
-              <a:extLst>
-                <a:ext uri="{FF2B5EF4-FFF2-40B4-BE49-F238E27FC236}">
-                  <a16:creationId xmlns:a16="http://schemas.microsoft.com/office/drawing/2014/main" id="{79D85962-AB9B-44BD-964C-08E0FB1FF4C3}"/>
-                </a:ext>
-              </a:extLst>
-            </p:cNvPr>
-            <p:cNvSpPr/>
-            <p:nvPr/>
-          </p:nvSpPr>
-          <p:spPr>
-            <a:xfrm>
-              <a:off x="6497516" y="486985"/>
-              <a:ext cx="5206481" cy="3265714"/>
-            </a:xfrm>
-            <a:prstGeom prst="rect">
-              <a:avLst/>
-            </a:prstGeom>
-            <a:noFill/>
-            <a:ln>
+      <p:sp>
+        <p:nvSpPr>
+          <p:cNvPr id="165" name="TextBox 164">
+            <a:extLst>
+              <a:ext uri="{FF2B5EF4-FFF2-40B4-BE49-F238E27FC236}">
+                <a16:creationId xmlns:a16="http://schemas.microsoft.com/office/drawing/2014/main" id="{2AC478FC-6D24-4415-9896-D21048C6FAA0}"/>
+              </a:ext>
+            </a:extLst>
+          </p:cNvPr>
+          <p:cNvSpPr txBox="1"/>
+          <p:nvPr/>
+        </p:nvSpPr>
+        <p:spPr>
+          <a:xfrm>
+            <a:off x="6150162" y="-6827405"/>
+            <a:ext cx="948503" cy="276999"/>
+          </a:xfrm>
+          <a:prstGeom prst="rect">
+            <a:avLst/>
+          </a:prstGeom>
+          <a:noFill/>
+        </p:spPr>
+        <p:txBody>
+          <a:bodyPr wrap="square" rtlCol="0">
+            <a:spAutoFit/>
+          </a:bodyPr>
+          <a:lstStyle/>
+          <a:p>
+            <a:r>
+              <a:rPr lang="en-GB" sz="1200" dirty="0"/>
+              <a:t>Login</a:t>
+            </a:r>
+          </a:p>
+        </p:txBody>
+      </p:sp>
+      <p:sp>
+        <p:nvSpPr>
+          <p:cNvPr id="166" name="Rectangle 165">
+            <a:extLst>
+              <a:ext uri="{FF2B5EF4-FFF2-40B4-BE49-F238E27FC236}">
+                <a16:creationId xmlns:a16="http://schemas.microsoft.com/office/drawing/2014/main" id="{13B69362-0B05-4A12-9423-CCF6328D4D48}"/>
+              </a:ext>
+            </a:extLst>
+          </p:cNvPr>
+          <p:cNvSpPr/>
+          <p:nvPr/>
+        </p:nvSpPr>
+        <p:spPr>
+          <a:xfrm>
+            <a:off x="6806586" y="-6333161"/>
+            <a:ext cx="745728" cy="228368"/>
+          </a:xfrm>
+          <a:prstGeom prst="rect">
+            <a:avLst/>
+          </a:prstGeom>
+          <a:solidFill>
+            <a:schemeClr val="bg1"/>
+          </a:solidFill>
+        </p:spPr>
+        <p:style>
+          <a:lnRef idx="2">
+            <a:schemeClr val="accent1">
+              <a:shade val="50000"/>
+            </a:schemeClr>
+          </a:lnRef>
+          <a:fillRef idx="1">
+            <a:schemeClr val="accent1"/>
+          </a:fillRef>
+          <a:effectRef idx="0">
+            <a:schemeClr val="accent1"/>
+          </a:effectRef>
+          <a:fontRef idx="minor">
+            <a:schemeClr val="lt1"/>
+          </a:fontRef>
+        </p:style>
+        <p:txBody>
+          <a:bodyPr rtlCol="0" anchor="ctr"/>
+          <a:lstStyle/>
+          <a:p>
+            <a:pPr algn="ctr"/>
+            <a:endParaRPr lang="en-GB"/>
+          </a:p>
+        </p:txBody>
+      </p:sp>
+      <p:sp>
+        <p:nvSpPr>
+          <p:cNvPr id="168" name="TextBox 167">
+            <a:extLst>
+              <a:ext uri="{FF2B5EF4-FFF2-40B4-BE49-F238E27FC236}">
+                <a16:creationId xmlns:a16="http://schemas.microsoft.com/office/drawing/2014/main" id="{A6396ACC-23EE-4B52-8547-86B6DA210223}"/>
+              </a:ext>
+            </a:extLst>
+          </p:cNvPr>
+          <p:cNvSpPr txBox="1"/>
+          <p:nvPr/>
+        </p:nvSpPr>
+        <p:spPr>
+          <a:xfrm>
+            <a:off x="6096000" y="-6365765"/>
+            <a:ext cx="898338" cy="246221"/>
+          </a:xfrm>
+          <a:prstGeom prst="rect">
+            <a:avLst/>
+          </a:prstGeom>
+          <a:noFill/>
+        </p:spPr>
+        <p:txBody>
+          <a:bodyPr wrap="square" rtlCol="0">
+            <a:spAutoFit/>
+          </a:bodyPr>
+          <a:lstStyle/>
+          <a:p>
+            <a:r>
+              <a:rPr lang="en-GB" sz="1000" dirty="0"/>
+              <a:t>Username:</a:t>
+            </a:r>
+          </a:p>
+        </p:txBody>
+      </p:sp>
+      <p:sp>
+        <p:nvSpPr>
+          <p:cNvPr id="170" name="TextBox 169">
+            <a:extLst>
+              <a:ext uri="{FF2B5EF4-FFF2-40B4-BE49-F238E27FC236}">
+                <a16:creationId xmlns:a16="http://schemas.microsoft.com/office/drawing/2014/main" id="{DC266A29-0CF6-401F-9A2B-4E391B93BE0D}"/>
+              </a:ext>
+            </a:extLst>
+          </p:cNvPr>
+          <p:cNvSpPr txBox="1"/>
+          <p:nvPr/>
+        </p:nvSpPr>
+        <p:spPr>
+          <a:xfrm>
+            <a:off x="6096000" y="-6035348"/>
+            <a:ext cx="898338" cy="246221"/>
+          </a:xfrm>
+          <a:prstGeom prst="rect">
+            <a:avLst/>
+          </a:prstGeom>
+          <a:noFill/>
+        </p:spPr>
+        <p:txBody>
+          <a:bodyPr wrap="square" rtlCol="0">
+            <a:spAutoFit/>
+          </a:bodyPr>
+          <a:lstStyle/>
+          <a:p>
+            <a:r>
+              <a:rPr lang="en-GB" sz="1000" dirty="0"/>
+              <a:t>Password:</a:t>
+            </a:r>
+          </a:p>
+        </p:txBody>
+      </p:sp>
+      <p:sp>
+        <p:nvSpPr>
+          <p:cNvPr id="171" name="Rectangle 170">
+            <a:extLst>
+              <a:ext uri="{FF2B5EF4-FFF2-40B4-BE49-F238E27FC236}">
+                <a16:creationId xmlns:a16="http://schemas.microsoft.com/office/drawing/2014/main" id="{E9A718D3-08E8-428D-A838-43D3BBCA4FF6}"/>
+              </a:ext>
+            </a:extLst>
+          </p:cNvPr>
+          <p:cNvSpPr/>
+          <p:nvPr/>
+        </p:nvSpPr>
+        <p:spPr>
+          <a:xfrm>
+            <a:off x="6806586" y="-6021063"/>
+            <a:ext cx="745728" cy="228368"/>
+          </a:xfrm>
+          <a:prstGeom prst="rect">
+            <a:avLst/>
+          </a:prstGeom>
+          <a:solidFill>
+            <a:schemeClr val="bg1"/>
+          </a:solidFill>
+        </p:spPr>
+        <p:style>
+          <a:lnRef idx="2">
+            <a:schemeClr val="accent1">
+              <a:shade val="50000"/>
+            </a:schemeClr>
+          </a:lnRef>
+          <a:fillRef idx="1">
+            <a:schemeClr val="accent1"/>
+          </a:fillRef>
+          <a:effectRef idx="0">
+            <a:schemeClr val="accent1"/>
+          </a:effectRef>
+          <a:fontRef idx="minor">
+            <a:schemeClr val="lt1"/>
+          </a:fontRef>
+        </p:style>
+        <p:txBody>
+          <a:bodyPr rtlCol="0" anchor="ctr"/>
+          <a:lstStyle/>
+          <a:p>
+            <a:pPr algn="ctr"/>
+            <a:endParaRPr lang="en-GB"/>
+          </a:p>
+        </p:txBody>
+      </p:sp>
+      <p:sp>
+        <p:nvSpPr>
+          <p:cNvPr id="177" name="Rectangle 176">
+            <a:extLst>
+              <a:ext uri="{FF2B5EF4-FFF2-40B4-BE49-F238E27FC236}">
+                <a16:creationId xmlns:a16="http://schemas.microsoft.com/office/drawing/2014/main" id="{226B8C65-7B48-4F16-A3DB-D57D55DC01E8}"/>
+              </a:ext>
+            </a:extLst>
+          </p:cNvPr>
+          <p:cNvSpPr/>
+          <p:nvPr/>
+        </p:nvSpPr>
+        <p:spPr>
+          <a:xfrm>
+            <a:off x="-571500" y="-12778740"/>
+            <a:ext cx="914400" cy="914400"/>
+          </a:xfrm>
+          <a:prstGeom prst="rect">
+            <a:avLst/>
+          </a:prstGeom>
+        </p:spPr>
+        <p:style>
+          <a:lnRef idx="2">
+            <a:schemeClr val="accent1">
+              <a:shade val="50000"/>
+            </a:schemeClr>
+          </a:lnRef>
+          <a:fillRef idx="1">
+            <a:schemeClr val="accent1"/>
+          </a:fillRef>
+          <a:effectRef idx="0">
+            <a:schemeClr val="accent1"/>
+          </a:effectRef>
+          <a:fontRef idx="minor">
+            <a:schemeClr val="lt1"/>
+          </a:fontRef>
+        </p:style>
+        <p:txBody>
+          <a:bodyPr rtlCol="0" anchor="ctr"/>
+          <a:lstStyle/>
+          <a:p>
+            <a:pPr algn="ctr"/>
+            <a:endParaRPr lang="en-GB"/>
+          </a:p>
+        </p:txBody>
+      </p:sp>
+      <p:cxnSp>
+        <p:nvCxnSpPr>
+          <p:cNvPr id="179" name="Connector: Elbow 178">
+            <a:extLst>
+              <a:ext uri="{FF2B5EF4-FFF2-40B4-BE49-F238E27FC236}">
+                <a16:creationId xmlns:a16="http://schemas.microsoft.com/office/drawing/2014/main" id="{CA5669A4-930E-4EFB-BCCA-94AEA4733C71}"/>
+              </a:ext>
+            </a:extLst>
+          </p:cNvPr>
+          <p:cNvCxnSpPr>
+            <a:cxnSpLocks/>
+            <a:stCxn id="136" idx="1"/>
+          </p:cNvCxnSpPr>
+          <p:nvPr/>
+        </p:nvCxnSpPr>
+        <p:spPr>
+          <a:xfrm rot="10800000">
+            <a:off x="-507469" y="-7669088"/>
+            <a:ext cx="821844" cy="2423318"/>
+          </a:xfrm>
+          <a:prstGeom prst="bentConnector2">
+            <a:avLst/>
+          </a:prstGeom>
+        </p:spPr>
+        <p:style>
+          <a:lnRef idx="1">
+            <a:schemeClr val="accent1"/>
+          </a:lnRef>
+          <a:fillRef idx="0">
+            <a:schemeClr val="accent1"/>
+          </a:fillRef>
+          <a:effectRef idx="0">
+            <a:schemeClr val="accent1"/>
+          </a:effectRef>
+          <a:fontRef idx="minor">
+            <a:schemeClr val="tx1"/>
+          </a:fontRef>
+        </p:style>
+      </p:cxnSp>
+      <p:cxnSp>
+        <p:nvCxnSpPr>
+          <p:cNvPr id="181" name="Connector: Elbow 180">
+            <a:extLst>
+              <a:ext uri="{FF2B5EF4-FFF2-40B4-BE49-F238E27FC236}">
+                <a16:creationId xmlns:a16="http://schemas.microsoft.com/office/drawing/2014/main" id="{E8F5664E-17BD-4256-B175-8D434AF411D9}"/>
+              </a:ext>
+            </a:extLst>
+          </p:cNvPr>
+          <p:cNvCxnSpPr>
+            <a:cxnSpLocks/>
+            <a:endCxn id="164" idx="0"/>
+          </p:cNvCxnSpPr>
+          <p:nvPr/>
+        </p:nvCxnSpPr>
+        <p:spPr>
+          <a:xfrm>
+            <a:off x="-507469" y="-7665800"/>
+            <a:ext cx="9148764" cy="384219"/>
+          </a:xfrm>
+          <a:prstGeom prst="bentConnector2">
+            <a:avLst/>
+          </a:prstGeom>
+          <a:ln>
+            <a:tailEnd type="triangle"/>
+          </a:ln>
+        </p:spPr>
+        <p:style>
+          <a:lnRef idx="1">
+            <a:schemeClr val="accent1"/>
+          </a:lnRef>
+          <a:fillRef idx="0">
+            <a:schemeClr val="accent1"/>
+          </a:fillRef>
+          <a:effectRef idx="0">
+            <a:schemeClr val="accent1"/>
+          </a:effectRef>
+          <a:fontRef idx="minor">
+            <a:schemeClr val="tx1"/>
+          </a:fontRef>
+        </p:style>
+      </p:cxnSp>
+      <p:sp>
+        <p:nvSpPr>
+          <p:cNvPr id="182" name="Rectangle 181">
+            <a:extLst>
+              <a:ext uri="{FF2B5EF4-FFF2-40B4-BE49-F238E27FC236}">
+                <a16:creationId xmlns:a16="http://schemas.microsoft.com/office/drawing/2014/main" id="{ED2E8C03-C4DD-4217-A548-2115FD864EF4}"/>
+              </a:ext>
+            </a:extLst>
+          </p:cNvPr>
+          <p:cNvSpPr/>
+          <p:nvPr/>
+        </p:nvSpPr>
+        <p:spPr>
+          <a:xfrm>
+            <a:off x="6191297" y="-5610188"/>
+            <a:ext cx="602039" cy="271418"/>
+          </a:xfrm>
+          <a:prstGeom prst="rect">
+            <a:avLst/>
+          </a:prstGeom>
+        </p:spPr>
+        <p:style>
+          <a:lnRef idx="2">
+            <a:schemeClr val="accent1">
+              <a:shade val="50000"/>
+            </a:schemeClr>
+          </a:lnRef>
+          <a:fillRef idx="1">
+            <a:schemeClr val="accent1"/>
+          </a:fillRef>
+          <a:effectRef idx="0">
+            <a:schemeClr val="accent1"/>
+          </a:effectRef>
+          <a:fontRef idx="minor">
+            <a:schemeClr val="lt1"/>
+          </a:fontRef>
+        </p:style>
+        <p:txBody>
+          <a:bodyPr rtlCol="0" anchor="ctr"/>
+          <a:lstStyle/>
+          <a:p>
+            <a:pPr algn="ctr"/>
+            <a:r>
+              <a:rPr lang="en-GB" sz="1000" dirty="0"/>
+              <a:t>Login</a:t>
+            </a:r>
+          </a:p>
+        </p:txBody>
+      </p:sp>
+      <p:sp>
+        <p:nvSpPr>
+          <p:cNvPr id="183" name="Rectangle 182">
+            <a:extLst>
+              <a:ext uri="{FF2B5EF4-FFF2-40B4-BE49-F238E27FC236}">
+                <a16:creationId xmlns:a16="http://schemas.microsoft.com/office/drawing/2014/main" id="{A3BCD275-1060-423B-8E61-3CDF5BC49391}"/>
+              </a:ext>
+            </a:extLst>
+          </p:cNvPr>
+          <p:cNvSpPr/>
+          <p:nvPr/>
+        </p:nvSpPr>
+        <p:spPr>
+          <a:xfrm>
+            <a:off x="212817" y="-6774469"/>
+            <a:ext cx="1257300" cy="817685"/>
+          </a:xfrm>
+          <a:prstGeom prst="rect">
+            <a:avLst/>
+          </a:prstGeom>
+          <a:solidFill>
+            <a:schemeClr val="accent5">
+              <a:lumMod val="40000"/>
+              <a:lumOff val="60000"/>
+            </a:schemeClr>
+          </a:solidFill>
+        </p:spPr>
+        <p:style>
+          <a:lnRef idx="2">
+            <a:schemeClr val="accent1">
+              <a:shade val="50000"/>
+            </a:schemeClr>
+          </a:lnRef>
+          <a:fillRef idx="1">
+            <a:schemeClr val="accent1"/>
+          </a:fillRef>
+          <a:effectRef idx="0">
+            <a:schemeClr val="accent1"/>
+          </a:effectRef>
+          <a:fontRef idx="minor">
+            <a:schemeClr val="lt1"/>
+          </a:fontRef>
+        </p:style>
+        <p:txBody>
+          <a:bodyPr rtlCol="0" anchor="ctr"/>
+          <a:lstStyle/>
+          <a:p>
+            <a:r>
+              <a:rPr lang="en-GB" sz="1000" dirty="0">
+                <a:solidFill>
+                  <a:schemeClr val="tx1"/>
+                </a:solidFill>
+              </a:rPr>
+              <a:t>Table name</a:t>
+            </a:r>
+          </a:p>
+          <a:p>
+            <a:r>
+              <a:rPr lang="en-GB" sz="1000" dirty="0">
+                <a:solidFill>
+                  <a:schemeClr val="tx1"/>
+                </a:solidFill>
+              </a:rPr>
+              <a:t>Buy in: (buy in)</a:t>
+            </a:r>
+          </a:p>
+          <a:p>
+            <a:r>
+              <a:rPr lang="en-GB" sz="1000" dirty="0">
+                <a:solidFill>
+                  <a:schemeClr val="tx1"/>
+                </a:solidFill>
+              </a:rPr>
+              <a:t>(players)/(max no)</a:t>
+            </a:r>
+          </a:p>
+          <a:p>
+            <a:endParaRPr lang="en-GB" sz="1000" dirty="0">
               <a:solidFill>
-                <a:schemeClr val="accent1">
-                  <a:lumMod val="75000"/>
-                </a:schemeClr>
+                <a:schemeClr val="tx1"/>
               </a:solidFill>
-            </a:ln>
-          </p:spPr>
-          <p:style>
-            <a:lnRef idx="2">
-              <a:schemeClr val="accent1">
-                <a:shade val="50000"/>
-              </a:schemeClr>
-            </a:lnRef>
-            <a:fillRef idx="1">
-              <a:schemeClr val="accent1"/>
-            </a:fillRef>
-            <a:effectRef idx="0">
-              <a:schemeClr val="accent1"/>
-            </a:effectRef>
-            <a:fontRef idx="minor">
-              <a:schemeClr val="lt1"/>
-            </a:fontRef>
-          </p:style>
-          <p:txBody>
-            <a:bodyPr rtlCol="0" anchor="ctr"/>
-            <a:lstStyle/>
-            <a:p>
-              <a:pPr algn="ctr"/>
-              <a:endParaRPr lang="en-GB"/>
-            </a:p>
-          </p:txBody>
-        </p:sp>
-        <p:sp>
-          <p:nvSpPr>
-            <p:cNvPr id="34" name="Rectangle 33">
-              <a:extLst>
-                <a:ext uri="{FF2B5EF4-FFF2-40B4-BE49-F238E27FC236}">
-                  <a16:creationId xmlns:a16="http://schemas.microsoft.com/office/drawing/2014/main" id="{2B94E648-D3EB-4055-AA70-9BCB4EAA6CD0}"/>
-                </a:ext>
-              </a:extLst>
-            </p:cNvPr>
-            <p:cNvSpPr/>
-            <p:nvPr/>
-          </p:nvSpPr>
-          <p:spPr>
-            <a:xfrm>
-              <a:off x="6497516" y="486985"/>
-              <a:ext cx="5206481" cy="313114"/>
-            </a:xfrm>
-            <a:prstGeom prst="rect">
-              <a:avLst/>
-            </a:prstGeom>
-            <a:solidFill>
-              <a:schemeClr val="accent5">
-                <a:lumMod val="40000"/>
-                <a:lumOff val="60000"/>
-              </a:schemeClr>
-            </a:solidFill>
-          </p:spPr>
-          <p:style>
-            <a:lnRef idx="2">
-              <a:schemeClr val="accent1">
-                <a:shade val="50000"/>
-              </a:schemeClr>
-            </a:lnRef>
-            <a:fillRef idx="1">
-              <a:schemeClr val="accent1"/>
-            </a:fillRef>
-            <a:effectRef idx="0">
-              <a:schemeClr val="accent1"/>
-            </a:effectRef>
-            <a:fontRef idx="minor">
-              <a:schemeClr val="lt1"/>
-            </a:fontRef>
-          </p:style>
-          <p:txBody>
-            <a:bodyPr rtlCol="0" anchor="ctr"/>
-            <a:lstStyle/>
-            <a:p>
-              <a:pPr algn="ctr"/>
-              <a:endParaRPr lang="en-GB" dirty="0"/>
-            </a:p>
-          </p:txBody>
-        </p:sp>
-        <p:sp>
-          <p:nvSpPr>
-            <p:cNvPr id="35" name="TextBox 34">
-              <a:extLst>
-                <a:ext uri="{FF2B5EF4-FFF2-40B4-BE49-F238E27FC236}">
-                  <a16:creationId xmlns:a16="http://schemas.microsoft.com/office/drawing/2014/main" id="{6570BF2F-B970-49F3-BE41-801056A4A152}"/>
-                </a:ext>
-              </a:extLst>
-            </p:cNvPr>
-            <p:cNvSpPr txBox="1"/>
-            <p:nvPr/>
-          </p:nvSpPr>
-          <p:spPr>
-            <a:xfrm>
-              <a:off x="6497516" y="514617"/>
-              <a:ext cx="5206481" cy="276999"/>
-            </a:xfrm>
-            <a:prstGeom prst="rect">
-              <a:avLst/>
-            </a:prstGeom>
-            <a:noFill/>
-          </p:spPr>
-          <p:txBody>
-            <a:bodyPr wrap="square" rtlCol="0">
-              <a:spAutoFit/>
-            </a:bodyPr>
-            <a:lstStyle/>
-            <a:p>
-              <a:r>
-                <a:rPr lang="en-GB" sz="1200" dirty="0"/>
-                <a:t>Tables    Leaderboard                                                                            (name)  (money)</a:t>
-              </a:r>
-            </a:p>
-          </p:txBody>
-        </p:sp>
-      </p:grpSp>
-      <p:grpSp>
-        <p:nvGrpSpPr>
-          <p:cNvPr id="36" name="Group 35">
-            <a:extLst>
-              <a:ext uri="{FF2B5EF4-FFF2-40B4-BE49-F238E27FC236}">
-                <a16:creationId xmlns:a16="http://schemas.microsoft.com/office/drawing/2014/main" id="{72FDF718-C443-462D-8388-48D9E20056A9}"/>
-              </a:ext>
-            </a:extLst>
-          </p:cNvPr>
-          <p:cNvGrpSpPr/>
-          <p:nvPr/>
-        </p:nvGrpSpPr>
-        <p:grpSpPr>
-          <a:xfrm>
-            <a:off x="204586" y="3783262"/>
-            <a:ext cx="5206481" cy="3265714"/>
-            <a:chOff x="6497516" y="486985"/>
-            <a:chExt cx="5206481" cy="3265714"/>
-          </a:xfrm>
-        </p:grpSpPr>
-        <p:sp>
-          <p:nvSpPr>
-            <p:cNvPr id="37" name="Rectangle 36">
-              <a:extLst>
-                <a:ext uri="{FF2B5EF4-FFF2-40B4-BE49-F238E27FC236}">
-                  <a16:creationId xmlns:a16="http://schemas.microsoft.com/office/drawing/2014/main" id="{BB4A2B3E-E4BE-4960-A09D-D5CF03F6E4BB}"/>
-                </a:ext>
-              </a:extLst>
-            </p:cNvPr>
-            <p:cNvSpPr/>
-            <p:nvPr/>
-          </p:nvSpPr>
-          <p:spPr>
-            <a:xfrm>
-              <a:off x="6497516" y="486985"/>
-              <a:ext cx="5206481" cy="3265714"/>
-            </a:xfrm>
-            <a:prstGeom prst="rect">
-              <a:avLst/>
-            </a:prstGeom>
-            <a:noFill/>
-            <a:ln>
+            </a:endParaRPr>
+          </a:p>
+          <a:p>
+            <a:endParaRPr lang="en-GB" sz="1100" dirty="0">
               <a:solidFill>
-                <a:schemeClr val="accent1">
-                  <a:lumMod val="75000"/>
-                </a:schemeClr>
+                <a:schemeClr val="tx1"/>
               </a:solidFill>
-            </a:ln>
-          </p:spPr>
-          <p:style>
-            <a:lnRef idx="2">
-              <a:schemeClr val="accent1">
-                <a:shade val="50000"/>
-              </a:schemeClr>
-            </a:lnRef>
-            <a:fillRef idx="1">
-              <a:schemeClr val="accent1"/>
-            </a:fillRef>
-            <a:effectRef idx="0">
-              <a:schemeClr val="accent1"/>
-            </a:effectRef>
-            <a:fontRef idx="minor">
-              <a:schemeClr val="lt1"/>
-            </a:fontRef>
-          </p:style>
-          <p:txBody>
-            <a:bodyPr rtlCol="0" anchor="ctr"/>
-            <a:lstStyle/>
-            <a:p>
-              <a:pPr algn="ctr"/>
-              <a:endParaRPr lang="en-GB"/>
-            </a:p>
-          </p:txBody>
-        </p:sp>
-        <p:sp>
-          <p:nvSpPr>
-            <p:cNvPr id="38" name="Rectangle 37">
-              <a:extLst>
-                <a:ext uri="{FF2B5EF4-FFF2-40B4-BE49-F238E27FC236}">
-                  <a16:creationId xmlns:a16="http://schemas.microsoft.com/office/drawing/2014/main" id="{640B4FB5-D52D-4CA7-8D1A-16815776D3FD}"/>
-                </a:ext>
-              </a:extLst>
-            </p:cNvPr>
-            <p:cNvSpPr/>
-            <p:nvPr/>
-          </p:nvSpPr>
-          <p:spPr>
-            <a:xfrm>
-              <a:off x="6497516" y="486985"/>
-              <a:ext cx="5206481" cy="313114"/>
-            </a:xfrm>
-            <a:prstGeom prst="rect">
-              <a:avLst/>
-            </a:prstGeom>
-            <a:solidFill>
-              <a:schemeClr val="accent5">
-                <a:lumMod val="40000"/>
-                <a:lumOff val="60000"/>
-              </a:schemeClr>
-            </a:solidFill>
-          </p:spPr>
-          <p:style>
-            <a:lnRef idx="2">
-              <a:schemeClr val="accent1">
-                <a:shade val="50000"/>
-              </a:schemeClr>
-            </a:lnRef>
-            <a:fillRef idx="1">
-              <a:schemeClr val="accent1"/>
-            </a:fillRef>
-            <a:effectRef idx="0">
-              <a:schemeClr val="accent1"/>
-            </a:effectRef>
-            <a:fontRef idx="minor">
-              <a:schemeClr val="lt1"/>
-            </a:fontRef>
-          </p:style>
-          <p:txBody>
-            <a:bodyPr rtlCol="0" anchor="ctr"/>
-            <a:lstStyle/>
-            <a:p>
-              <a:pPr algn="ctr"/>
-              <a:endParaRPr lang="en-GB" dirty="0"/>
-            </a:p>
-          </p:txBody>
-        </p:sp>
-        <p:sp>
-          <p:nvSpPr>
-            <p:cNvPr id="39" name="TextBox 38">
-              <a:extLst>
-                <a:ext uri="{FF2B5EF4-FFF2-40B4-BE49-F238E27FC236}">
-                  <a16:creationId xmlns:a16="http://schemas.microsoft.com/office/drawing/2014/main" id="{07DE1919-C4B5-425B-9210-02095B09F8B2}"/>
-                </a:ext>
-              </a:extLst>
-            </p:cNvPr>
-            <p:cNvSpPr txBox="1"/>
-            <p:nvPr/>
-          </p:nvSpPr>
-          <p:spPr>
-            <a:xfrm>
-              <a:off x="6497516" y="514617"/>
-              <a:ext cx="5206481" cy="276999"/>
-            </a:xfrm>
-            <a:prstGeom prst="rect">
-              <a:avLst/>
-            </a:prstGeom>
-            <a:noFill/>
-          </p:spPr>
-          <p:txBody>
-            <a:bodyPr wrap="square" rtlCol="0">
-              <a:spAutoFit/>
-            </a:bodyPr>
-            <a:lstStyle/>
-            <a:p>
-              <a:r>
-                <a:rPr lang="en-GB" sz="1200" dirty="0"/>
-                <a:t>Tables    Leaderboard                                                                            (name)  (money)</a:t>
-              </a:r>
-            </a:p>
-          </p:txBody>
-        </p:sp>
-      </p:grpSp>
+            </a:endParaRPr>
+          </a:p>
+        </p:txBody>
+      </p:sp>
+      <p:sp>
+        <p:nvSpPr>
+          <p:cNvPr id="184" name="Rectangle 183">
+            <a:extLst>
+              <a:ext uri="{FF2B5EF4-FFF2-40B4-BE49-F238E27FC236}">
+                <a16:creationId xmlns:a16="http://schemas.microsoft.com/office/drawing/2014/main" id="{F72CA70F-5FC2-491B-ACA3-A13D751C5FC3}"/>
+              </a:ext>
+            </a:extLst>
+          </p:cNvPr>
+          <p:cNvSpPr/>
+          <p:nvPr/>
+        </p:nvSpPr>
+        <p:spPr>
+          <a:xfrm>
+            <a:off x="1857065" y="-6767166"/>
+            <a:ext cx="1257300" cy="817684"/>
+          </a:xfrm>
+          <a:prstGeom prst="rect">
+            <a:avLst/>
+          </a:prstGeom>
+          <a:solidFill>
+            <a:schemeClr val="accent5">
+              <a:lumMod val="40000"/>
+              <a:lumOff val="60000"/>
+            </a:schemeClr>
+          </a:solidFill>
+        </p:spPr>
+        <p:style>
+          <a:lnRef idx="2">
+            <a:schemeClr val="accent1">
+              <a:shade val="50000"/>
+            </a:schemeClr>
+          </a:lnRef>
+          <a:fillRef idx="1">
+            <a:schemeClr val="accent1"/>
+          </a:fillRef>
+          <a:effectRef idx="0">
+            <a:schemeClr val="accent1"/>
+          </a:effectRef>
+          <a:fontRef idx="minor">
+            <a:schemeClr val="lt1"/>
+          </a:fontRef>
+        </p:style>
+        <p:txBody>
+          <a:bodyPr rtlCol="0" anchor="ctr"/>
+          <a:lstStyle/>
+          <a:p>
+            <a:pPr algn="ctr"/>
+            <a:r>
+              <a:rPr lang="en-GB" sz="1200" dirty="0">
+                <a:solidFill>
+                  <a:schemeClr val="tx1"/>
+                </a:solidFill>
+              </a:rPr>
+              <a:t>Table</a:t>
+            </a:r>
+          </a:p>
+        </p:txBody>
+      </p:sp>
+      <p:sp>
+        <p:nvSpPr>
+          <p:cNvPr id="185" name="Rectangle 184">
+            <a:extLst>
+              <a:ext uri="{FF2B5EF4-FFF2-40B4-BE49-F238E27FC236}">
+                <a16:creationId xmlns:a16="http://schemas.microsoft.com/office/drawing/2014/main" id="{93D42FBE-39FB-4244-BC9F-51B4473128B6}"/>
+              </a:ext>
+            </a:extLst>
+          </p:cNvPr>
+          <p:cNvSpPr/>
+          <p:nvPr/>
+        </p:nvSpPr>
+        <p:spPr>
+          <a:xfrm>
+            <a:off x="3530998" y="-6774469"/>
+            <a:ext cx="1257300" cy="817684"/>
+          </a:xfrm>
+          <a:prstGeom prst="rect">
+            <a:avLst/>
+          </a:prstGeom>
+          <a:solidFill>
+            <a:schemeClr val="accent5">
+              <a:lumMod val="40000"/>
+              <a:lumOff val="60000"/>
+            </a:schemeClr>
+          </a:solidFill>
+        </p:spPr>
+        <p:style>
+          <a:lnRef idx="2">
+            <a:schemeClr val="accent1">
+              <a:shade val="50000"/>
+            </a:schemeClr>
+          </a:lnRef>
+          <a:fillRef idx="1">
+            <a:schemeClr val="accent1"/>
+          </a:fillRef>
+          <a:effectRef idx="0">
+            <a:schemeClr val="accent1"/>
+          </a:effectRef>
+          <a:fontRef idx="minor">
+            <a:schemeClr val="lt1"/>
+          </a:fontRef>
+        </p:style>
+        <p:txBody>
+          <a:bodyPr rtlCol="0" anchor="ctr"/>
+          <a:lstStyle/>
+          <a:p>
+            <a:pPr algn="ctr"/>
+            <a:r>
+              <a:rPr lang="en-GB" sz="1200" dirty="0">
+                <a:solidFill>
+                  <a:schemeClr val="tx1"/>
+                </a:solidFill>
+              </a:rPr>
+              <a:t>Table</a:t>
+            </a:r>
+          </a:p>
+        </p:txBody>
+      </p:sp>
+      <p:sp>
+        <p:nvSpPr>
+          <p:cNvPr id="202" name="TextBox 201">
+            <a:extLst>
+              <a:ext uri="{FF2B5EF4-FFF2-40B4-BE49-F238E27FC236}">
+                <a16:creationId xmlns:a16="http://schemas.microsoft.com/office/drawing/2014/main" id="{98C8BA35-5A46-46F2-8E0B-E81139790E04}"/>
+              </a:ext>
+            </a:extLst>
+          </p:cNvPr>
+          <p:cNvSpPr txBox="1"/>
+          <p:nvPr/>
+        </p:nvSpPr>
+        <p:spPr>
+          <a:xfrm>
+            <a:off x="6055514" y="-3060871"/>
+            <a:ext cx="948503" cy="276999"/>
+          </a:xfrm>
+          <a:prstGeom prst="rect">
+            <a:avLst/>
+          </a:prstGeom>
+          <a:noFill/>
+        </p:spPr>
+        <p:txBody>
+          <a:bodyPr wrap="square" rtlCol="0">
+            <a:spAutoFit/>
+          </a:bodyPr>
+          <a:lstStyle/>
+          <a:p>
+            <a:r>
+              <a:rPr lang="en-GB" sz="1200" dirty="0"/>
+              <a:t>Sign up</a:t>
+            </a:r>
+          </a:p>
+        </p:txBody>
+      </p:sp>
+      <p:sp>
+        <p:nvSpPr>
+          <p:cNvPr id="203" name="TextBox 202">
+            <a:extLst>
+              <a:ext uri="{FF2B5EF4-FFF2-40B4-BE49-F238E27FC236}">
+                <a16:creationId xmlns:a16="http://schemas.microsoft.com/office/drawing/2014/main" id="{8F13C01A-3976-4112-9E4B-9F0DAA772432}"/>
+              </a:ext>
+            </a:extLst>
+          </p:cNvPr>
+          <p:cNvSpPr txBox="1"/>
+          <p:nvPr/>
+        </p:nvSpPr>
+        <p:spPr>
+          <a:xfrm>
+            <a:off x="6057197" y="-2653802"/>
+            <a:ext cx="898338" cy="246221"/>
+          </a:xfrm>
+          <a:prstGeom prst="rect">
+            <a:avLst/>
+          </a:prstGeom>
+          <a:noFill/>
+        </p:spPr>
+        <p:txBody>
+          <a:bodyPr wrap="square" rtlCol="0">
+            <a:spAutoFit/>
+          </a:bodyPr>
+          <a:lstStyle/>
+          <a:p>
+            <a:r>
+              <a:rPr lang="en-GB" sz="1000" dirty="0"/>
+              <a:t>Username:</a:t>
+            </a:r>
+          </a:p>
+        </p:txBody>
+      </p:sp>
+      <p:sp>
+        <p:nvSpPr>
+          <p:cNvPr id="204" name="TextBox 203">
+            <a:extLst>
+              <a:ext uri="{FF2B5EF4-FFF2-40B4-BE49-F238E27FC236}">
+                <a16:creationId xmlns:a16="http://schemas.microsoft.com/office/drawing/2014/main" id="{A98E86D9-D004-4CB6-9EE5-1780290095CA}"/>
+              </a:ext>
+            </a:extLst>
+          </p:cNvPr>
+          <p:cNvSpPr txBox="1"/>
+          <p:nvPr/>
+        </p:nvSpPr>
+        <p:spPr>
+          <a:xfrm>
+            <a:off x="6038053" y="-1915196"/>
+            <a:ext cx="898338" cy="246221"/>
+          </a:xfrm>
+          <a:prstGeom prst="rect">
+            <a:avLst/>
+          </a:prstGeom>
+          <a:noFill/>
+        </p:spPr>
+        <p:txBody>
+          <a:bodyPr wrap="square" rtlCol="0">
+            <a:spAutoFit/>
+          </a:bodyPr>
+          <a:lstStyle/>
+          <a:p>
+            <a:r>
+              <a:rPr lang="en-GB" sz="1000" dirty="0"/>
+              <a:t>Password:</a:t>
+            </a:r>
+          </a:p>
+        </p:txBody>
+      </p:sp>
+      <p:sp>
+        <p:nvSpPr>
+          <p:cNvPr id="206" name="Rectangle 205">
+            <a:extLst>
+              <a:ext uri="{FF2B5EF4-FFF2-40B4-BE49-F238E27FC236}">
+                <a16:creationId xmlns:a16="http://schemas.microsoft.com/office/drawing/2014/main" id="{0B0E8DFF-7EED-466A-8582-42E2E7D78E79}"/>
+              </a:ext>
+            </a:extLst>
+          </p:cNvPr>
+          <p:cNvSpPr/>
+          <p:nvPr/>
+        </p:nvSpPr>
+        <p:spPr>
+          <a:xfrm>
+            <a:off x="7177573" y="-2646104"/>
+            <a:ext cx="745728" cy="228368"/>
+          </a:xfrm>
+          <a:prstGeom prst="rect">
+            <a:avLst/>
+          </a:prstGeom>
+          <a:solidFill>
+            <a:schemeClr val="bg1"/>
+          </a:solidFill>
+        </p:spPr>
+        <p:style>
+          <a:lnRef idx="2">
+            <a:schemeClr val="accent1">
+              <a:shade val="50000"/>
+            </a:schemeClr>
+          </a:lnRef>
+          <a:fillRef idx="1">
+            <a:schemeClr val="accent1"/>
+          </a:fillRef>
+          <a:effectRef idx="0">
+            <a:schemeClr val="accent1"/>
+          </a:effectRef>
+          <a:fontRef idx="minor">
+            <a:schemeClr val="lt1"/>
+          </a:fontRef>
+        </p:style>
+        <p:txBody>
+          <a:bodyPr rtlCol="0" anchor="ctr"/>
+          <a:lstStyle/>
+          <a:p>
+            <a:pPr algn="ctr"/>
+            <a:endParaRPr lang="en-GB" dirty="0"/>
+          </a:p>
+        </p:txBody>
+      </p:sp>
+      <p:sp>
+        <p:nvSpPr>
+          <p:cNvPr id="208" name="Rectangle 207">
+            <a:extLst>
+              <a:ext uri="{FF2B5EF4-FFF2-40B4-BE49-F238E27FC236}">
+                <a16:creationId xmlns:a16="http://schemas.microsoft.com/office/drawing/2014/main" id="{A2FB352D-C9B2-4EAD-BB53-8B25C66AF0B6}"/>
+              </a:ext>
+            </a:extLst>
+          </p:cNvPr>
+          <p:cNvSpPr/>
+          <p:nvPr/>
+        </p:nvSpPr>
+        <p:spPr>
+          <a:xfrm>
+            <a:off x="7177573" y="-2272637"/>
+            <a:ext cx="745728" cy="228368"/>
+          </a:xfrm>
+          <a:prstGeom prst="rect">
+            <a:avLst/>
+          </a:prstGeom>
+          <a:solidFill>
+            <a:schemeClr val="bg1"/>
+          </a:solidFill>
+        </p:spPr>
+        <p:style>
+          <a:lnRef idx="2">
+            <a:schemeClr val="accent1">
+              <a:shade val="50000"/>
+            </a:schemeClr>
+          </a:lnRef>
+          <a:fillRef idx="1">
+            <a:schemeClr val="accent1"/>
+          </a:fillRef>
+          <a:effectRef idx="0">
+            <a:schemeClr val="accent1"/>
+          </a:effectRef>
+          <a:fontRef idx="minor">
+            <a:schemeClr val="lt1"/>
+          </a:fontRef>
+        </p:style>
+        <p:txBody>
+          <a:bodyPr rtlCol="0" anchor="ctr"/>
+          <a:lstStyle/>
+          <a:p>
+            <a:pPr algn="ctr"/>
+            <a:endParaRPr lang="en-GB" dirty="0"/>
+          </a:p>
+        </p:txBody>
+      </p:sp>
+      <p:sp>
+        <p:nvSpPr>
+          <p:cNvPr id="209" name="Rectangle 208">
+            <a:extLst>
+              <a:ext uri="{FF2B5EF4-FFF2-40B4-BE49-F238E27FC236}">
+                <a16:creationId xmlns:a16="http://schemas.microsoft.com/office/drawing/2014/main" id="{7DC62207-B5E4-4287-AD15-5382D170B1F1}"/>
+              </a:ext>
+            </a:extLst>
+          </p:cNvPr>
+          <p:cNvSpPr/>
+          <p:nvPr/>
+        </p:nvSpPr>
+        <p:spPr>
+          <a:xfrm>
+            <a:off x="7177573" y="-1915196"/>
+            <a:ext cx="745728" cy="228368"/>
+          </a:xfrm>
+          <a:prstGeom prst="rect">
+            <a:avLst/>
+          </a:prstGeom>
+          <a:solidFill>
+            <a:schemeClr val="bg1"/>
+          </a:solidFill>
+        </p:spPr>
+        <p:style>
+          <a:lnRef idx="2">
+            <a:schemeClr val="accent1">
+              <a:shade val="50000"/>
+            </a:schemeClr>
+          </a:lnRef>
+          <a:fillRef idx="1">
+            <a:schemeClr val="accent1"/>
+          </a:fillRef>
+          <a:effectRef idx="0">
+            <a:schemeClr val="accent1"/>
+          </a:effectRef>
+          <a:fontRef idx="minor">
+            <a:schemeClr val="lt1"/>
+          </a:fontRef>
+        </p:style>
+        <p:txBody>
+          <a:bodyPr rtlCol="0" anchor="ctr"/>
+          <a:lstStyle/>
+          <a:p>
+            <a:pPr algn="ctr"/>
+            <a:endParaRPr lang="en-GB" dirty="0"/>
+          </a:p>
+        </p:txBody>
+      </p:sp>
+      <p:sp>
+        <p:nvSpPr>
+          <p:cNvPr id="210" name="Rectangle 209">
+            <a:extLst>
+              <a:ext uri="{FF2B5EF4-FFF2-40B4-BE49-F238E27FC236}">
+                <a16:creationId xmlns:a16="http://schemas.microsoft.com/office/drawing/2014/main" id="{725B7854-6F96-4DEE-A170-C87C78C4578C}"/>
+              </a:ext>
+            </a:extLst>
+          </p:cNvPr>
+          <p:cNvSpPr/>
+          <p:nvPr/>
+        </p:nvSpPr>
+        <p:spPr>
+          <a:xfrm>
+            <a:off x="7177573" y="-1562017"/>
+            <a:ext cx="745728" cy="228368"/>
+          </a:xfrm>
+          <a:prstGeom prst="rect">
+            <a:avLst/>
+          </a:prstGeom>
+          <a:solidFill>
+            <a:schemeClr val="bg1"/>
+          </a:solidFill>
+        </p:spPr>
+        <p:style>
+          <a:lnRef idx="2">
+            <a:schemeClr val="accent1">
+              <a:shade val="50000"/>
+            </a:schemeClr>
+          </a:lnRef>
+          <a:fillRef idx="1">
+            <a:schemeClr val="accent1"/>
+          </a:fillRef>
+          <a:effectRef idx="0">
+            <a:schemeClr val="accent1"/>
+          </a:effectRef>
+          <a:fontRef idx="minor">
+            <a:schemeClr val="lt1"/>
+          </a:fontRef>
+        </p:style>
+        <p:txBody>
+          <a:bodyPr rtlCol="0" anchor="ctr"/>
+          <a:lstStyle/>
+          <a:p>
+            <a:pPr algn="ctr"/>
+            <a:endParaRPr lang="en-GB" dirty="0"/>
+          </a:p>
+        </p:txBody>
+      </p:sp>
+      <p:sp>
+        <p:nvSpPr>
+          <p:cNvPr id="211" name="TextBox 210">
+            <a:extLst>
+              <a:ext uri="{FF2B5EF4-FFF2-40B4-BE49-F238E27FC236}">
+                <a16:creationId xmlns:a16="http://schemas.microsoft.com/office/drawing/2014/main" id="{95F36CCE-DC88-4B32-B38D-D121B2CE7164}"/>
+              </a:ext>
+            </a:extLst>
+          </p:cNvPr>
+          <p:cNvSpPr txBox="1"/>
+          <p:nvPr/>
+        </p:nvSpPr>
+        <p:spPr>
+          <a:xfrm>
+            <a:off x="6038053" y="-1567010"/>
+            <a:ext cx="1302327" cy="246221"/>
+          </a:xfrm>
+          <a:prstGeom prst="rect">
+            <a:avLst/>
+          </a:prstGeom>
+          <a:noFill/>
+        </p:spPr>
+        <p:txBody>
+          <a:bodyPr wrap="square" rtlCol="0">
+            <a:spAutoFit/>
+          </a:bodyPr>
+          <a:lstStyle/>
+          <a:p>
+            <a:r>
+              <a:rPr lang="en-GB" sz="1000" dirty="0"/>
+              <a:t>Confirm password:</a:t>
+            </a:r>
+          </a:p>
+        </p:txBody>
+      </p:sp>
+      <p:sp>
+        <p:nvSpPr>
+          <p:cNvPr id="212" name="TextBox 211">
+            <a:extLst>
+              <a:ext uri="{FF2B5EF4-FFF2-40B4-BE49-F238E27FC236}">
+                <a16:creationId xmlns:a16="http://schemas.microsoft.com/office/drawing/2014/main" id="{802FC9D8-B47D-4687-934A-1748C2A02CF9}"/>
+              </a:ext>
+            </a:extLst>
+          </p:cNvPr>
+          <p:cNvSpPr txBox="1"/>
+          <p:nvPr/>
+        </p:nvSpPr>
+        <p:spPr>
+          <a:xfrm>
+            <a:off x="6067047" y="-2270655"/>
+            <a:ext cx="957211" cy="246221"/>
+          </a:xfrm>
+          <a:prstGeom prst="rect">
+            <a:avLst/>
+          </a:prstGeom>
+          <a:noFill/>
+        </p:spPr>
+        <p:txBody>
+          <a:bodyPr wrap="square" rtlCol="0">
+            <a:spAutoFit/>
+          </a:bodyPr>
+          <a:lstStyle/>
+          <a:p>
+            <a:r>
+              <a:rPr lang="en-GB" sz="1000" dirty="0"/>
+              <a:t>Email address:</a:t>
+            </a:r>
+          </a:p>
+        </p:txBody>
+      </p:sp>
+      <p:sp>
+        <p:nvSpPr>
+          <p:cNvPr id="213" name="Rectangle 212">
+            <a:extLst>
+              <a:ext uri="{FF2B5EF4-FFF2-40B4-BE49-F238E27FC236}">
+                <a16:creationId xmlns:a16="http://schemas.microsoft.com/office/drawing/2014/main" id="{77A7173A-B531-4A98-A5AE-DCC832226ADF}"/>
+              </a:ext>
+            </a:extLst>
+          </p:cNvPr>
+          <p:cNvSpPr/>
+          <p:nvPr/>
+        </p:nvSpPr>
+        <p:spPr>
+          <a:xfrm>
+            <a:off x="6150162" y="-1163661"/>
+            <a:ext cx="602039" cy="271418"/>
+          </a:xfrm>
+          <a:prstGeom prst="rect">
+            <a:avLst/>
+          </a:prstGeom>
+        </p:spPr>
+        <p:style>
+          <a:lnRef idx="2">
+            <a:schemeClr val="accent1">
+              <a:shade val="50000"/>
+            </a:schemeClr>
+          </a:lnRef>
+          <a:fillRef idx="1">
+            <a:schemeClr val="accent1"/>
+          </a:fillRef>
+          <a:effectRef idx="0">
+            <a:schemeClr val="accent1"/>
+          </a:effectRef>
+          <a:fontRef idx="minor">
+            <a:schemeClr val="lt1"/>
+          </a:fontRef>
+        </p:style>
+        <p:txBody>
+          <a:bodyPr rtlCol="0" anchor="ctr"/>
+          <a:lstStyle/>
+          <a:p>
+            <a:pPr algn="ctr"/>
+            <a:r>
+              <a:rPr lang="en-GB" sz="1000" dirty="0"/>
+              <a:t>Sign up</a:t>
+            </a:r>
+          </a:p>
+        </p:txBody>
+      </p:sp>
+      <p:sp>
+        <p:nvSpPr>
+          <p:cNvPr id="214" name="TextBox 213">
+            <a:extLst>
+              <a:ext uri="{FF2B5EF4-FFF2-40B4-BE49-F238E27FC236}">
+                <a16:creationId xmlns:a16="http://schemas.microsoft.com/office/drawing/2014/main" id="{2F587D4B-232F-44B7-AB53-18C1B30E319F}"/>
+              </a:ext>
+            </a:extLst>
+          </p:cNvPr>
+          <p:cNvSpPr txBox="1"/>
+          <p:nvPr/>
+        </p:nvSpPr>
+        <p:spPr>
+          <a:xfrm>
+            <a:off x="212817" y="-3022639"/>
+            <a:ext cx="556110" cy="246221"/>
+          </a:xfrm>
+          <a:prstGeom prst="rect">
+            <a:avLst/>
+          </a:prstGeom>
+          <a:noFill/>
+        </p:spPr>
+        <p:txBody>
+          <a:bodyPr wrap="square" rtlCol="0">
+            <a:spAutoFit/>
+          </a:bodyPr>
+          <a:lstStyle/>
+          <a:p>
+            <a:r>
+              <a:rPr lang="en-GB" sz="1000" dirty="0"/>
+              <a:t>Name:</a:t>
+            </a:r>
+          </a:p>
+        </p:txBody>
+      </p:sp>
+      <p:sp>
+        <p:nvSpPr>
+          <p:cNvPr id="215" name="Rectangle 214">
+            <a:extLst>
+              <a:ext uri="{FF2B5EF4-FFF2-40B4-BE49-F238E27FC236}">
+                <a16:creationId xmlns:a16="http://schemas.microsoft.com/office/drawing/2014/main" id="{5FAD60CA-83FB-41DB-9E90-3C2D40326C5D}"/>
+              </a:ext>
+            </a:extLst>
+          </p:cNvPr>
+          <p:cNvSpPr/>
+          <p:nvPr/>
+        </p:nvSpPr>
+        <p:spPr>
+          <a:xfrm>
+            <a:off x="746766" y="-2995692"/>
+            <a:ext cx="745728" cy="228368"/>
+          </a:xfrm>
+          <a:prstGeom prst="rect">
+            <a:avLst/>
+          </a:prstGeom>
+          <a:solidFill>
+            <a:schemeClr val="bg1"/>
+          </a:solidFill>
+        </p:spPr>
+        <p:style>
+          <a:lnRef idx="2">
+            <a:schemeClr val="accent1">
+              <a:shade val="50000"/>
+            </a:schemeClr>
+          </a:lnRef>
+          <a:fillRef idx="1">
+            <a:schemeClr val="accent1"/>
+          </a:fillRef>
+          <a:effectRef idx="0">
+            <a:schemeClr val="accent1"/>
+          </a:effectRef>
+          <a:fontRef idx="minor">
+            <a:schemeClr val="lt1"/>
+          </a:fontRef>
+        </p:style>
+        <p:txBody>
+          <a:bodyPr rtlCol="0" anchor="ctr"/>
+          <a:lstStyle/>
+          <a:p>
+            <a:pPr algn="ctr"/>
+            <a:endParaRPr lang="en-GB"/>
+          </a:p>
+        </p:txBody>
+      </p:sp>
+      <p:sp>
+        <p:nvSpPr>
+          <p:cNvPr id="216" name="TextBox 215">
+            <a:extLst>
+              <a:ext uri="{FF2B5EF4-FFF2-40B4-BE49-F238E27FC236}">
+                <a16:creationId xmlns:a16="http://schemas.microsoft.com/office/drawing/2014/main" id="{3F272236-8C03-4FA1-A7C5-49DCF9886062}"/>
+              </a:ext>
+            </a:extLst>
+          </p:cNvPr>
+          <p:cNvSpPr txBox="1"/>
+          <p:nvPr/>
+        </p:nvSpPr>
+        <p:spPr>
+          <a:xfrm>
+            <a:off x="214959" y="-2656372"/>
+            <a:ext cx="556110" cy="246221"/>
+          </a:xfrm>
+          <a:prstGeom prst="rect">
+            <a:avLst/>
+          </a:prstGeom>
+          <a:noFill/>
+        </p:spPr>
+        <p:txBody>
+          <a:bodyPr wrap="square" rtlCol="0">
+            <a:spAutoFit/>
+          </a:bodyPr>
+          <a:lstStyle/>
+          <a:p>
+            <a:r>
+              <a:rPr lang="en-GB" sz="1000" dirty="0"/>
+              <a:t>Buy in:</a:t>
+            </a:r>
+          </a:p>
+        </p:txBody>
+      </p:sp>
+      <p:sp>
+        <p:nvSpPr>
+          <p:cNvPr id="217" name="TextBox 216">
+            <a:extLst>
+              <a:ext uri="{FF2B5EF4-FFF2-40B4-BE49-F238E27FC236}">
+                <a16:creationId xmlns:a16="http://schemas.microsoft.com/office/drawing/2014/main" id="{644B9447-108E-4482-B685-F44AE1190AF7}"/>
+              </a:ext>
+            </a:extLst>
+          </p:cNvPr>
+          <p:cNvSpPr txBox="1"/>
+          <p:nvPr/>
+        </p:nvSpPr>
+        <p:spPr>
+          <a:xfrm>
+            <a:off x="222392" y="-2283341"/>
+            <a:ext cx="1164793" cy="246221"/>
+          </a:xfrm>
+          <a:prstGeom prst="rect">
+            <a:avLst/>
+          </a:prstGeom>
+          <a:noFill/>
+        </p:spPr>
+        <p:txBody>
+          <a:bodyPr wrap="square" rtlCol="0">
+            <a:spAutoFit/>
+          </a:bodyPr>
+          <a:lstStyle/>
+          <a:p>
+            <a:r>
+              <a:rPr lang="en-GB" sz="1000" dirty="0"/>
+              <a:t>Max no of players:</a:t>
+            </a:r>
+          </a:p>
+        </p:txBody>
+      </p:sp>
+      <p:sp>
+        <p:nvSpPr>
+          <p:cNvPr id="218" name="Rectangle 217">
+            <a:extLst>
+              <a:ext uri="{FF2B5EF4-FFF2-40B4-BE49-F238E27FC236}">
+                <a16:creationId xmlns:a16="http://schemas.microsoft.com/office/drawing/2014/main" id="{446151B3-C4DA-4424-99CB-04C406E13068}"/>
+              </a:ext>
+            </a:extLst>
+          </p:cNvPr>
+          <p:cNvSpPr/>
+          <p:nvPr/>
+        </p:nvSpPr>
+        <p:spPr>
+          <a:xfrm>
+            <a:off x="746766" y="-2603544"/>
+            <a:ext cx="745728" cy="228368"/>
+          </a:xfrm>
+          <a:prstGeom prst="rect">
+            <a:avLst/>
+          </a:prstGeom>
+          <a:solidFill>
+            <a:schemeClr val="bg1"/>
+          </a:solidFill>
+        </p:spPr>
+        <p:style>
+          <a:lnRef idx="2">
+            <a:schemeClr val="accent1">
+              <a:shade val="50000"/>
+            </a:schemeClr>
+          </a:lnRef>
+          <a:fillRef idx="1">
+            <a:schemeClr val="accent1"/>
+          </a:fillRef>
+          <a:effectRef idx="0">
+            <a:schemeClr val="accent1"/>
+          </a:effectRef>
+          <a:fontRef idx="minor">
+            <a:schemeClr val="lt1"/>
+          </a:fontRef>
+        </p:style>
+        <p:txBody>
+          <a:bodyPr rtlCol="0" anchor="ctr"/>
+          <a:lstStyle/>
+          <a:p>
+            <a:pPr algn="ctr"/>
+            <a:endParaRPr lang="en-GB"/>
+          </a:p>
+        </p:txBody>
+      </p:sp>
+      <p:sp>
+        <p:nvSpPr>
+          <p:cNvPr id="219" name="Rectangle 218">
+            <a:extLst>
+              <a:ext uri="{FF2B5EF4-FFF2-40B4-BE49-F238E27FC236}">
+                <a16:creationId xmlns:a16="http://schemas.microsoft.com/office/drawing/2014/main" id="{96CB8055-5211-4E87-8537-8F32F4D1BBF3}"/>
+              </a:ext>
+            </a:extLst>
+          </p:cNvPr>
+          <p:cNvSpPr/>
+          <p:nvPr/>
+        </p:nvSpPr>
+        <p:spPr>
+          <a:xfrm>
+            <a:off x="1362842" y="-2250484"/>
+            <a:ext cx="745728" cy="228368"/>
+          </a:xfrm>
+          <a:prstGeom prst="rect">
+            <a:avLst/>
+          </a:prstGeom>
+          <a:solidFill>
+            <a:schemeClr val="bg1"/>
+          </a:solidFill>
+        </p:spPr>
+        <p:style>
+          <a:lnRef idx="2">
+            <a:schemeClr val="accent1">
+              <a:shade val="50000"/>
+            </a:schemeClr>
+          </a:lnRef>
+          <a:fillRef idx="1">
+            <a:schemeClr val="accent1"/>
+          </a:fillRef>
+          <a:effectRef idx="0">
+            <a:schemeClr val="accent1"/>
+          </a:effectRef>
+          <a:fontRef idx="minor">
+            <a:schemeClr val="lt1"/>
+          </a:fontRef>
+        </p:style>
+        <p:txBody>
+          <a:bodyPr rtlCol="0" anchor="ctr"/>
+          <a:lstStyle/>
+          <a:p>
+            <a:pPr algn="ctr"/>
+            <a:endParaRPr lang="en-GB" dirty="0"/>
+          </a:p>
+        </p:txBody>
+      </p:sp>
+      <p:sp>
+        <p:nvSpPr>
+          <p:cNvPr id="220" name="Rectangle 219">
+            <a:extLst>
+              <a:ext uri="{FF2B5EF4-FFF2-40B4-BE49-F238E27FC236}">
+                <a16:creationId xmlns:a16="http://schemas.microsoft.com/office/drawing/2014/main" id="{D013EDFE-3D9C-4389-8C40-31DCD794A278}"/>
+              </a:ext>
+            </a:extLst>
+          </p:cNvPr>
+          <p:cNvSpPr/>
+          <p:nvPr/>
+        </p:nvSpPr>
+        <p:spPr>
+          <a:xfrm>
+            <a:off x="309215" y="-1627705"/>
+            <a:ext cx="760442" cy="259790"/>
+          </a:xfrm>
+          <a:prstGeom prst="rect">
+            <a:avLst/>
+          </a:prstGeom>
+        </p:spPr>
+        <p:style>
+          <a:lnRef idx="2">
+            <a:schemeClr val="accent1">
+              <a:shade val="50000"/>
+            </a:schemeClr>
+          </a:lnRef>
+          <a:fillRef idx="1">
+            <a:schemeClr val="accent1"/>
+          </a:fillRef>
+          <a:effectRef idx="0">
+            <a:schemeClr val="accent1"/>
+          </a:effectRef>
+          <a:fontRef idx="minor">
+            <a:schemeClr val="lt1"/>
+          </a:fontRef>
+        </p:style>
+        <p:txBody>
+          <a:bodyPr rtlCol="0" anchor="ctr"/>
+          <a:lstStyle/>
+          <a:p>
+            <a:pPr algn="ctr"/>
+            <a:r>
+              <a:rPr lang="en-GB" sz="1000" dirty="0"/>
+              <a:t>Save table</a:t>
+            </a:r>
+          </a:p>
+        </p:txBody>
+      </p:sp>
+      <p:cxnSp>
+        <p:nvCxnSpPr>
+          <p:cNvPr id="225" name="Connector: Elbow 224">
+            <a:extLst>
+              <a:ext uri="{FF2B5EF4-FFF2-40B4-BE49-F238E27FC236}">
+                <a16:creationId xmlns:a16="http://schemas.microsoft.com/office/drawing/2014/main" id="{FC77BE1B-9AD0-4470-A933-F4D2EF7BCAF4}"/>
+              </a:ext>
+            </a:extLst>
+          </p:cNvPr>
+          <p:cNvCxnSpPr>
+            <a:stCxn id="135" idx="2"/>
+          </p:cNvCxnSpPr>
+          <p:nvPr/>
+        </p:nvCxnSpPr>
+        <p:spPr>
+          <a:xfrm rot="16200000" flipH="1">
+            <a:off x="2832307" y="-6576661"/>
+            <a:ext cx="1265198" cy="4188459"/>
+          </a:xfrm>
+          <a:prstGeom prst="bentConnector2">
+            <a:avLst/>
+          </a:prstGeom>
+        </p:spPr>
+        <p:style>
+          <a:lnRef idx="1">
+            <a:schemeClr val="accent1"/>
+          </a:lnRef>
+          <a:fillRef idx="0">
+            <a:schemeClr val="accent1"/>
+          </a:fillRef>
+          <a:effectRef idx="0">
+            <a:schemeClr val="accent1"/>
+          </a:effectRef>
+          <a:fontRef idx="minor">
+            <a:schemeClr val="tx1"/>
+          </a:fontRef>
+        </p:style>
+      </p:cxnSp>
+      <p:cxnSp>
+        <p:nvCxnSpPr>
+          <p:cNvPr id="227" name="Connector: Elbow 226">
+            <a:extLst>
+              <a:ext uri="{FF2B5EF4-FFF2-40B4-BE49-F238E27FC236}">
+                <a16:creationId xmlns:a16="http://schemas.microsoft.com/office/drawing/2014/main" id="{B2CB169F-23DA-49A3-B22B-CB192FD36070}"/>
+              </a:ext>
+            </a:extLst>
+          </p:cNvPr>
+          <p:cNvCxnSpPr>
+            <a:cxnSpLocks/>
+            <a:endCxn id="107" idx="1"/>
+          </p:cNvCxnSpPr>
+          <p:nvPr/>
+        </p:nvCxnSpPr>
+        <p:spPr>
+          <a:xfrm rot="16200000" flipH="1">
+            <a:off x="4859282" y="-3149983"/>
+            <a:ext cx="1878624" cy="478920"/>
+          </a:xfrm>
+          <a:prstGeom prst="bentConnector2">
+            <a:avLst/>
+          </a:prstGeom>
+          <a:ln>
+            <a:tailEnd type="triangle"/>
+          </a:ln>
+        </p:spPr>
+        <p:style>
+          <a:lnRef idx="1">
+            <a:schemeClr val="accent1"/>
+          </a:lnRef>
+          <a:fillRef idx="0">
+            <a:schemeClr val="accent1"/>
+          </a:fillRef>
+          <a:effectRef idx="0">
+            <a:schemeClr val="accent1"/>
+          </a:effectRef>
+          <a:fontRef idx="minor">
+            <a:schemeClr val="tx1"/>
+          </a:fontRef>
+        </p:style>
+      </p:cxnSp>
+      <p:cxnSp>
+        <p:nvCxnSpPr>
+          <p:cNvPr id="237" name="Connector: Elbow 236">
+            <a:extLst>
+              <a:ext uri="{FF2B5EF4-FFF2-40B4-BE49-F238E27FC236}">
+                <a16:creationId xmlns:a16="http://schemas.microsoft.com/office/drawing/2014/main" id="{801B4E3A-8954-4E86-99F4-C178EA2228E6}"/>
+              </a:ext>
+            </a:extLst>
+          </p:cNvPr>
+          <p:cNvCxnSpPr>
+            <a:stCxn id="83" idx="1"/>
+            <a:endCxn id="142" idx="1"/>
+          </p:cNvCxnSpPr>
+          <p:nvPr/>
+        </p:nvCxnSpPr>
+        <p:spPr>
+          <a:xfrm rot="10800000">
+            <a:off x="-1" y="-2054447"/>
+            <a:ext cx="309216" cy="2643652"/>
+          </a:xfrm>
+          <a:prstGeom prst="bentConnector3">
+            <a:avLst>
+              <a:gd name="adj1" fmla="val 135554"/>
+            </a:avLst>
+          </a:prstGeom>
+          <a:ln>
+            <a:tailEnd type="triangle"/>
+          </a:ln>
+        </p:spPr>
+        <p:style>
+          <a:lnRef idx="1">
+            <a:schemeClr val="accent1"/>
+          </a:lnRef>
+          <a:fillRef idx="0">
+            <a:schemeClr val="accent1"/>
+          </a:fillRef>
+          <a:effectRef idx="0">
+            <a:schemeClr val="accent1"/>
+          </a:effectRef>
+          <a:fontRef idx="minor">
+            <a:schemeClr val="tx1"/>
+          </a:fontRef>
+        </p:style>
+      </p:cxnSp>
+      <p:cxnSp>
+        <p:nvCxnSpPr>
+          <p:cNvPr id="239" name="Connector: Elbow 238">
+            <a:extLst>
+              <a:ext uri="{FF2B5EF4-FFF2-40B4-BE49-F238E27FC236}">
+                <a16:creationId xmlns:a16="http://schemas.microsoft.com/office/drawing/2014/main" id="{7CAB157B-C7A3-4411-8A83-A08560EECA35}"/>
+              </a:ext>
+            </a:extLst>
+          </p:cNvPr>
+          <p:cNvCxnSpPr>
+            <a:stCxn id="220" idx="1"/>
+          </p:cNvCxnSpPr>
+          <p:nvPr/>
+        </p:nvCxnSpPr>
+        <p:spPr>
+          <a:xfrm rot="10800000" flipV="1">
+            <a:off x="-230735" y="-1497811"/>
+            <a:ext cx="539951" cy="3286271"/>
+          </a:xfrm>
+          <a:prstGeom prst="bentConnector2">
+            <a:avLst/>
+          </a:prstGeom>
+        </p:spPr>
+        <p:style>
+          <a:lnRef idx="1">
+            <a:schemeClr val="accent1"/>
+          </a:lnRef>
+          <a:fillRef idx="0">
+            <a:schemeClr val="accent1"/>
+          </a:fillRef>
+          <a:effectRef idx="0">
+            <a:schemeClr val="accent1"/>
+          </a:effectRef>
+          <a:fontRef idx="minor">
+            <a:schemeClr val="tx1"/>
+          </a:fontRef>
+        </p:style>
+      </p:cxnSp>
+      <p:cxnSp>
+        <p:nvCxnSpPr>
+          <p:cNvPr id="243" name="Connector: Elbow 242">
+            <a:extLst>
+              <a:ext uri="{FF2B5EF4-FFF2-40B4-BE49-F238E27FC236}">
+                <a16:creationId xmlns:a16="http://schemas.microsoft.com/office/drawing/2014/main" id="{54254125-9040-429E-AD10-7A26373D7B95}"/>
+              </a:ext>
+            </a:extLst>
+          </p:cNvPr>
+          <p:cNvCxnSpPr>
+            <a:stCxn id="213" idx="1"/>
+            <a:endCxn id="4" idx="3"/>
+          </p:cNvCxnSpPr>
+          <p:nvPr/>
+        </p:nvCxnSpPr>
+        <p:spPr>
+          <a:xfrm rot="10800000" flipV="1">
+            <a:off x="5206482" y="-1027953"/>
+            <a:ext cx="943681" cy="2660809"/>
+          </a:xfrm>
+          <a:prstGeom prst="bentConnector3">
+            <a:avLst>
+              <a:gd name="adj1" fmla="val 42603"/>
+            </a:avLst>
+          </a:prstGeom>
+          <a:ln>
+            <a:tailEnd type="triangle"/>
+          </a:ln>
+        </p:spPr>
+        <p:style>
+          <a:lnRef idx="1">
+            <a:schemeClr val="accent1"/>
+          </a:lnRef>
+          <a:fillRef idx="0">
+            <a:schemeClr val="accent1"/>
+          </a:fillRef>
+          <a:effectRef idx="0">
+            <a:schemeClr val="accent1"/>
+          </a:effectRef>
+          <a:fontRef idx="minor">
+            <a:schemeClr val="tx1"/>
+          </a:fontRef>
+        </p:style>
+      </p:cxnSp>
     </p:spTree>
     <p:extLst>
       <p:ext uri="{BB962C8B-B14F-4D97-AF65-F5344CB8AC3E}">
